--- a/황석진 제안서 작성중.pptx
+++ b/황석진 제안서 작성중.pptx
@@ -8,15 +8,15 @@
     <p:notesMasterId r:id="rId11"/>
   </p:notesMasterIdLst>
   <p:sldIdLst>
-    <p:sldId id="259" r:id="rId2"/>
-    <p:sldId id="260" r:id="rId3"/>
-    <p:sldId id="261" r:id="rId4"/>
-    <p:sldId id="264" r:id="rId5"/>
-    <p:sldId id="266" r:id="rId6"/>
-    <p:sldId id="267" r:id="rId7"/>
-    <p:sldId id="268" r:id="rId8"/>
-    <p:sldId id="269" r:id="rId9"/>
-    <p:sldId id="270" r:id="rId10"/>
+    <p:sldId id="260" r:id="rId2"/>
+    <p:sldId id="264" r:id="rId3"/>
+    <p:sldId id="266" r:id="rId4"/>
+    <p:sldId id="267" r:id="rId5"/>
+    <p:sldId id="261" r:id="rId6"/>
+    <p:sldId id="274" r:id="rId7"/>
+    <p:sldId id="269" r:id="rId8"/>
+    <p:sldId id="270" r:id="rId9"/>
+    <p:sldId id="273" r:id="rId10"/>
   </p:sldIdLst>
   <p:sldSz cx="12192000" cy="6858000"/>
   <p:notesSz cx="6858000" cy="9144000"/>
@@ -205,7 +205,7 @@
           <a:p>
             <a:fld id="{F7C1D390-D64C-4778-80E1-024A2E90A798}" type="datetimeFigureOut">
               <a:rPr lang="ko-KR" altLang="en-US" smtClean="0"/>
-              <a:t>2021-03-31</a:t>
+              <a:t>2021-04-01</a:t>
             </a:fld>
             <a:endParaRPr lang="ko-KR" altLang="en-US"/>
           </a:p>
@@ -604,7 +604,7 @@
           <a:p>
             <a:fld id="{57F706FF-9F07-4697-B45F-67BE92F8979D}" type="slidenum">
               <a:rPr lang="ko-KR" altLang="en-US" smtClean="0"/>
-              <a:t>2</a:t>
+              <a:t>1</a:t>
             </a:fld>
             <a:endParaRPr lang="ko-KR" altLang="en-US"/>
           </a:p>
@@ -668,100 +668,24 @@
           <a:lstStyle/>
           <a:p>
             <a:r>
+              <a:rPr lang="ko-KR" altLang="en-US" dirty="0" err="1"/>
+              <a:t>비포</a:t>
+            </a:r>
+            <a:r>
               <a:rPr lang="ko-KR" altLang="en-US" dirty="0"/>
-              <a:t>서비스 정리</a:t>
-            </a:r>
-            <a:endParaRPr lang="en-US" altLang="ko-KR" dirty="0"/>
-          </a:p>
-          <a:p>
+              <a:t>  </a:t>
+            </a:r>
             <a:r>
               <a:rPr lang="en-US" altLang="ko-KR" dirty="0"/>
-              <a:t>1 . </a:t>
+              <a:t>/ </a:t>
+            </a:r>
+            <a:r>
+              <a:rPr lang="ko-KR" altLang="en-US" dirty="0" err="1"/>
+              <a:t>애프터</a:t>
             </a:r>
             <a:r>
               <a:rPr lang="ko-KR" altLang="en-US" dirty="0"/>
-              <a:t>건물 내부 경로 안내</a:t>
-            </a:r>
-            <a:endParaRPr lang="en-US" altLang="ko-KR" dirty="0"/>
-          </a:p>
-          <a:p>
-            <a:r>
-              <a:rPr lang="en-US" altLang="ko-KR" dirty="0"/>
-              <a:t>2 . </a:t>
-            </a:r>
-            <a:r>
-              <a:rPr lang="ko-KR" altLang="en-US" dirty="0"/>
-              <a:t>건물 내부 이동시간을 이동 수단 별 안내</a:t>
-            </a:r>
-            <a:endParaRPr lang="en-US" altLang="ko-KR" dirty="0"/>
-          </a:p>
-          <a:p>
-            <a:r>
-              <a:rPr lang="en-US" altLang="ko-KR" dirty="0"/>
-              <a:t>3 . </a:t>
-            </a:r>
-            <a:r>
-              <a:rPr lang="ko-KR" altLang="en-US" dirty="0"/>
-              <a:t>건물 내부 </a:t>
-            </a:r>
-            <a:r>
-              <a:rPr lang="ko-KR" altLang="en-US" dirty="0" err="1"/>
-              <a:t>로드뷰</a:t>
-            </a:r>
-            <a:r>
-              <a:rPr lang="ko-KR" altLang="en-US" dirty="0"/>
-              <a:t> 기능 </a:t>
-            </a:r>
-            <a:endParaRPr lang="en-US" altLang="ko-KR" dirty="0"/>
-          </a:p>
-          <a:p>
-            <a:r>
-              <a:rPr lang="en-US" altLang="ko-KR" dirty="0"/>
-              <a:t>4 . </a:t>
-            </a:r>
-            <a:r>
-              <a:rPr lang="ko-KR" altLang="en-US" dirty="0"/>
-              <a:t>건물 내부 이동시</a:t>
-            </a:r>
-            <a:r>
-              <a:rPr lang="en-US" altLang="ko-KR" dirty="0"/>
-              <a:t>, </a:t>
-            </a:r>
-            <a:r>
-              <a:rPr lang="ko-KR" altLang="en-US" dirty="0"/>
-              <a:t>건물 내부의 호수 분포도 제공</a:t>
-            </a:r>
-            <a:endParaRPr lang="en-US" altLang="ko-KR" dirty="0"/>
-          </a:p>
-          <a:p>
-            <a:endParaRPr lang="en-US" altLang="ko-KR" dirty="0"/>
-          </a:p>
-          <a:p>
-            <a:endParaRPr lang="en-US" altLang="ko-KR" dirty="0"/>
-          </a:p>
-          <a:p>
-            <a:r>
-              <a:rPr lang="ko-KR" altLang="en-US" dirty="0"/>
-              <a:t>이를 위해 시스템에서 필요한 기능들</a:t>
-            </a:r>
-            <a:endParaRPr lang="en-US" altLang="ko-KR" dirty="0"/>
-          </a:p>
-          <a:p>
-            <a:r>
-              <a:rPr lang="en-US" altLang="ko-KR" dirty="0"/>
-              <a:t>1 . </a:t>
-            </a:r>
-            <a:r>
-              <a:rPr lang="ko-KR" altLang="en-US" dirty="0"/>
-              <a:t>건물 내부까지 포함한 최단 경로 알고리즘 </a:t>
-            </a:r>
-            <a:r>
-              <a:rPr lang="en-US" altLang="ko-KR" dirty="0"/>
-              <a:t>: </a:t>
-            </a:r>
-            <a:r>
-              <a:rPr lang="ko-KR" altLang="en-US" dirty="0"/>
-              <a:t>알고리즘 만들기 </a:t>
+              <a:t> 비교  </a:t>
             </a:r>
             <a:r>
               <a:rPr lang="en-US" altLang="ko-KR" dirty="0"/>
@@ -769,158 +693,29 @@
             </a:r>
             <a:r>
               <a:rPr lang="ko-KR" altLang="en-US" dirty="0"/>
-              <a:t>출입구와 층 이동 수단에 따른 차이 고려 </a:t>
+              <a:t>최종 </a:t>
             </a:r>
             <a:r>
               <a:rPr lang="en-US" altLang="ko-KR" dirty="0"/>
-              <a:t>-&gt; </a:t>
+              <a:t>Goal</a:t>
             </a:r>
             <a:r>
               <a:rPr lang="ko-KR" altLang="en-US" dirty="0"/>
-              <a:t>실제 익숙한 이용자와 비교</a:t>
-            </a:r>
-            <a:endParaRPr lang="en-US" altLang="ko-KR" dirty="0"/>
-          </a:p>
-          <a:p>
+              <a:t>는 이것이다</a:t>
+            </a:r>
             <a:r>
               <a:rPr lang="en-US" altLang="ko-KR" dirty="0"/>
-              <a:t>2 . </a:t>
+              <a:t>! </a:t>
             </a:r>
             <a:r>
               <a:rPr lang="ko-KR" altLang="en-US" dirty="0"/>
-              <a:t>건물 내부에서의 사용자의 위치정보 수집 </a:t>
-            </a:r>
-            <a:r>
-              <a:rPr lang="en-US" altLang="ko-KR" dirty="0"/>
-              <a:t>: </a:t>
-            </a:r>
-            <a:r>
-              <a:rPr lang="ko-KR" altLang="en-US" dirty="0"/>
-              <a:t>사용자의 </a:t>
-            </a:r>
-            <a:r>
-              <a:rPr lang="en-US" altLang="ko-KR" dirty="0"/>
-              <a:t>GPS</a:t>
-            </a:r>
-            <a:r>
-              <a:rPr lang="ko-KR" altLang="en-US" dirty="0"/>
-              <a:t>정보 수집 </a:t>
-            </a:r>
-            <a:r>
-              <a:rPr lang="en-US" altLang="ko-KR" dirty="0"/>
-              <a:t>+ </a:t>
-            </a:r>
-            <a:r>
-              <a:rPr lang="ko-KR" altLang="en-US" dirty="0"/>
-              <a:t>근처 </a:t>
-            </a:r>
-            <a:r>
-              <a:rPr lang="en-US" altLang="ko-KR" dirty="0" err="1"/>
-              <a:t>wifi</a:t>
-            </a:r>
-            <a:r>
-              <a:rPr lang="en-US" altLang="ko-KR" dirty="0"/>
-              <a:t> </a:t>
-            </a:r>
-            <a:r>
-              <a:rPr lang="ko-KR" altLang="en-US" dirty="0"/>
-              <a:t>정보 </a:t>
-            </a:r>
-            <a:r>
-              <a:rPr lang="en-US" altLang="ko-KR" dirty="0"/>
-              <a:t>-&gt; </a:t>
-            </a:r>
-            <a:r>
-              <a:rPr lang="ko-KR" altLang="en-US" dirty="0"/>
-              <a:t>건물 내부까지 정확한 위치정보 파악</a:t>
-            </a:r>
-            <a:endParaRPr lang="en-US" altLang="ko-KR" dirty="0"/>
-          </a:p>
-          <a:p>
-            <a:endParaRPr lang="en-US" altLang="ko-KR" dirty="0"/>
-          </a:p>
-          <a:p>
-            <a:r>
-              <a:rPr lang="en-US" altLang="ko-KR" dirty="0"/>
-              <a:t>3 . </a:t>
-            </a:r>
-            <a:r>
-              <a:rPr lang="ko-KR" altLang="en-US" dirty="0"/>
-              <a:t>같은 건물이라도 층 이동시에 위치정보변화 인지 </a:t>
-            </a:r>
-            <a:r>
-              <a:rPr lang="en-US" altLang="ko-KR" dirty="0"/>
-              <a:t>: </a:t>
-            </a:r>
-            <a:r>
-              <a:rPr lang="ko-KR" altLang="en-US" dirty="0"/>
-              <a:t> 정확한 건물 내부 위치정보 </a:t>
-            </a:r>
-            <a:r>
-              <a:rPr lang="en-US" altLang="ko-KR" dirty="0"/>
-              <a:t>-&gt; </a:t>
-            </a:r>
-            <a:r>
-              <a:rPr lang="ko-KR" altLang="en-US" dirty="0"/>
-              <a:t>층 이동시 해당 층 호수 분포도 제공</a:t>
-            </a:r>
-            <a:endParaRPr lang="en-US" altLang="ko-KR" dirty="0"/>
-          </a:p>
-          <a:p>
-            <a:endParaRPr lang="en-US" altLang="ko-KR" dirty="0"/>
-          </a:p>
-          <a:p>
-            <a:r>
-              <a:rPr lang="en-US" altLang="ko-KR" dirty="0"/>
-              <a:t>4 . </a:t>
+              <a:t>라는걸 보여주려고 </a:t>
             </a:r>
             <a:r>
               <a:rPr lang="ko-KR" altLang="en-US" dirty="0" err="1"/>
-              <a:t>로드뷰</a:t>
-            </a:r>
-            <a:r>
-              <a:rPr lang="ko-KR" altLang="en-US" dirty="0"/>
-              <a:t> 데이터 들을 압축되게 전달하여 빠른 시간에 로딩 필요 </a:t>
-            </a:r>
-            <a:r>
-              <a:rPr lang="en-US" altLang="ko-KR" dirty="0"/>
-              <a:t>: </a:t>
-            </a:r>
-            <a:r>
-              <a:rPr lang="ko-KR" altLang="en-US" dirty="0"/>
-              <a:t>고화질 </a:t>
-            </a:r>
-            <a:r>
-              <a:rPr lang="ko-KR" altLang="en-US" dirty="0" err="1"/>
-              <a:t>로드뷰</a:t>
-            </a:r>
-            <a:r>
-              <a:rPr lang="ko-KR" altLang="en-US" dirty="0"/>
-              <a:t> 데이터 압축 </a:t>
-            </a:r>
-            <a:r>
-              <a:rPr lang="en-US" altLang="ko-KR" dirty="0"/>
-              <a:t>-&gt; </a:t>
-            </a:r>
-            <a:r>
-              <a:rPr lang="ko-KR" altLang="en-US" dirty="0"/>
-              <a:t>전송 및 수신 </a:t>
-            </a:r>
-            <a:r>
-              <a:rPr lang="en-US" altLang="ko-KR" dirty="0"/>
-              <a:t>-&gt; </a:t>
-            </a:r>
-            <a:r>
-              <a:rPr lang="ko-KR" altLang="en-US" dirty="0"/>
-              <a:t>앱에서 렌더링 하여 제공</a:t>
-            </a:r>
-            <a:endParaRPr lang="en-US" altLang="ko-KR" dirty="0"/>
-          </a:p>
-          <a:p>
-            <a:r>
-              <a:rPr lang="en-US" altLang="ko-KR" dirty="0"/>
-              <a:t> </a:t>
-            </a:r>
+              <a:t>넣어보았씁니다</a:t>
+            </a:r>
+            <a:endParaRPr lang="ko-KR" altLang="en-US" dirty="0"/>
           </a:p>
         </p:txBody>
       </p:sp>
@@ -941,7 +736,7 @@
           <a:p>
             <a:fld id="{57F706FF-9F07-4697-B45F-67BE92F8979D}" type="slidenum">
               <a:rPr lang="ko-KR" altLang="en-US" smtClean="0"/>
-              <a:t>6</a:t>
+              <a:t>2</a:t>
             </a:fld>
             <a:endParaRPr lang="ko-KR" altLang="en-US"/>
           </a:p>
@@ -950,7 +745,7 @@
     </p:spTree>
     <p:extLst>
       <p:ext uri="{BB962C8B-B14F-4D97-AF65-F5344CB8AC3E}">
-        <p14:creationId xmlns:p14="http://schemas.microsoft.com/office/powerpoint/2010/main" val="1300726906"/>
+        <p14:creationId xmlns:p14="http://schemas.microsoft.com/office/powerpoint/2010/main" val="287146804"/>
       </p:ext>
     </p:extLst>
   </p:cSld>
@@ -1004,7 +799,307 @@
           <a:bodyPr/>
           <a:lstStyle/>
           <a:p>
-            <a:endParaRPr lang="ko-KR" altLang="en-US" dirty="0"/>
+            <a:r>
+              <a:rPr lang="ko-KR" altLang="en-US" dirty="0"/>
+              <a:t>서비스 정리</a:t>
+            </a:r>
+            <a:endParaRPr lang="en-US" altLang="ko-KR" dirty="0"/>
+          </a:p>
+          <a:p>
+            <a:r>
+              <a:rPr lang="en-US" altLang="ko-KR" dirty="0"/>
+              <a:t>1 . </a:t>
+            </a:r>
+            <a:r>
+              <a:rPr lang="ko-KR" altLang="en-US" dirty="0"/>
+              <a:t>건물 내부 경로 안내</a:t>
+            </a:r>
+            <a:endParaRPr lang="en-US" altLang="ko-KR" dirty="0"/>
+          </a:p>
+          <a:p>
+            <a:r>
+              <a:rPr lang="en-US" altLang="ko-KR" dirty="0"/>
+              <a:t>2 . </a:t>
+            </a:r>
+            <a:r>
+              <a:rPr lang="ko-KR" altLang="en-US" dirty="0"/>
+              <a:t>건물 내부 이동시간을 이동 수단 별 안내</a:t>
+            </a:r>
+            <a:endParaRPr lang="en-US" altLang="ko-KR" dirty="0"/>
+          </a:p>
+          <a:p>
+            <a:r>
+              <a:rPr lang="en-US" altLang="ko-KR" dirty="0"/>
+              <a:t>3 . </a:t>
+            </a:r>
+            <a:r>
+              <a:rPr lang="ko-KR" altLang="en-US" dirty="0"/>
+              <a:t>건물 내부 </a:t>
+            </a:r>
+            <a:r>
+              <a:rPr lang="ko-KR" altLang="en-US" dirty="0" err="1"/>
+              <a:t>로드뷰</a:t>
+            </a:r>
+            <a:r>
+              <a:rPr lang="ko-KR" altLang="en-US" dirty="0"/>
+              <a:t> 기능 </a:t>
+            </a:r>
+            <a:endParaRPr lang="en-US" altLang="ko-KR" dirty="0"/>
+          </a:p>
+          <a:p>
+            <a:r>
+              <a:rPr lang="en-US" altLang="ko-KR" dirty="0"/>
+              <a:t>4 . </a:t>
+            </a:r>
+            <a:r>
+              <a:rPr lang="ko-KR" altLang="en-US" dirty="0"/>
+              <a:t>건물 내부 이동시</a:t>
+            </a:r>
+            <a:r>
+              <a:rPr lang="en-US" altLang="ko-KR" dirty="0"/>
+              <a:t>, </a:t>
+            </a:r>
+            <a:r>
+              <a:rPr lang="ko-KR" altLang="en-US" dirty="0"/>
+              <a:t>건물 내부의 호수 분포도 제공</a:t>
+            </a:r>
+            <a:endParaRPr lang="en-US" altLang="ko-KR" dirty="0"/>
+          </a:p>
+          <a:p>
+            <a:endParaRPr lang="en-US" altLang="ko-KR" dirty="0"/>
+          </a:p>
+          <a:p>
+            <a:endParaRPr lang="en-US" altLang="ko-KR" dirty="0"/>
+          </a:p>
+          <a:p>
+            <a:r>
+              <a:rPr lang="ko-KR" altLang="en-US" dirty="0"/>
+              <a:t>이를 위해 시스템에서 필요한 기능들</a:t>
+            </a:r>
+            <a:endParaRPr lang="en-US" altLang="ko-KR" dirty="0"/>
+          </a:p>
+          <a:p>
+            <a:r>
+              <a:rPr lang="en-US" altLang="ko-KR" dirty="0"/>
+              <a:t>1 . </a:t>
+            </a:r>
+            <a:r>
+              <a:rPr lang="ko-KR" altLang="en-US" dirty="0"/>
+              <a:t>건물 내부까지 포함한 최단 경로 알고리즘 </a:t>
+            </a:r>
+            <a:r>
+              <a:rPr lang="en-US" altLang="ko-KR" dirty="0"/>
+              <a:t>: </a:t>
+            </a:r>
+            <a:r>
+              <a:rPr lang="ko-KR" altLang="en-US" dirty="0"/>
+              <a:t>알고리즘 만들기 </a:t>
+            </a:r>
+            <a:r>
+              <a:rPr lang="en-US" altLang="ko-KR" dirty="0"/>
+              <a:t>-&gt; </a:t>
+            </a:r>
+            <a:r>
+              <a:rPr lang="ko-KR" altLang="en-US" dirty="0"/>
+              <a:t>출입구와 층 이동 수단에 따른 차이 고려 </a:t>
+            </a:r>
+            <a:r>
+              <a:rPr lang="en-US" altLang="ko-KR" dirty="0"/>
+              <a:t>-&gt; </a:t>
+            </a:r>
+            <a:r>
+              <a:rPr lang="ko-KR" altLang="en-US" dirty="0"/>
+              <a:t>실제 익숙한 이용자와 비교</a:t>
+            </a:r>
+            <a:endParaRPr lang="en-US" altLang="ko-KR" dirty="0"/>
+          </a:p>
+          <a:p>
+            <a:r>
+              <a:rPr lang="en-US" altLang="ko-KR" dirty="0"/>
+              <a:t>2 . </a:t>
+            </a:r>
+            <a:r>
+              <a:rPr lang="ko-KR" altLang="en-US" dirty="0"/>
+              <a:t>건물 내부에서의 사용자의 위치정보 수집 </a:t>
+            </a:r>
+            <a:r>
+              <a:rPr lang="en-US" altLang="ko-KR" dirty="0"/>
+              <a:t>: </a:t>
+            </a:r>
+            <a:r>
+              <a:rPr lang="ko-KR" altLang="en-US" dirty="0"/>
+              <a:t>사용자의 </a:t>
+            </a:r>
+            <a:r>
+              <a:rPr lang="en-US" altLang="ko-KR" dirty="0"/>
+              <a:t>GPS</a:t>
+            </a:r>
+            <a:r>
+              <a:rPr lang="ko-KR" altLang="en-US" dirty="0"/>
+              <a:t>정보 수집 </a:t>
+            </a:r>
+            <a:r>
+              <a:rPr lang="en-US" altLang="ko-KR" dirty="0"/>
+              <a:t>+ </a:t>
+            </a:r>
+            <a:r>
+              <a:rPr lang="ko-KR" altLang="en-US" dirty="0"/>
+              <a:t>근처 </a:t>
+            </a:r>
+            <a:r>
+              <a:rPr lang="en-US" altLang="ko-KR" dirty="0" err="1"/>
+              <a:t>wifi</a:t>
+            </a:r>
+            <a:r>
+              <a:rPr lang="en-US" altLang="ko-KR" dirty="0"/>
+              <a:t> </a:t>
+            </a:r>
+            <a:r>
+              <a:rPr lang="ko-KR" altLang="en-US" dirty="0"/>
+              <a:t>정보 </a:t>
+            </a:r>
+            <a:r>
+              <a:rPr lang="en-US" altLang="ko-KR" dirty="0"/>
+              <a:t>-&gt; </a:t>
+            </a:r>
+            <a:r>
+              <a:rPr lang="ko-KR" altLang="en-US" dirty="0"/>
+              <a:t>건물 내부까지 정확한 위치정보 파악</a:t>
+            </a:r>
+            <a:endParaRPr lang="en-US" altLang="ko-KR" dirty="0"/>
+          </a:p>
+          <a:p>
+            <a:endParaRPr lang="en-US" altLang="ko-KR" dirty="0"/>
+          </a:p>
+          <a:p>
+            <a:r>
+              <a:rPr lang="en-US" altLang="ko-KR" dirty="0"/>
+              <a:t>3 . </a:t>
+            </a:r>
+            <a:r>
+              <a:rPr lang="ko-KR" altLang="en-US" dirty="0"/>
+              <a:t>로드 뷰 데이터 수집 </a:t>
+            </a:r>
+            <a:r>
+              <a:rPr lang="en-US" altLang="ko-KR" dirty="0"/>
+              <a:t>: </a:t>
+            </a:r>
+            <a:r>
+              <a:rPr lang="ko-KR" altLang="en-US" dirty="0"/>
+              <a:t>건물 내 </a:t>
+            </a:r>
+            <a:r>
+              <a:rPr lang="en-US" altLang="ko-KR" dirty="0"/>
+              <a:t>3D</a:t>
+            </a:r>
+            <a:r>
+              <a:rPr lang="ko-KR" altLang="en-US" dirty="0"/>
+              <a:t>파노라마 사진 촬영 </a:t>
+            </a:r>
+            <a:r>
+              <a:rPr lang="en-US" altLang="ko-KR" dirty="0"/>
+              <a:t>-&gt; GPS</a:t>
+            </a:r>
+            <a:r>
+              <a:rPr lang="ko-KR" altLang="en-US" dirty="0"/>
+              <a:t>정보와 함께 지도와 위치 연동 </a:t>
+            </a:r>
+            <a:r>
+              <a:rPr lang="en-US" altLang="ko-KR" dirty="0"/>
+              <a:t>-&gt; </a:t>
+            </a:r>
+            <a:r>
+              <a:rPr lang="ko-KR" altLang="en-US" dirty="0"/>
+              <a:t>초상권 보호를 위한 모자이크 </a:t>
+            </a:r>
+            <a:r>
+              <a:rPr lang="en-US" altLang="ko-KR" dirty="0"/>
+              <a:t>-&gt; </a:t>
+            </a:r>
+            <a:r>
+              <a:rPr lang="ko-KR" altLang="en-US" dirty="0"/>
+              <a:t>플래시 뷰어에 맞게 데이터 변환</a:t>
+            </a:r>
+            <a:endParaRPr lang="en-US" altLang="ko-KR" dirty="0"/>
+          </a:p>
+          <a:p>
+            <a:endParaRPr lang="en-US" altLang="ko-KR" dirty="0"/>
+          </a:p>
+          <a:p>
+            <a:r>
+              <a:rPr lang="en-US" altLang="ko-KR" dirty="0"/>
+              <a:t>4 . </a:t>
+            </a:r>
+            <a:r>
+              <a:rPr lang="ko-KR" altLang="en-US" dirty="0" err="1"/>
+              <a:t>로드뷰</a:t>
+            </a:r>
+            <a:r>
+              <a:rPr lang="ko-KR" altLang="en-US" dirty="0"/>
+              <a:t> 데이터 들을 압축되게 전달하여 빠른 시간에 로딩 필요 </a:t>
+            </a:r>
+            <a:r>
+              <a:rPr lang="en-US" altLang="ko-KR" dirty="0"/>
+              <a:t>: </a:t>
+            </a:r>
+            <a:r>
+              <a:rPr lang="ko-KR" altLang="en-US" dirty="0"/>
+              <a:t>고화질 </a:t>
+            </a:r>
+            <a:r>
+              <a:rPr lang="ko-KR" altLang="en-US" dirty="0" err="1"/>
+              <a:t>로드뷰</a:t>
+            </a:r>
+            <a:r>
+              <a:rPr lang="ko-KR" altLang="en-US" dirty="0"/>
+              <a:t> 데이터 압축 </a:t>
+            </a:r>
+            <a:r>
+              <a:rPr lang="en-US" altLang="ko-KR" dirty="0"/>
+              <a:t>-&gt; </a:t>
+            </a:r>
+            <a:r>
+              <a:rPr lang="ko-KR" altLang="en-US" dirty="0"/>
+              <a:t>전송 및 수신 </a:t>
+            </a:r>
+            <a:r>
+              <a:rPr lang="en-US" altLang="ko-KR" dirty="0"/>
+              <a:t>-&gt; </a:t>
+            </a:r>
+            <a:r>
+              <a:rPr lang="ko-KR" altLang="en-US" dirty="0"/>
+              <a:t>앱에서 렌더링 하여 제공</a:t>
+            </a:r>
+            <a:endParaRPr lang="en-US" altLang="ko-KR" dirty="0"/>
+          </a:p>
+          <a:p>
+            <a:endParaRPr lang="en-US" altLang="ko-KR" dirty="0"/>
+          </a:p>
+          <a:p>
+            <a:endParaRPr lang="en-US" altLang="ko-KR" dirty="0"/>
+          </a:p>
+          <a:p>
+            <a:r>
+              <a:rPr lang="en-US" altLang="ko-KR" dirty="0"/>
+              <a:t>https://blog.daum.net/x7000/15963259 </a:t>
+            </a:r>
+          </a:p>
+          <a:p>
+            <a:r>
+              <a:rPr lang="ko-KR" altLang="en-US" dirty="0" err="1"/>
+              <a:t>로드뷰</a:t>
+            </a:r>
+            <a:r>
+              <a:rPr lang="ko-KR" altLang="en-US" dirty="0"/>
+              <a:t> 제작 원리</a:t>
+            </a:r>
+            <a:endParaRPr lang="en-US" altLang="ko-KR" dirty="0"/>
+          </a:p>
+          <a:p>
+            <a:r>
+              <a:rPr lang="en-US" altLang="ko-KR" dirty="0"/>
+              <a:t> </a:t>
+            </a:r>
           </a:p>
         </p:txBody>
       </p:sp>
@@ -1025,7 +1120,7 @@
           <a:p>
             <a:fld id="{57F706FF-9F07-4697-B45F-67BE92F8979D}" type="slidenum">
               <a:rPr lang="ko-KR" altLang="en-US" smtClean="0"/>
-              <a:t>8</a:t>
+              <a:t>4</a:t>
             </a:fld>
             <a:endParaRPr lang="ko-KR" altLang="en-US"/>
           </a:p>
@@ -1034,7 +1129,7 @@
     </p:spTree>
     <p:extLst>
       <p:ext uri="{BB962C8B-B14F-4D97-AF65-F5344CB8AC3E}">
-        <p14:creationId xmlns:p14="http://schemas.microsoft.com/office/powerpoint/2010/main" val="1748998499"/>
+        <p14:creationId xmlns:p14="http://schemas.microsoft.com/office/powerpoint/2010/main" val="1300726906"/>
       </p:ext>
     </p:extLst>
   </p:cSld>
@@ -1088,6 +1183,574 @@
           <a:bodyPr/>
           <a:lstStyle/>
           <a:p>
+            <a:endParaRPr lang="ko-KR" altLang="en-US" dirty="0"/>
+          </a:p>
+        </p:txBody>
+      </p:sp>
+      <p:sp>
+        <p:nvSpPr>
+          <p:cNvPr id="4" name="슬라이드 번호 개체 틀 3"/>
+          <p:cNvSpPr>
+            <a:spLocks noGrp="1"/>
+          </p:cNvSpPr>
+          <p:nvPr>
+            <p:ph type="sldNum" sz="quarter" idx="5"/>
+          </p:nvPr>
+        </p:nvSpPr>
+        <p:spPr/>
+        <p:txBody>
+          <a:bodyPr/>
+          <a:lstStyle/>
+          <a:p>
+            <a:fld id="{57F706FF-9F07-4697-B45F-67BE92F8979D}" type="slidenum">
+              <a:rPr lang="ko-KR" altLang="en-US" smtClean="0"/>
+              <a:t>5</a:t>
+            </a:fld>
+            <a:endParaRPr lang="ko-KR" altLang="en-US"/>
+          </a:p>
+        </p:txBody>
+      </p:sp>
+    </p:spTree>
+    <p:extLst>
+      <p:ext uri="{BB962C8B-B14F-4D97-AF65-F5344CB8AC3E}">
+        <p14:creationId xmlns:p14="http://schemas.microsoft.com/office/powerpoint/2010/main" val="3847278733"/>
+      </p:ext>
+    </p:extLst>
+  </p:cSld>
+  <p:clrMapOvr>
+    <a:masterClrMapping/>
+  </p:clrMapOvr>
+</p:notes>
+</file>
+
+<file path=ppt/notesSlides/notesSlide5.xml><?xml version="1.0" encoding="utf-8"?>
+<p:notes xmlns:a="http://schemas.openxmlformats.org/drawingml/2006/main" xmlns:r="http://schemas.openxmlformats.org/officeDocument/2006/relationships" xmlns:p="http://schemas.openxmlformats.org/presentationml/2006/main">
+  <p:cSld>
+    <p:spTree>
+      <p:nvGrpSpPr>
+        <p:cNvPr id="1" name=""/>
+        <p:cNvGrpSpPr/>
+        <p:nvPr/>
+      </p:nvGrpSpPr>
+      <p:grpSpPr>
+        <a:xfrm>
+          <a:off x="0" y="0"/>
+          <a:ext cx="0" cy="0"/>
+          <a:chOff x="0" y="0"/>
+          <a:chExt cx="0" cy="0"/>
+        </a:xfrm>
+      </p:grpSpPr>
+      <p:sp>
+        <p:nvSpPr>
+          <p:cNvPr id="2" name="슬라이드 이미지 개체 틀 1"/>
+          <p:cNvSpPr>
+            <a:spLocks noGrp="1" noRot="1" noChangeAspect="1"/>
+          </p:cNvSpPr>
+          <p:nvPr>
+            <p:ph type="sldImg"/>
+          </p:nvPr>
+        </p:nvSpPr>
+        <p:spPr/>
+      </p:sp>
+      <p:sp>
+        <p:nvSpPr>
+          <p:cNvPr id="3" name="슬라이드 노트 개체 틀 2"/>
+          <p:cNvSpPr>
+            <a:spLocks noGrp="1"/>
+          </p:cNvSpPr>
+          <p:nvPr>
+            <p:ph type="body" idx="1"/>
+          </p:nvPr>
+        </p:nvSpPr>
+        <p:spPr/>
+        <p:txBody>
+          <a:bodyPr/>
+          <a:lstStyle/>
+          <a:p>
+            <a:r>
+              <a:rPr lang="ko-KR" altLang="en-US" dirty="0"/>
+              <a:t>서비스 정리</a:t>
+            </a:r>
+            <a:endParaRPr lang="en-US" altLang="ko-KR" dirty="0"/>
+          </a:p>
+          <a:p>
+            <a:r>
+              <a:rPr lang="en-US" altLang="ko-KR" dirty="0"/>
+              <a:t>1 . </a:t>
+            </a:r>
+            <a:r>
+              <a:rPr lang="ko-KR" altLang="en-US" dirty="0"/>
+              <a:t>건물 내부 경로 안내</a:t>
+            </a:r>
+            <a:endParaRPr lang="en-US" altLang="ko-KR" dirty="0"/>
+          </a:p>
+          <a:p>
+            <a:r>
+              <a:rPr lang="en-US" altLang="ko-KR" dirty="0"/>
+              <a:t>2 . </a:t>
+            </a:r>
+            <a:r>
+              <a:rPr lang="ko-KR" altLang="en-US" dirty="0"/>
+              <a:t>건물 내부 이동시간을 이동 수단 별 안내</a:t>
+            </a:r>
+            <a:endParaRPr lang="en-US" altLang="ko-KR" dirty="0"/>
+          </a:p>
+          <a:p>
+            <a:r>
+              <a:rPr lang="en-US" altLang="ko-KR" dirty="0"/>
+              <a:t>3 . </a:t>
+            </a:r>
+            <a:r>
+              <a:rPr lang="ko-KR" altLang="en-US" dirty="0"/>
+              <a:t>건물 내부 </a:t>
+            </a:r>
+            <a:r>
+              <a:rPr lang="ko-KR" altLang="en-US" dirty="0" err="1"/>
+              <a:t>로드뷰</a:t>
+            </a:r>
+            <a:r>
+              <a:rPr lang="ko-KR" altLang="en-US" dirty="0"/>
+              <a:t> 기능 </a:t>
+            </a:r>
+            <a:endParaRPr lang="en-US" altLang="ko-KR" dirty="0"/>
+          </a:p>
+          <a:p>
+            <a:r>
+              <a:rPr lang="en-US" altLang="ko-KR" dirty="0"/>
+              <a:t>4 . </a:t>
+            </a:r>
+            <a:r>
+              <a:rPr lang="ko-KR" altLang="en-US" dirty="0"/>
+              <a:t>건물 내부 이동시</a:t>
+            </a:r>
+            <a:r>
+              <a:rPr lang="en-US" altLang="ko-KR" dirty="0"/>
+              <a:t>, </a:t>
+            </a:r>
+            <a:r>
+              <a:rPr lang="ko-KR" altLang="en-US" dirty="0"/>
+              <a:t>건물 내부의 호수 분포도 제공</a:t>
+            </a:r>
+            <a:endParaRPr lang="en-US" altLang="ko-KR" dirty="0"/>
+          </a:p>
+          <a:p>
+            <a:endParaRPr lang="en-US" altLang="ko-KR" dirty="0"/>
+          </a:p>
+          <a:p>
+            <a:endParaRPr lang="en-US" altLang="ko-KR" dirty="0"/>
+          </a:p>
+          <a:p>
+            <a:r>
+              <a:rPr lang="ko-KR" altLang="en-US" dirty="0"/>
+              <a:t>이를 위해 시스템에서 필요한 기능들</a:t>
+            </a:r>
+            <a:endParaRPr lang="en-US" altLang="ko-KR" dirty="0"/>
+          </a:p>
+          <a:p>
+            <a:r>
+              <a:rPr lang="en-US" altLang="ko-KR" dirty="0"/>
+              <a:t>1 . </a:t>
+            </a:r>
+            <a:r>
+              <a:rPr lang="ko-KR" altLang="en-US" dirty="0"/>
+              <a:t>건물 내부까지 포함한 최단 경로 알고리즘 </a:t>
+            </a:r>
+            <a:r>
+              <a:rPr lang="en-US" altLang="ko-KR" dirty="0"/>
+              <a:t>: </a:t>
+            </a:r>
+            <a:r>
+              <a:rPr lang="ko-KR" altLang="en-US" dirty="0"/>
+              <a:t>알고리즘 만들기 </a:t>
+            </a:r>
+            <a:r>
+              <a:rPr lang="en-US" altLang="ko-KR" dirty="0"/>
+              <a:t>-&gt; </a:t>
+            </a:r>
+            <a:r>
+              <a:rPr lang="ko-KR" altLang="en-US" dirty="0"/>
+              <a:t>출입구와 층 이동 수단에 따른 차이 고려 </a:t>
+            </a:r>
+            <a:r>
+              <a:rPr lang="en-US" altLang="ko-KR" dirty="0"/>
+              <a:t>-&gt; </a:t>
+            </a:r>
+            <a:r>
+              <a:rPr lang="ko-KR" altLang="en-US" dirty="0"/>
+              <a:t>실제 익숙한 이용자와 비교</a:t>
+            </a:r>
+            <a:endParaRPr lang="en-US" altLang="ko-KR" dirty="0"/>
+          </a:p>
+          <a:p>
+            <a:r>
+              <a:rPr lang="en-US" altLang="ko-KR" dirty="0"/>
+              <a:t>2 . </a:t>
+            </a:r>
+            <a:r>
+              <a:rPr lang="ko-KR" altLang="en-US" dirty="0"/>
+              <a:t>건물 내부에서의 사용자의 위치정보 수집 </a:t>
+            </a:r>
+            <a:r>
+              <a:rPr lang="en-US" altLang="ko-KR" dirty="0"/>
+              <a:t>: </a:t>
+            </a:r>
+            <a:r>
+              <a:rPr lang="ko-KR" altLang="en-US" dirty="0"/>
+              <a:t>사용자의 </a:t>
+            </a:r>
+            <a:r>
+              <a:rPr lang="en-US" altLang="ko-KR" dirty="0"/>
+              <a:t>GPS</a:t>
+            </a:r>
+            <a:r>
+              <a:rPr lang="ko-KR" altLang="en-US" dirty="0"/>
+              <a:t>정보 수집 </a:t>
+            </a:r>
+            <a:r>
+              <a:rPr lang="en-US" altLang="ko-KR" dirty="0"/>
+              <a:t>+ </a:t>
+            </a:r>
+            <a:r>
+              <a:rPr lang="ko-KR" altLang="en-US" dirty="0"/>
+              <a:t>근처 </a:t>
+            </a:r>
+            <a:r>
+              <a:rPr lang="en-US" altLang="ko-KR" dirty="0" err="1"/>
+              <a:t>wifi</a:t>
+            </a:r>
+            <a:r>
+              <a:rPr lang="en-US" altLang="ko-KR" dirty="0"/>
+              <a:t> </a:t>
+            </a:r>
+            <a:r>
+              <a:rPr lang="ko-KR" altLang="en-US" dirty="0"/>
+              <a:t>정보 </a:t>
+            </a:r>
+            <a:r>
+              <a:rPr lang="en-US" altLang="ko-KR" dirty="0"/>
+              <a:t>-&gt; </a:t>
+            </a:r>
+            <a:r>
+              <a:rPr lang="ko-KR" altLang="en-US" dirty="0"/>
+              <a:t>건물 내부까지 정확한 위치정보 파악</a:t>
+            </a:r>
+            <a:endParaRPr lang="en-US" altLang="ko-KR" dirty="0"/>
+          </a:p>
+          <a:p>
+            <a:endParaRPr lang="en-US" altLang="ko-KR" dirty="0"/>
+          </a:p>
+          <a:p>
+            <a:r>
+              <a:rPr lang="en-US" altLang="ko-KR" dirty="0"/>
+              <a:t>3 . </a:t>
+            </a:r>
+            <a:r>
+              <a:rPr lang="ko-KR" altLang="en-US" dirty="0"/>
+              <a:t>로드 뷰 데이터 수집 </a:t>
+            </a:r>
+            <a:r>
+              <a:rPr lang="en-US" altLang="ko-KR" dirty="0"/>
+              <a:t>: </a:t>
+            </a:r>
+            <a:r>
+              <a:rPr lang="ko-KR" altLang="en-US" dirty="0"/>
+              <a:t>건물 내 </a:t>
+            </a:r>
+            <a:r>
+              <a:rPr lang="en-US" altLang="ko-KR" dirty="0"/>
+              <a:t>3D</a:t>
+            </a:r>
+            <a:r>
+              <a:rPr lang="ko-KR" altLang="en-US" dirty="0"/>
+              <a:t>파노라마 사진 촬영 </a:t>
+            </a:r>
+            <a:r>
+              <a:rPr lang="en-US" altLang="ko-KR" dirty="0"/>
+              <a:t>-&gt; GPS</a:t>
+            </a:r>
+            <a:r>
+              <a:rPr lang="ko-KR" altLang="en-US" dirty="0"/>
+              <a:t>정보와 함께 지도와 위치 연동 </a:t>
+            </a:r>
+            <a:r>
+              <a:rPr lang="en-US" altLang="ko-KR" dirty="0"/>
+              <a:t>-&gt; </a:t>
+            </a:r>
+            <a:r>
+              <a:rPr lang="ko-KR" altLang="en-US" dirty="0"/>
+              <a:t>초상권 보호를 위한 모자이크 </a:t>
+            </a:r>
+            <a:r>
+              <a:rPr lang="en-US" altLang="ko-KR" dirty="0"/>
+              <a:t>-&gt; </a:t>
+            </a:r>
+            <a:r>
+              <a:rPr lang="ko-KR" altLang="en-US" dirty="0"/>
+              <a:t>플래시 뷰어에 맞게 데이터 변환</a:t>
+            </a:r>
+            <a:endParaRPr lang="en-US" altLang="ko-KR" dirty="0"/>
+          </a:p>
+          <a:p>
+            <a:endParaRPr lang="en-US" altLang="ko-KR" dirty="0"/>
+          </a:p>
+          <a:p>
+            <a:r>
+              <a:rPr lang="en-US" altLang="ko-KR" dirty="0"/>
+              <a:t>4 . </a:t>
+            </a:r>
+            <a:r>
+              <a:rPr lang="ko-KR" altLang="en-US" dirty="0" err="1"/>
+              <a:t>로드뷰</a:t>
+            </a:r>
+            <a:r>
+              <a:rPr lang="ko-KR" altLang="en-US" dirty="0"/>
+              <a:t> 데이터 들을 압축되게 전달하여 빠른 시간에 로딩 필요 </a:t>
+            </a:r>
+            <a:r>
+              <a:rPr lang="en-US" altLang="ko-KR" dirty="0"/>
+              <a:t>: </a:t>
+            </a:r>
+            <a:r>
+              <a:rPr lang="ko-KR" altLang="en-US" dirty="0"/>
+              <a:t>고화질 </a:t>
+            </a:r>
+            <a:r>
+              <a:rPr lang="ko-KR" altLang="en-US" dirty="0" err="1"/>
+              <a:t>로드뷰</a:t>
+            </a:r>
+            <a:r>
+              <a:rPr lang="ko-KR" altLang="en-US" dirty="0"/>
+              <a:t> 데이터 압축 </a:t>
+            </a:r>
+            <a:r>
+              <a:rPr lang="en-US" altLang="ko-KR" dirty="0"/>
+              <a:t>-&gt; </a:t>
+            </a:r>
+            <a:r>
+              <a:rPr lang="ko-KR" altLang="en-US" dirty="0"/>
+              <a:t>전송 및 수신 </a:t>
+            </a:r>
+            <a:r>
+              <a:rPr lang="en-US" altLang="ko-KR" dirty="0"/>
+              <a:t>-&gt; </a:t>
+            </a:r>
+            <a:r>
+              <a:rPr lang="ko-KR" altLang="en-US" dirty="0"/>
+              <a:t>앱에서 렌더링 하여 제공</a:t>
+            </a:r>
+            <a:endParaRPr lang="en-US" altLang="ko-KR" dirty="0"/>
+          </a:p>
+          <a:p>
+            <a:endParaRPr lang="en-US" altLang="ko-KR" dirty="0"/>
+          </a:p>
+          <a:p>
+            <a:endParaRPr lang="en-US" altLang="ko-KR" dirty="0"/>
+          </a:p>
+          <a:p>
+            <a:r>
+              <a:rPr lang="en-US" altLang="ko-KR" dirty="0"/>
+              <a:t>https://blog.daum.net/x7000/15963259 </a:t>
+            </a:r>
+          </a:p>
+          <a:p>
+            <a:r>
+              <a:rPr lang="ko-KR" altLang="en-US" dirty="0" err="1"/>
+              <a:t>로드뷰</a:t>
+            </a:r>
+            <a:r>
+              <a:rPr lang="ko-KR" altLang="en-US" dirty="0"/>
+              <a:t> 제작 원리</a:t>
+            </a:r>
+            <a:endParaRPr lang="en-US" altLang="ko-KR" dirty="0"/>
+          </a:p>
+          <a:p>
+            <a:r>
+              <a:rPr lang="en-US" altLang="ko-KR" dirty="0"/>
+              <a:t> </a:t>
+            </a:r>
+          </a:p>
+        </p:txBody>
+      </p:sp>
+      <p:sp>
+        <p:nvSpPr>
+          <p:cNvPr id="4" name="슬라이드 번호 개체 틀 3"/>
+          <p:cNvSpPr>
+            <a:spLocks noGrp="1"/>
+          </p:cNvSpPr>
+          <p:nvPr>
+            <p:ph type="sldNum" sz="quarter" idx="5"/>
+          </p:nvPr>
+        </p:nvSpPr>
+        <p:spPr/>
+        <p:txBody>
+          <a:bodyPr/>
+          <a:lstStyle/>
+          <a:p>
+            <a:fld id="{57F706FF-9F07-4697-B45F-67BE92F8979D}" type="slidenum">
+              <a:rPr lang="ko-KR" altLang="en-US" smtClean="0"/>
+              <a:t>6</a:t>
+            </a:fld>
+            <a:endParaRPr lang="ko-KR" altLang="en-US"/>
+          </a:p>
+        </p:txBody>
+      </p:sp>
+    </p:spTree>
+    <p:extLst>
+      <p:ext uri="{BB962C8B-B14F-4D97-AF65-F5344CB8AC3E}">
+        <p14:creationId xmlns:p14="http://schemas.microsoft.com/office/powerpoint/2010/main" val="4183442296"/>
+      </p:ext>
+    </p:extLst>
+  </p:cSld>
+  <p:clrMapOvr>
+    <a:masterClrMapping/>
+  </p:clrMapOvr>
+</p:notes>
+</file>
+
+<file path=ppt/notesSlides/notesSlide6.xml><?xml version="1.0" encoding="utf-8"?>
+<p:notes xmlns:a="http://schemas.openxmlformats.org/drawingml/2006/main" xmlns:r="http://schemas.openxmlformats.org/officeDocument/2006/relationships" xmlns:p="http://schemas.openxmlformats.org/presentationml/2006/main">
+  <p:cSld>
+    <p:spTree>
+      <p:nvGrpSpPr>
+        <p:cNvPr id="1" name=""/>
+        <p:cNvGrpSpPr/>
+        <p:nvPr/>
+      </p:nvGrpSpPr>
+      <p:grpSpPr>
+        <a:xfrm>
+          <a:off x="0" y="0"/>
+          <a:ext cx="0" cy="0"/>
+          <a:chOff x="0" y="0"/>
+          <a:chExt cx="0" cy="0"/>
+        </a:xfrm>
+      </p:grpSpPr>
+      <p:sp>
+        <p:nvSpPr>
+          <p:cNvPr id="2" name="슬라이드 이미지 개체 틀 1"/>
+          <p:cNvSpPr>
+            <a:spLocks noGrp="1" noRot="1" noChangeAspect="1"/>
+          </p:cNvSpPr>
+          <p:nvPr>
+            <p:ph type="sldImg"/>
+          </p:nvPr>
+        </p:nvSpPr>
+        <p:spPr/>
+      </p:sp>
+      <p:sp>
+        <p:nvSpPr>
+          <p:cNvPr id="3" name="슬라이드 노트 개체 틀 2"/>
+          <p:cNvSpPr>
+            <a:spLocks noGrp="1"/>
+          </p:cNvSpPr>
+          <p:nvPr>
+            <p:ph type="body" idx="1"/>
+          </p:nvPr>
+        </p:nvSpPr>
+        <p:spPr/>
+        <p:txBody>
+          <a:bodyPr/>
+          <a:lstStyle/>
+          <a:p>
+            <a:r>
+              <a:rPr lang="ko-KR" altLang="en-US" dirty="0" err="1"/>
+              <a:t>프론트엔드에서</a:t>
+            </a:r>
+            <a:r>
+              <a:rPr lang="ko-KR" altLang="en-US" dirty="0"/>
+              <a:t> 쓰이는 기술들이 무엇인지 잘 몰라서 </a:t>
+            </a:r>
+            <a:r>
+              <a:rPr lang="ko-KR" altLang="en-US" dirty="0" err="1"/>
+              <a:t>비워두었습니다</a:t>
+            </a:r>
+            <a:r>
+              <a:rPr lang="en-US" altLang="ko-KR" dirty="0"/>
+              <a:t>…………</a:t>
+            </a:r>
+            <a:endParaRPr lang="ko-KR" altLang="en-US" dirty="0"/>
+          </a:p>
+        </p:txBody>
+      </p:sp>
+      <p:sp>
+        <p:nvSpPr>
+          <p:cNvPr id="4" name="슬라이드 번호 개체 틀 3"/>
+          <p:cNvSpPr>
+            <a:spLocks noGrp="1"/>
+          </p:cNvSpPr>
+          <p:nvPr>
+            <p:ph type="sldNum" sz="quarter" idx="5"/>
+          </p:nvPr>
+        </p:nvSpPr>
+        <p:spPr/>
+        <p:txBody>
+          <a:bodyPr/>
+          <a:lstStyle/>
+          <a:p>
+            <a:fld id="{57F706FF-9F07-4697-B45F-67BE92F8979D}" type="slidenum">
+              <a:rPr lang="ko-KR" altLang="en-US" smtClean="0"/>
+              <a:t>7</a:t>
+            </a:fld>
+            <a:endParaRPr lang="ko-KR" altLang="en-US"/>
+          </a:p>
+        </p:txBody>
+      </p:sp>
+    </p:spTree>
+    <p:extLst>
+      <p:ext uri="{BB962C8B-B14F-4D97-AF65-F5344CB8AC3E}">
+        <p14:creationId xmlns:p14="http://schemas.microsoft.com/office/powerpoint/2010/main" val="1748998499"/>
+      </p:ext>
+    </p:extLst>
+  </p:cSld>
+  <p:clrMapOvr>
+    <a:masterClrMapping/>
+  </p:clrMapOvr>
+</p:notes>
+</file>
+
+<file path=ppt/notesSlides/notesSlide7.xml><?xml version="1.0" encoding="utf-8"?>
+<p:notes xmlns:a="http://schemas.openxmlformats.org/drawingml/2006/main" xmlns:r="http://schemas.openxmlformats.org/officeDocument/2006/relationships" xmlns:p="http://schemas.openxmlformats.org/presentationml/2006/main">
+  <p:cSld>
+    <p:spTree>
+      <p:nvGrpSpPr>
+        <p:cNvPr id="1" name=""/>
+        <p:cNvGrpSpPr/>
+        <p:nvPr/>
+      </p:nvGrpSpPr>
+      <p:grpSpPr>
+        <a:xfrm>
+          <a:off x="0" y="0"/>
+          <a:ext cx="0" cy="0"/>
+          <a:chOff x="0" y="0"/>
+          <a:chExt cx="0" cy="0"/>
+        </a:xfrm>
+      </p:grpSpPr>
+      <p:sp>
+        <p:nvSpPr>
+          <p:cNvPr id="2" name="슬라이드 이미지 개체 틀 1"/>
+          <p:cNvSpPr>
+            <a:spLocks noGrp="1" noRot="1" noChangeAspect="1"/>
+          </p:cNvSpPr>
+          <p:nvPr>
+            <p:ph type="sldImg"/>
+          </p:nvPr>
+        </p:nvSpPr>
+        <p:spPr/>
+      </p:sp>
+      <p:sp>
+        <p:nvSpPr>
+          <p:cNvPr id="3" name="슬라이드 노트 개체 틀 2"/>
+          <p:cNvSpPr>
+            <a:spLocks noGrp="1"/>
+          </p:cNvSpPr>
+          <p:nvPr>
+            <p:ph type="body" idx="1"/>
+          </p:nvPr>
+        </p:nvSpPr>
+        <p:spPr/>
+        <p:txBody>
+          <a:bodyPr/>
+          <a:lstStyle/>
+          <a:p>
             <a:pPr marL="0" marR="0" lvl="0" indent="0" algn="l" defTabSz="914400" rtl="0" eaLnBrk="1" fontAlgn="auto" latinLnBrk="1" hangingPunct="1">
               <a:lnSpc>
                 <a:spcPct val="100000"/>
@@ -1114,12 +1777,12 @@
               <a:t>서비스 초기</a:t>
             </a:r>
             <a:r>
-              <a:rPr lang="en-US" altLang="ko-KR"/>
+              <a:rPr lang="en-US" altLang="ko-KR" dirty="0"/>
               <a:t>)</a:t>
             </a:r>
           </a:p>
           <a:p>
-            <a:endParaRPr lang="en-US" altLang="ko-KR"/>
+            <a:endParaRPr lang="en-US" altLang="ko-KR" dirty="0"/>
           </a:p>
           <a:p>
             <a:r>
@@ -1188,7 +1851,7 @@
           <a:p>
             <a:fld id="{57F706FF-9F07-4697-B45F-67BE92F8979D}" type="slidenum">
               <a:rPr lang="ko-KR" altLang="en-US" smtClean="0"/>
-              <a:t>9</a:t>
+              <a:t>8</a:t>
             </a:fld>
             <a:endParaRPr lang="ko-KR" altLang="en-US"/>
           </a:p>
@@ -1198,6 +1861,169 @@
     <p:extLst>
       <p:ext uri="{BB962C8B-B14F-4D97-AF65-F5344CB8AC3E}">
         <p14:creationId xmlns:p14="http://schemas.microsoft.com/office/powerpoint/2010/main" val="3146430224"/>
+      </p:ext>
+    </p:extLst>
+  </p:cSld>
+  <p:clrMapOvr>
+    <a:masterClrMapping/>
+  </p:clrMapOvr>
+</p:notes>
+</file>
+
+<file path=ppt/notesSlides/notesSlide8.xml><?xml version="1.0" encoding="utf-8"?>
+<p:notes xmlns:a="http://schemas.openxmlformats.org/drawingml/2006/main" xmlns:r="http://schemas.openxmlformats.org/officeDocument/2006/relationships" xmlns:p="http://schemas.openxmlformats.org/presentationml/2006/main">
+  <p:cSld>
+    <p:spTree>
+      <p:nvGrpSpPr>
+        <p:cNvPr id="1" name=""/>
+        <p:cNvGrpSpPr/>
+        <p:nvPr/>
+      </p:nvGrpSpPr>
+      <p:grpSpPr>
+        <a:xfrm>
+          <a:off x="0" y="0"/>
+          <a:ext cx="0" cy="0"/>
+          <a:chOff x="0" y="0"/>
+          <a:chExt cx="0" cy="0"/>
+        </a:xfrm>
+      </p:grpSpPr>
+      <p:sp>
+        <p:nvSpPr>
+          <p:cNvPr id="2" name="슬라이드 이미지 개체 틀 1"/>
+          <p:cNvSpPr>
+            <a:spLocks noGrp="1" noRot="1" noChangeAspect="1"/>
+          </p:cNvSpPr>
+          <p:nvPr>
+            <p:ph type="sldImg"/>
+          </p:nvPr>
+        </p:nvSpPr>
+        <p:spPr/>
+      </p:sp>
+      <p:sp>
+        <p:nvSpPr>
+          <p:cNvPr id="3" name="슬라이드 노트 개체 틀 2"/>
+          <p:cNvSpPr>
+            <a:spLocks noGrp="1"/>
+          </p:cNvSpPr>
+          <p:nvPr>
+            <p:ph type="body" idx="1"/>
+          </p:nvPr>
+        </p:nvSpPr>
+        <p:spPr/>
+        <p:txBody>
+          <a:bodyPr/>
+          <a:lstStyle/>
+          <a:p>
+            <a:pPr marL="0" marR="0" lvl="0" indent="0" algn="l" defTabSz="914400" rtl="0" eaLnBrk="1" fontAlgn="auto" latinLnBrk="1" hangingPunct="1">
+              <a:lnSpc>
+                <a:spcPct val="100000"/>
+              </a:lnSpc>
+              <a:spcBef>
+                <a:spcPts val="0"/>
+              </a:spcBef>
+              <a:spcAft>
+                <a:spcPts val="0"/>
+              </a:spcAft>
+              <a:buClrTx/>
+              <a:buSzTx/>
+              <a:buFontTx/>
+              <a:buNone/>
+              <a:tabLst/>
+              <a:defRPr/>
+            </a:pPr>
+            <a:r>
+              <a:rPr lang="en-US" altLang="ko-KR" dirty="0"/>
+              <a:t>Firebase(</a:t>
+            </a:r>
+            <a:r>
+              <a:rPr lang="ko-KR" altLang="en-US" dirty="0"/>
+              <a:t>서비스 초기</a:t>
+            </a:r>
+            <a:r>
+              <a:rPr lang="en-US" altLang="ko-KR" dirty="0"/>
+              <a:t>)</a:t>
+            </a:r>
+          </a:p>
+          <a:p>
+            <a:endParaRPr lang="en-US" altLang="ko-KR" dirty="0"/>
+          </a:p>
+          <a:p>
+            <a:r>
+              <a:rPr lang="en-US" altLang="ko-KR" dirty="0" err="1"/>
+              <a:t>Github</a:t>
+            </a:r>
+            <a:r>
+              <a:rPr lang="en-US" altLang="ko-KR" dirty="0"/>
+              <a:t> </a:t>
+            </a:r>
+          </a:p>
+          <a:p>
+            <a:r>
+              <a:rPr lang="en-US" altLang="ko-KR" dirty="0"/>
+              <a:t>Jenkins – CI/CD tool</a:t>
+            </a:r>
+          </a:p>
+          <a:p>
+            <a:r>
+              <a:rPr lang="en-US" altLang="ko-KR" dirty="0"/>
+              <a:t>Docker </a:t>
+            </a:r>
+          </a:p>
+          <a:p>
+            <a:r>
+              <a:rPr lang="en-US" altLang="ko-KR" dirty="0"/>
+              <a:t>AWS</a:t>
+            </a:r>
+          </a:p>
+          <a:p>
+            <a:endParaRPr lang="en-US" altLang="ko-KR" dirty="0"/>
+          </a:p>
+          <a:p>
+            <a:endParaRPr lang="en-US" altLang="ko-KR" dirty="0"/>
+          </a:p>
+          <a:p>
+            <a:r>
+              <a:rPr lang="en-US" altLang="ko-KR" dirty="0"/>
+              <a:t>Flutter (</a:t>
+            </a:r>
+            <a:r>
+              <a:rPr lang="ko-KR" altLang="en-US" dirty="0"/>
+              <a:t>크로스플랫폼 언어</a:t>
+            </a:r>
+            <a:r>
+              <a:rPr lang="en-US" altLang="ko-KR" dirty="0"/>
+              <a:t>)</a:t>
+            </a:r>
+          </a:p>
+        </p:txBody>
+      </p:sp>
+      <p:sp>
+        <p:nvSpPr>
+          <p:cNvPr id="4" name="슬라이드 번호 개체 틀 3"/>
+          <p:cNvSpPr>
+            <a:spLocks noGrp="1"/>
+          </p:cNvSpPr>
+          <p:nvPr>
+            <p:ph type="sldNum" sz="quarter" idx="5"/>
+          </p:nvPr>
+        </p:nvSpPr>
+        <p:spPr/>
+        <p:txBody>
+          <a:bodyPr/>
+          <a:lstStyle/>
+          <a:p>
+            <a:fld id="{57F706FF-9F07-4697-B45F-67BE92F8979D}" type="slidenum">
+              <a:rPr lang="ko-KR" altLang="en-US" smtClean="0"/>
+              <a:t>9</a:t>
+            </a:fld>
+            <a:endParaRPr lang="ko-KR" altLang="en-US"/>
+          </a:p>
+        </p:txBody>
+      </p:sp>
+    </p:spTree>
+    <p:extLst>
+      <p:ext uri="{BB962C8B-B14F-4D97-AF65-F5344CB8AC3E}">
+        <p14:creationId xmlns:p14="http://schemas.microsoft.com/office/powerpoint/2010/main" val="3224964179"/>
       </p:ext>
     </p:extLst>
   </p:cSld>
@@ -3552,7 +4378,7 @@
           <a:p>
             <a:fld id="{3C04E684-10F4-4CC3-A0B9-F03AA7BE37CF}" type="datetimeFigureOut">
               <a:rPr lang="en-US" smtClean="0"/>
-              <a:t>3/31/2021</a:t>
+              <a:t>4/1/2021</a:t>
             </a:fld>
             <a:endParaRPr lang="en-US"/>
           </a:p>
@@ -6042,7 +6868,7 @@
           <a:p>
             <a:fld id="{3C04E684-10F4-4CC3-A0B9-F03AA7BE37CF}" type="datetimeFigureOut">
               <a:rPr lang="en-US" smtClean="0"/>
-              <a:t>3/31/2021</a:t>
+              <a:t>4/1/2021</a:t>
             </a:fld>
             <a:endParaRPr lang="en-US"/>
           </a:p>
@@ -6240,7 +7066,7 @@
           <a:p>
             <a:fld id="{3C04E684-10F4-4CC3-A0B9-F03AA7BE37CF}" type="datetimeFigureOut">
               <a:rPr lang="en-US" smtClean="0"/>
-              <a:t>3/31/2021</a:t>
+              <a:t>4/1/2021</a:t>
             </a:fld>
             <a:endParaRPr lang="en-US"/>
           </a:p>
@@ -6448,7 +7274,7 @@
           <a:p>
             <a:fld id="{3C04E684-10F4-4CC3-A0B9-F03AA7BE37CF}" type="datetimeFigureOut">
               <a:rPr lang="en-US" smtClean="0"/>
-              <a:t>3/31/2021</a:t>
+              <a:t>4/1/2021</a:t>
             </a:fld>
             <a:endParaRPr lang="en-US"/>
           </a:p>
@@ -7185,7 +8011,7 @@
           <a:p>
             <a:fld id="{3C04E684-10F4-4CC3-A0B9-F03AA7BE37CF}" type="datetimeFigureOut">
               <a:rPr lang="en-US" smtClean="0"/>
-              <a:t>3/31/2021</a:t>
+              <a:t>4/1/2021</a:t>
             </a:fld>
             <a:endParaRPr lang="en-US"/>
           </a:p>
@@ -7827,7 +8653,7 @@
           <a:p>
             <a:fld id="{3C04E684-10F4-4CC3-A0B9-F03AA7BE37CF}" type="datetimeFigureOut">
               <a:rPr lang="en-US" smtClean="0"/>
-              <a:t>3/31/2021</a:t>
+              <a:t>4/1/2021</a:t>
             </a:fld>
             <a:endParaRPr lang="en-US"/>
           </a:p>
@@ -8627,7 +9453,7 @@
           <a:p>
             <a:fld id="{3C04E684-10F4-4CC3-A0B9-F03AA7BE37CF}" type="datetimeFigureOut">
               <a:rPr lang="en-US" smtClean="0"/>
-              <a:t>3/31/2021</a:t>
+              <a:t>4/1/2021</a:t>
             </a:fld>
             <a:endParaRPr lang="en-US"/>
           </a:p>
@@ -9578,7 +10404,7 @@
           <a:p>
             <a:fld id="{3C04E684-10F4-4CC3-A0B9-F03AA7BE37CF}" type="datetimeFigureOut">
               <a:rPr lang="en-US" smtClean="0"/>
-              <a:t>3/31/2021</a:t>
+              <a:t>4/1/2021</a:t>
             </a:fld>
             <a:endParaRPr lang="en-US"/>
           </a:p>
@@ -11927,7 +12753,7 @@
           <a:p>
             <a:fld id="{3C04E684-10F4-4CC3-A0B9-F03AA7BE37CF}" type="datetimeFigureOut">
               <a:rPr lang="en-US" smtClean="0"/>
-              <a:t>3/31/2021</a:t>
+              <a:t>4/1/2021</a:t>
             </a:fld>
             <a:endParaRPr lang="en-US"/>
           </a:p>
@@ -12040,7 +12866,7 @@
           <a:p>
             <a:fld id="{3C04E684-10F4-4CC3-A0B9-F03AA7BE37CF}" type="datetimeFigureOut">
               <a:rPr lang="en-US" smtClean="0"/>
-              <a:t>3/31/2021</a:t>
+              <a:t>4/1/2021</a:t>
             </a:fld>
             <a:endParaRPr lang="en-US"/>
           </a:p>
@@ -12547,7 +13373,7 @@
           <a:p>
             <a:fld id="{3C04E684-10F4-4CC3-A0B9-F03AA7BE37CF}" type="datetimeFigureOut">
               <a:rPr lang="en-US" smtClean="0"/>
-              <a:t>3/31/2021</a:t>
+              <a:t>4/1/2021</a:t>
             </a:fld>
             <a:endParaRPr lang="en-US"/>
           </a:p>
@@ -13850,7 +14676,7 @@
           <a:p>
             <a:fld id="{3C04E684-10F4-4CC3-A0B9-F03AA7BE37CF}" type="datetimeFigureOut">
               <a:rPr lang="en-US" smtClean="0"/>
-              <a:t>3/31/2021</a:t>
+              <a:t>4/1/2021</a:t>
             </a:fld>
             <a:endParaRPr lang="en-US"/>
           </a:p>
@@ -14093,7 +14919,7 @@
           <a:p>
             <a:fld id="{3C04E684-10F4-4CC3-A0B9-F03AA7BE37CF}" type="datetimeFigureOut">
               <a:rPr lang="en-US" smtClean="0"/>
-              <a:t>3/31/2021</a:t>
+              <a:t>4/1/2021</a:t>
             </a:fld>
             <a:endParaRPr lang="en-US"/>
           </a:p>
@@ -14513,10 +15339,10 @@
       </p:grpSpPr>
       <p:sp>
         <p:nvSpPr>
-          <p:cNvPr id="6" name="제목 5">
+          <p:cNvPr id="3" name="제목 2">
             <a:extLst>
               <a:ext uri="{FF2B5EF4-FFF2-40B4-BE49-F238E27FC236}">
-                <a16:creationId xmlns:a16="http://schemas.microsoft.com/office/drawing/2014/main" id="{09B498F8-150A-4878-B353-C39BBAE445AA}"/>
+                <a16:creationId xmlns:a16="http://schemas.microsoft.com/office/drawing/2014/main" id="{21C19F7A-5B61-4C67-88A2-F3BD1D46C1A5}"/>
               </a:ext>
             </a:extLst>
           </p:cNvPr>
@@ -14527,20 +15353,14 @@
             <p:ph type="title"/>
           </p:nvPr>
         </p:nvSpPr>
-        <p:spPr>
-          <a:xfrm>
-            <a:off x="839788" y="640080"/>
-            <a:ext cx="3886200" cy="2788920"/>
-          </a:xfrm>
-        </p:spPr>
+        <p:spPr/>
         <p:txBody>
           <a:bodyPr/>
           <a:lstStyle/>
           <a:p>
-            <a:pPr algn="ctr"/>
             <a:r>
               <a:rPr lang="en-US" altLang="ko-KR" dirty="0"/>
-              <a:t>CONTENTS</a:t>
+              <a:t>Background</a:t>
             </a:r>
             <a:endParaRPr lang="ko-KR" altLang="en-US" dirty="0"/>
           </a:p>
@@ -14548,10 +15368,10 @@
       </p:sp>
       <p:sp>
         <p:nvSpPr>
-          <p:cNvPr id="7" name="내용 개체 틀 6">
+          <p:cNvPr id="4" name="내용 개체 틀 3">
             <a:extLst>
               <a:ext uri="{FF2B5EF4-FFF2-40B4-BE49-F238E27FC236}">
-                <a16:creationId xmlns:a16="http://schemas.microsoft.com/office/drawing/2014/main" id="{42BA63C2-8BF8-4F72-9928-0385CDFCDD1A}"/>
+                <a16:creationId xmlns:a16="http://schemas.microsoft.com/office/drawing/2014/main" id="{78D449EF-7F1D-4573-9D92-F8EFAF4DEA59}"/>
               </a:ext>
             </a:extLst>
           </p:cNvPr>
@@ -14562,48 +15382,24 @@
             <p:ph idx="1"/>
           </p:nvPr>
         </p:nvSpPr>
-        <p:spPr/>
+        <p:spPr>
+          <a:xfrm>
+            <a:off x="838200" y="4630188"/>
+            <a:ext cx="10515600" cy="1704110"/>
+          </a:xfrm>
+        </p:spPr>
         <p:txBody>
-          <a:bodyPr/>
+          <a:bodyPr>
+            <a:noAutofit/>
+          </a:bodyPr>
           <a:lstStyle/>
           <a:p>
-            <a:pPr marL="514350" indent="-514350">
-              <a:buFont typeface="+mj-lt"/>
-              <a:buAutoNum type="arabicPeriod"/>
+            <a:pPr marL="0" indent="0">
+              <a:buNone/>
             </a:pPr>
             <a:r>
               <a:rPr lang="en-US" altLang="ko-KR" dirty="0"/>
-              <a:t>Overview</a:t>
-            </a:r>
-          </a:p>
-          <a:p>
-            <a:pPr marL="514350" indent="-514350">
-              <a:buFont typeface="+mj-lt"/>
-              <a:buAutoNum type="arabicPeriod"/>
-            </a:pPr>
-            <a:r>
-              <a:rPr lang="en-US" altLang="ko-KR" dirty="0"/>
-              <a:t>Goals &amp; Methods</a:t>
-            </a:r>
-          </a:p>
-          <a:p>
-            <a:pPr marL="514350" indent="-514350">
-              <a:buFont typeface="+mj-lt"/>
-              <a:buAutoNum type="arabicPeriod"/>
-            </a:pPr>
-            <a:r>
-              <a:rPr lang="en-US" altLang="ko-KR" dirty="0"/>
-              <a:t>Team &amp; Strategy</a:t>
-            </a:r>
-          </a:p>
-          <a:p>
-            <a:pPr marL="514350" indent="-514350">
-              <a:buFont typeface="+mj-lt"/>
-              <a:buAutoNum type="arabicPeriod"/>
-            </a:pPr>
-            <a:r>
-              <a:rPr lang="en-US" altLang="ko-KR" dirty="0"/>
-              <a:t>Plan &amp; Effects</a:t>
+              <a:t>Because of corona virus, students, professors and the others who work or study in university cannot visit school. People, especially freshmen or new students, may have difficulty locating the classroom when taking offline classes after Corona is over.</a:t>
             </a:r>
             <a:endParaRPr lang="ko-KR" altLang="en-US" dirty="0"/>
           </a:p>
@@ -14612,7 +15408,7 @@
     </p:spTree>
     <p:extLst>
       <p:ext uri="{BB962C8B-B14F-4D97-AF65-F5344CB8AC3E}">
-        <p14:creationId xmlns:p14="http://schemas.microsoft.com/office/powerpoint/2010/main" val="413845500"/>
+        <p14:creationId xmlns:p14="http://schemas.microsoft.com/office/powerpoint/2010/main" val="2464178294"/>
       </p:ext>
     </p:extLst>
   </p:cSld>
@@ -14655,53 +15451,381 @@
             <p:ph type="title"/>
           </p:nvPr>
         </p:nvSpPr>
-        <p:spPr/>
+        <p:spPr>
+          <a:xfrm>
+            <a:off x="838200" y="365125"/>
+            <a:ext cx="10515600" cy="1325563"/>
+          </a:xfrm>
+        </p:spPr>
         <p:txBody>
           <a:bodyPr/>
           <a:lstStyle/>
           <a:p>
             <a:r>
               <a:rPr lang="en-US" altLang="ko-KR" dirty="0"/>
-              <a:t>Background</a:t>
+              <a:t>Final Goals We want to achieve</a:t>
             </a:r>
             <a:endParaRPr lang="ko-KR" altLang="en-US" dirty="0"/>
+          </a:p>
+        </p:txBody>
+      </p:sp>
+      <p:pic>
+        <p:nvPicPr>
+          <p:cNvPr id="4" name="그림 3">
+            <a:extLst>
+              <a:ext uri="{FF2B5EF4-FFF2-40B4-BE49-F238E27FC236}">
+                <a16:creationId xmlns:a16="http://schemas.microsoft.com/office/drawing/2014/main" id="{3E47821E-FF79-442D-9E36-4F6F99850535}"/>
+              </a:ext>
+            </a:extLst>
+          </p:cNvPr>
+          <p:cNvPicPr>
+            <a:picLocks noChangeAspect="1"/>
+          </p:cNvPicPr>
+          <p:nvPr/>
+        </p:nvPicPr>
+        <p:blipFill>
+          <a:blip r:embed="rId3">
+            <a:extLst>
+              <a:ext uri="{28A0092B-C50C-407E-A947-70E740481C1C}">
+                <a14:useLocalDpi xmlns:a14="http://schemas.microsoft.com/office/drawing/2010/main" val="0"/>
+              </a:ext>
+            </a:extLst>
+          </a:blip>
+          <a:stretch>
+            <a:fillRect/>
+          </a:stretch>
+        </p:blipFill>
+        <p:spPr>
+          <a:xfrm>
+            <a:off x="-759225" y="1533490"/>
+            <a:ext cx="4745182" cy="4745182"/>
+          </a:xfrm>
+          <a:prstGeom prst="rect">
+            <a:avLst/>
+          </a:prstGeom>
+        </p:spPr>
+      </p:pic>
+      <p:pic>
+        <p:nvPicPr>
+          <p:cNvPr id="22" name="그림 21">
+            <a:extLst>
+              <a:ext uri="{FF2B5EF4-FFF2-40B4-BE49-F238E27FC236}">
+                <a16:creationId xmlns:a16="http://schemas.microsoft.com/office/drawing/2014/main" id="{C5FE6A4C-D4E9-4797-9EAD-1CCD378508C4}"/>
+              </a:ext>
+            </a:extLst>
+          </p:cNvPr>
+          <p:cNvPicPr>
+            <a:picLocks noChangeAspect="1"/>
+          </p:cNvPicPr>
+          <p:nvPr/>
+        </p:nvPicPr>
+        <p:blipFill>
+          <a:blip r:embed="rId3">
+            <a:extLst>
+              <a:ext uri="{28A0092B-C50C-407E-A947-70E740481C1C}">
+                <a14:useLocalDpi xmlns:a14="http://schemas.microsoft.com/office/drawing/2010/main" val="0"/>
+              </a:ext>
+            </a:extLst>
+          </a:blip>
+          <a:stretch>
+            <a:fillRect/>
+          </a:stretch>
+        </p:blipFill>
+        <p:spPr>
+          <a:xfrm>
+            <a:off x="6792686" y="1533490"/>
+            <a:ext cx="4745182" cy="4745182"/>
+          </a:xfrm>
+          <a:prstGeom prst="rect">
+            <a:avLst/>
+          </a:prstGeom>
+        </p:spPr>
+      </p:pic>
+      <p:sp>
+        <p:nvSpPr>
+          <p:cNvPr id="2" name="TextBox 1">
+            <a:extLst>
+              <a:ext uri="{FF2B5EF4-FFF2-40B4-BE49-F238E27FC236}">
+                <a16:creationId xmlns:a16="http://schemas.microsoft.com/office/drawing/2014/main" id="{5470C668-A9AC-4310-8290-9E92A7C9500D}"/>
+              </a:ext>
+            </a:extLst>
+          </p:cNvPr>
+          <p:cNvSpPr txBox="1"/>
+          <p:nvPr/>
+        </p:nvSpPr>
+        <p:spPr>
+          <a:xfrm>
+            <a:off x="972457" y="2859053"/>
+            <a:ext cx="1814285" cy="646331"/>
+          </a:xfrm>
+          <a:prstGeom prst="rect">
+            <a:avLst/>
+          </a:prstGeom>
+          <a:noFill/>
+        </p:spPr>
+        <p:txBody>
+          <a:bodyPr wrap="square" rtlCol="0">
+            <a:spAutoFit/>
+          </a:bodyPr>
+          <a:lstStyle/>
+          <a:p>
+            <a:r>
+              <a:rPr lang="ko-KR" altLang="en-US" dirty="0"/>
+              <a:t>건물 </a:t>
+            </a:r>
+            <a:r>
+              <a:rPr lang="en-US" altLang="ko-KR" dirty="0"/>
+              <a:t>– </a:t>
+            </a:r>
+            <a:r>
+              <a:rPr lang="ko-KR" altLang="en-US" dirty="0"/>
+              <a:t>건물 </a:t>
+            </a:r>
+            <a:endParaRPr lang="en-US" altLang="ko-KR" dirty="0"/>
+          </a:p>
+          <a:p>
+            <a:r>
+              <a:rPr lang="ko-KR" altLang="en-US" dirty="0"/>
+              <a:t>소요시간</a:t>
+            </a:r>
           </a:p>
         </p:txBody>
       </p:sp>
       <p:sp>
         <p:nvSpPr>
-          <p:cNvPr id="4" name="내용 개체 틀 3">
+          <p:cNvPr id="5" name="TextBox 4">
             <a:extLst>
               <a:ext uri="{FF2B5EF4-FFF2-40B4-BE49-F238E27FC236}">
-                <a16:creationId xmlns:a16="http://schemas.microsoft.com/office/drawing/2014/main" id="{78D449EF-7F1D-4573-9D92-F8EFAF4DEA59}"/>
+                <a16:creationId xmlns:a16="http://schemas.microsoft.com/office/drawing/2014/main" id="{35047FAD-BF75-4673-AE2E-D5156E723070}"/>
               </a:ext>
             </a:extLst>
           </p:cNvPr>
-          <p:cNvSpPr>
-            <a:spLocks noGrp="1"/>
-          </p:cNvSpPr>
-          <p:nvPr>
-            <p:ph idx="1"/>
-          </p:nvPr>
+          <p:cNvSpPr txBox="1"/>
+          <p:nvPr/>
         </p:nvSpPr>
         <p:spPr>
           <a:xfrm>
-            <a:off x="838200" y="4630188"/>
-            <a:ext cx="10515600" cy="1704110"/>
+            <a:off x="3222171" y="3429000"/>
+            <a:ext cx="2293257" cy="369332"/>
           </a:xfrm>
+          <a:prstGeom prst="rect">
+            <a:avLst/>
+          </a:prstGeom>
+          <a:noFill/>
         </p:spPr>
         <p:txBody>
-          <a:bodyPr>
-            <a:noAutofit/>
+          <a:bodyPr wrap="square" rtlCol="0">
+            <a:spAutoFit/>
           </a:bodyPr>
           <a:lstStyle/>
           <a:p>
-            <a:pPr marL="0" indent="0">
-              <a:buNone/>
-            </a:pPr>
+            <a:r>
+              <a:rPr lang="ko-KR" altLang="en-US" dirty="0"/>
+              <a:t>걷는 사람 그림 자리</a:t>
+            </a:r>
+          </a:p>
+        </p:txBody>
+      </p:sp>
+      <p:sp>
+        <p:nvSpPr>
+          <p:cNvPr id="6" name="TextBox 5">
+            <a:extLst>
+              <a:ext uri="{FF2B5EF4-FFF2-40B4-BE49-F238E27FC236}">
+                <a16:creationId xmlns:a16="http://schemas.microsoft.com/office/drawing/2014/main" id="{8443C105-016E-400B-832C-D0638116244B}"/>
+              </a:ext>
+            </a:extLst>
+          </p:cNvPr>
+          <p:cNvSpPr txBox="1"/>
+          <p:nvPr/>
+        </p:nvSpPr>
+        <p:spPr>
+          <a:xfrm>
+            <a:off x="2960914" y="5001344"/>
+            <a:ext cx="3251200" cy="923330"/>
+          </a:xfrm>
+          <a:prstGeom prst="rect">
+            <a:avLst/>
+          </a:prstGeom>
+          <a:noFill/>
+        </p:spPr>
+        <p:txBody>
+          <a:bodyPr wrap="square" rtlCol="0">
+            <a:spAutoFit/>
+          </a:bodyPr>
+          <a:lstStyle/>
+          <a:p>
+            <a:r>
+              <a:rPr lang="ko-KR" altLang="en-US" dirty="0"/>
+              <a:t>설명 </a:t>
+            </a:r>
             <a:r>
               <a:rPr lang="en-US" altLang="ko-KR" dirty="0"/>
-              <a:t>Because of corona virus, students, professors and the others who work or study in university cannot visit school. People, especially freshmen or new students, may have difficulty locating the classroom when taking offline classes after Corona is over.</a:t>
+              <a:t>: </a:t>
+            </a:r>
+            <a:br>
+              <a:rPr lang="en-US" altLang="ko-KR" dirty="0"/>
+            </a:br>
+            <a:r>
+              <a:rPr lang="en-US" altLang="ko-KR" dirty="0"/>
+              <a:t>&lt;</a:t>
+            </a:r>
+            <a:r>
+              <a:rPr lang="ko-KR" altLang="en-US" dirty="0"/>
+              <a:t>건물내부에서 또 걸으면서 시간 낭비 하는 시간</a:t>
+            </a:r>
+            <a:r>
+              <a:rPr lang="en-US" altLang="ko-KR" dirty="0"/>
+              <a:t>&gt;</a:t>
+            </a:r>
+            <a:endParaRPr lang="ko-KR" altLang="en-US" dirty="0"/>
+          </a:p>
+        </p:txBody>
+      </p:sp>
+      <p:cxnSp>
+        <p:nvCxnSpPr>
+          <p:cNvPr id="8" name="직선 연결선 7">
+            <a:extLst>
+              <a:ext uri="{FF2B5EF4-FFF2-40B4-BE49-F238E27FC236}">
+                <a16:creationId xmlns:a16="http://schemas.microsoft.com/office/drawing/2014/main" id="{631E4E99-45E9-4E5B-9EBE-77266994505E}"/>
+              </a:ext>
+            </a:extLst>
+          </p:cNvPr>
+          <p:cNvCxnSpPr>
+            <a:cxnSpLocks/>
+            <a:stCxn id="3" idx="2"/>
+          </p:cNvCxnSpPr>
+          <p:nvPr/>
+        </p:nvCxnSpPr>
+        <p:spPr>
+          <a:xfrm>
+            <a:off x="6096000" y="1690688"/>
+            <a:ext cx="0" cy="4587984"/>
+          </a:xfrm>
+          <a:prstGeom prst="line">
+            <a:avLst/>
+          </a:prstGeom>
+        </p:spPr>
+        <p:style>
+          <a:lnRef idx="1">
+            <a:schemeClr val="accent1"/>
+          </a:lnRef>
+          <a:fillRef idx="0">
+            <a:schemeClr val="accent1"/>
+          </a:fillRef>
+          <a:effectRef idx="0">
+            <a:schemeClr val="accent1"/>
+          </a:effectRef>
+          <a:fontRef idx="minor">
+            <a:schemeClr val="tx1"/>
+          </a:fontRef>
+        </p:style>
+      </p:cxnSp>
+      <p:sp>
+        <p:nvSpPr>
+          <p:cNvPr id="10" name="TextBox 9">
+            <a:extLst>
+              <a:ext uri="{FF2B5EF4-FFF2-40B4-BE49-F238E27FC236}">
+                <a16:creationId xmlns:a16="http://schemas.microsoft.com/office/drawing/2014/main" id="{3CA4D247-6F8A-43B6-BDA9-C0030780AE68}"/>
+              </a:ext>
+            </a:extLst>
+          </p:cNvPr>
+          <p:cNvSpPr txBox="1"/>
+          <p:nvPr/>
+        </p:nvSpPr>
+        <p:spPr>
+          <a:xfrm>
+            <a:off x="8432800" y="2685143"/>
+            <a:ext cx="1378851" cy="1200329"/>
+          </a:xfrm>
+          <a:prstGeom prst="rect">
+            <a:avLst/>
+          </a:prstGeom>
+          <a:noFill/>
+        </p:spPr>
+        <p:txBody>
+          <a:bodyPr wrap="square" rtlCol="0">
+            <a:spAutoFit/>
+          </a:bodyPr>
+          <a:lstStyle/>
+          <a:p>
+            <a:r>
+              <a:rPr lang="ko-KR" altLang="en-US" dirty="0"/>
+              <a:t>건물 </a:t>
+            </a:r>
+            <a:r>
+              <a:rPr lang="en-US" altLang="ko-KR" dirty="0"/>
+              <a:t>1 </a:t>
+            </a:r>
+            <a:r>
+              <a:rPr lang="en-US" altLang="ko-KR" dirty="0">
+                <a:sym typeface="Wingdings" panose="05000000000000000000" pitchFamily="2" charset="2"/>
+              </a:rPr>
+              <a:t>&lt;-&gt; </a:t>
+            </a:r>
+            <a:r>
+              <a:rPr lang="ko-KR" altLang="en-US" dirty="0">
+                <a:sym typeface="Wingdings" panose="05000000000000000000" pitchFamily="2" charset="2"/>
+              </a:rPr>
+              <a:t>건물 </a:t>
+            </a:r>
+            <a:r>
+              <a:rPr lang="en-US" altLang="ko-KR" dirty="0">
+                <a:sym typeface="Wingdings" panose="05000000000000000000" pitchFamily="2" charset="2"/>
+              </a:rPr>
+              <a:t>2 </a:t>
+            </a:r>
+            <a:r>
+              <a:rPr lang="ko-KR" altLang="en-US" dirty="0">
+                <a:sym typeface="Wingdings" panose="05000000000000000000" pitchFamily="2" charset="2"/>
+              </a:rPr>
+              <a:t>의 강의실까지</a:t>
+            </a:r>
+            <a:br>
+              <a:rPr lang="en-US" altLang="ko-KR" dirty="0">
+                <a:sym typeface="Wingdings" panose="05000000000000000000" pitchFamily="2" charset="2"/>
+              </a:rPr>
+            </a:br>
+            <a:r>
+              <a:rPr lang="ko-KR" altLang="en-US" dirty="0">
+                <a:sym typeface="Wingdings" panose="05000000000000000000" pitchFamily="2" charset="2"/>
+              </a:rPr>
+              <a:t>소요시간</a:t>
+            </a:r>
+            <a:endParaRPr lang="ko-KR" altLang="en-US" dirty="0"/>
+          </a:p>
+        </p:txBody>
+      </p:sp>
+      <p:sp>
+        <p:nvSpPr>
+          <p:cNvPr id="11" name="TextBox 10">
+            <a:extLst>
+              <a:ext uri="{FF2B5EF4-FFF2-40B4-BE49-F238E27FC236}">
+                <a16:creationId xmlns:a16="http://schemas.microsoft.com/office/drawing/2014/main" id="{9A688DAC-A3B7-4523-9500-331219B92EE4}"/>
+              </a:ext>
+            </a:extLst>
+          </p:cNvPr>
+          <p:cNvSpPr txBox="1"/>
+          <p:nvPr/>
+        </p:nvSpPr>
+        <p:spPr>
+          <a:xfrm>
+            <a:off x="2767705" y="3412664"/>
+            <a:ext cx="522515" cy="646331"/>
+          </a:xfrm>
+          <a:prstGeom prst="rect">
+            <a:avLst/>
+          </a:prstGeom>
+          <a:noFill/>
+        </p:spPr>
+        <p:txBody>
+          <a:bodyPr wrap="square" rtlCol="0">
+            <a:spAutoFit/>
+          </a:bodyPr>
+          <a:lstStyle/>
+          <a:p>
+            <a:r>
+              <a:rPr lang="en-US" altLang="ko-KR" sz="3600" dirty="0"/>
+              <a:t>+</a:t>
             </a:r>
             <a:endParaRPr lang="ko-KR" altLang="en-US" dirty="0"/>
           </a:p>
@@ -14710,7 +15834,7 @@
     </p:spTree>
     <p:extLst>
       <p:ext uri="{BB962C8B-B14F-4D97-AF65-F5344CB8AC3E}">
-        <p14:creationId xmlns:p14="http://schemas.microsoft.com/office/powerpoint/2010/main" val="2464178294"/>
+        <p14:creationId xmlns:p14="http://schemas.microsoft.com/office/powerpoint/2010/main" val="2068205309"/>
       </p:ext>
     </p:extLst>
   </p:cSld>
@@ -14753,14 +15877,19 @@
             <p:ph type="title"/>
           </p:nvPr>
         </p:nvSpPr>
-        <p:spPr/>
+        <p:spPr>
+          <a:xfrm>
+            <a:off x="838200" y="365125"/>
+            <a:ext cx="10515600" cy="1325563"/>
+          </a:xfrm>
+        </p:spPr>
         <p:txBody>
           <a:bodyPr/>
           <a:lstStyle/>
           <a:p>
             <a:r>
               <a:rPr lang="en-US" altLang="ko-KR" dirty="0"/>
-              <a:t>Goals &amp; Methods</a:t>
+              <a:t>Goals</a:t>
             </a:r>
             <a:endParaRPr lang="ko-KR" altLang="en-US" dirty="0"/>
           </a:p>
@@ -14768,744 +15897,61 @@
       </p:sp>
       <p:sp>
         <p:nvSpPr>
-          <p:cNvPr id="6" name="순서도: 대체 처리 5">
+          <p:cNvPr id="2" name="TextBox 1">
             <a:extLst>
               <a:ext uri="{FF2B5EF4-FFF2-40B4-BE49-F238E27FC236}">
-                <a16:creationId xmlns:a16="http://schemas.microsoft.com/office/drawing/2014/main" id="{0856FC53-BA4B-4A3D-A523-D93D0915A94F}"/>
+                <a16:creationId xmlns:a16="http://schemas.microsoft.com/office/drawing/2014/main" id="{0B3D1D03-DB2B-4FB5-8B81-8F2AE42B0897}"/>
               </a:ext>
             </a:extLst>
           </p:cNvPr>
-          <p:cNvSpPr/>
+          <p:cNvSpPr txBox="1"/>
           <p:nvPr/>
         </p:nvSpPr>
         <p:spPr>
           <a:xfrm>
-            <a:off x="6528262" y="4245033"/>
-            <a:ext cx="1670858" cy="598516"/>
+            <a:off x="370609" y="3059668"/>
+            <a:ext cx="11450782" cy="461665"/>
           </a:xfrm>
-          <a:prstGeom prst="flowChartAlternateProcess">
+          <a:prstGeom prst="rect">
             <a:avLst/>
           </a:prstGeom>
+          <a:noFill/>
         </p:spPr>
-        <p:style>
-          <a:lnRef idx="2">
-            <a:schemeClr val="accent1">
-              <a:shade val="50000"/>
-            </a:schemeClr>
-          </a:lnRef>
-          <a:fillRef idx="1">
-            <a:schemeClr val="accent1"/>
-          </a:fillRef>
-          <a:effectRef idx="0">
-            <a:schemeClr val="accent1"/>
-          </a:effectRef>
-          <a:fontRef idx="minor">
-            <a:schemeClr val="lt1"/>
-          </a:fontRef>
-        </p:style>
         <p:txBody>
-          <a:bodyPr rtlCol="0" anchor="ctr"/>
+          <a:bodyPr wrap="square" rtlCol="0">
+            <a:spAutoFit/>
+          </a:bodyPr>
           <a:lstStyle/>
           <a:p>
             <a:pPr algn="ctr"/>
-            <a:endParaRPr lang="ko-KR" altLang="en-US"/>
-          </a:p>
-        </p:txBody>
-      </p:sp>
-      <p:sp>
-        <p:nvSpPr>
-          <p:cNvPr id="7" name="순서도: 대체 처리 6">
-            <a:extLst>
-              <a:ext uri="{FF2B5EF4-FFF2-40B4-BE49-F238E27FC236}">
-                <a16:creationId xmlns:a16="http://schemas.microsoft.com/office/drawing/2014/main" id="{75A04E3D-8470-40AB-90D6-FCE7B1F077DF}"/>
-              </a:ext>
-            </a:extLst>
-          </p:cNvPr>
-          <p:cNvSpPr/>
-          <p:nvPr/>
-        </p:nvSpPr>
-        <p:spPr>
-          <a:xfrm>
-            <a:off x="1363288" y="4245033"/>
-            <a:ext cx="1670858" cy="598516"/>
-          </a:xfrm>
-          <a:prstGeom prst="flowChartAlternateProcess">
-            <a:avLst/>
-          </a:prstGeom>
-        </p:spPr>
-        <p:style>
-          <a:lnRef idx="2">
-            <a:schemeClr val="accent1">
-              <a:shade val="50000"/>
-            </a:schemeClr>
-          </a:lnRef>
-          <a:fillRef idx="1">
-            <a:schemeClr val="accent1"/>
-          </a:fillRef>
-          <a:effectRef idx="0">
-            <a:schemeClr val="accent1"/>
-          </a:effectRef>
-          <a:fontRef idx="minor">
-            <a:schemeClr val="lt1"/>
-          </a:fontRef>
-        </p:style>
-        <p:txBody>
-          <a:bodyPr rtlCol="0" anchor="ctr"/>
-          <a:lstStyle/>
-          <a:p>
-            <a:pPr algn="ctr"/>
-            <a:endParaRPr lang="ko-KR" altLang="en-US"/>
-          </a:p>
-        </p:txBody>
-      </p:sp>
-      <p:sp>
-        <p:nvSpPr>
-          <p:cNvPr id="8" name="순서도: 대체 처리 7">
-            <a:extLst>
-              <a:ext uri="{FF2B5EF4-FFF2-40B4-BE49-F238E27FC236}">
-                <a16:creationId xmlns:a16="http://schemas.microsoft.com/office/drawing/2014/main" id="{EB26DA31-01D3-4912-9317-4A0F46F7EAA6}"/>
-              </a:ext>
-            </a:extLst>
-          </p:cNvPr>
-          <p:cNvSpPr/>
-          <p:nvPr/>
-        </p:nvSpPr>
-        <p:spPr>
-          <a:xfrm>
-            <a:off x="3945775" y="4245033"/>
-            <a:ext cx="1670858" cy="598516"/>
-          </a:xfrm>
-          <a:prstGeom prst="flowChartAlternateProcess">
-            <a:avLst/>
-          </a:prstGeom>
-        </p:spPr>
-        <p:style>
-          <a:lnRef idx="2">
-            <a:schemeClr val="accent1">
-              <a:shade val="50000"/>
-            </a:schemeClr>
-          </a:lnRef>
-          <a:fillRef idx="1">
-            <a:schemeClr val="accent1"/>
-          </a:fillRef>
-          <a:effectRef idx="0">
-            <a:schemeClr val="accent1"/>
-          </a:effectRef>
-          <a:fontRef idx="minor">
-            <a:schemeClr val="lt1"/>
-          </a:fontRef>
-        </p:style>
-        <p:txBody>
-          <a:bodyPr rtlCol="0" anchor="ctr"/>
-          <a:lstStyle/>
-          <a:p>
-            <a:pPr algn="ctr"/>
-            <a:endParaRPr lang="ko-KR" altLang="en-US"/>
-          </a:p>
-        </p:txBody>
-      </p:sp>
-      <p:sp>
-        <p:nvSpPr>
-          <p:cNvPr id="9" name="순서도: 대체 처리 8">
-            <a:extLst>
-              <a:ext uri="{FF2B5EF4-FFF2-40B4-BE49-F238E27FC236}">
-                <a16:creationId xmlns:a16="http://schemas.microsoft.com/office/drawing/2014/main" id="{F44CB01A-9FED-4E0D-850E-1B34ED888E86}"/>
-              </a:ext>
-            </a:extLst>
-          </p:cNvPr>
-          <p:cNvSpPr/>
-          <p:nvPr/>
-        </p:nvSpPr>
-        <p:spPr>
-          <a:xfrm>
-            <a:off x="9110749" y="5295208"/>
-            <a:ext cx="1670858" cy="598516"/>
-          </a:xfrm>
-          <a:prstGeom prst="flowChartAlternateProcess">
-            <a:avLst/>
-          </a:prstGeom>
-        </p:spPr>
-        <p:style>
-          <a:lnRef idx="2">
-            <a:schemeClr val="accent1">
-              <a:shade val="50000"/>
-            </a:schemeClr>
-          </a:lnRef>
-          <a:fillRef idx="1">
-            <a:schemeClr val="accent1"/>
-          </a:fillRef>
-          <a:effectRef idx="0">
-            <a:schemeClr val="accent1"/>
-          </a:effectRef>
-          <a:fontRef idx="minor">
-            <a:schemeClr val="lt1"/>
-          </a:fontRef>
-        </p:style>
-        <p:txBody>
-          <a:bodyPr rtlCol="0" anchor="ctr"/>
-          <a:lstStyle/>
-          <a:p>
-            <a:pPr algn="ctr"/>
-            <a:endParaRPr lang="ko-KR" altLang="en-US"/>
-          </a:p>
-        </p:txBody>
-      </p:sp>
-      <p:sp>
-        <p:nvSpPr>
-          <p:cNvPr id="10" name="순서도: 대체 처리 9">
-            <a:extLst>
-              <a:ext uri="{FF2B5EF4-FFF2-40B4-BE49-F238E27FC236}">
-                <a16:creationId xmlns:a16="http://schemas.microsoft.com/office/drawing/2014/main" id="{7EA62758-5544-4080-903A-07A0D31550EB}"/>
-              </a:ext>
-            </a:extLst>
-          </p:cNvPr>
-          <p:cNvSpPr/>
-          <p:nvPr/>
-        </p:nvSpPr>
-        <p:spPr>
-          <a:xfrm>
-            <a:off x="6528262" y="5339542"/>
-            <a:ext cx="1670858" cy="598516"/>
-          </a:xfrm>
-          <a:prstGeom prst="flowChartAlternateProcess">
-            <a:avLst/>
-          </a:prstGeom>
-        </p:spPr>
-        <p:style>
-          <a:lnRef idx="2">
-            <a:schemeClr val="accent1">
-              <a:shade val="50000"/>
-            </a:schemeClr>
-          </a:lnRef>
-          <a:fillRef idx="1">
-            <a:schemeClr val="accent1"/>
-          </a:fillRef>
-          <a:effectRef idx="0">
-            <a:schemeClr val="accent1"/>
-          </a:effectRef>
-          <a:fontRef idx="minor">
-            <a:schemeClr val="lt1"/>
-          </a:fontRef>
-        </p:style>
-        <p:txBody>
-          <a:bodyPr rtlCol="0" anchor="ctr"/>
-          <a:lstStyle/>
-          <a:p>
-            <a:pPr algn="ctr"/>
-            <a:endParaRPr lang="ko-KR" altLang="en-US"/>
-          </a:p>
-        </p:txBody>
-      </p:sp>
-      <p:sp>
-        <p:nvSpPr>
-          <p:cNvPr id="11" name="순서도: 대체 처리 10">
-            <a:extLst>
-              <a:ext uri="{FF2B5EF4-FFF2-40B4-BE49-F238E27FC236}">
-                <a16:creationId xmlns:a16="http://schemas.microsoft.com/office/drawing/2014/main" id="{987CFF1B-DD8E-4960-86A7-2F6158150DBB}"/>
-              </a:ext>
-            </a:extLst>
-          </p:cNvPr>
-          <p:cNvSpPr/>
-          <p:nvPr/>
-        </p:nvSpPr>
-        <p:spPr>
-          <a:xfrm>
-            <a:off x="3945775" y="5339542"/>
-            <a:ext cx="1670858" cy="598516"/>
-          </a:xfrm>
-          <a:prstGeom prst="flowChartAlternateProcess">
-            <a:avLst/>
-          </a:prstGeom>
-        </p:spPr>
-        <p:style>
-          <a:lnRef idx="2">
-            <a:schemeClr val="accent1">
-              <a:shade val="50000"/>
-            </a:schemeClr>
-          </a:lnRef>
-          <a:fillRef idx="1">
-            <a:schemeClr val="accent1"/>
-          </a:fillRef>
-          <a:effectRef idx="0">
-            <a:schemeClr val="accent1"/>
-          </a:effectRef>
-          <a:fontRef idx="minor">
-            <a:schemeClr val="lt1"/>
-          </a:fontRef>
-        </p:style>
-        <p:txBody>
-          <a:bodyPr rtlCol="0" anchor="ctr"/>
-          <a:lstStyle/>
-          <a:p>
-            <a:pPr algn="ctr"/>
-            <a:endParaRPr lang="ko-KR" altLang="en-US"/>
-          </a:p>
-        </p:txBody>
-      </p:sp>
-      <p:sp>
-        <p:nvSpPr>
-          <p:cNvPr id="12" name="순서도: 대체 처리 11">
-            <a:extLst>
-              <a:ext uri="{FF2B5EF4-FFF2-40B4-BE49-F238E27FC236}">
-                <a16:creationId xmlns:a16="http://schemas.microsoft.com/office/drawing/2014/main" id="{544CADA9-A2E4-4CE9-973C-5614E8DFA288}"/>
-              </a:ext>
-            </a:extLst>
-          </p:cNvPr>
-          <p:cNvSpPr/>
-          <p:nvPr/>
-        </p:nvSpPr>
-        <p:spPr>
-          <a:xfrm>
-            <a:off x="1363288" y="5295208"/>
-            <a:ext cx="1670858" cy="598516"/>
-          </a:xfrm>
-          <a:prstGeom prst="flowChartAlternateProcess">
-            <a:avLst/>
-          </a:prstGeom>
-        </p:spPr>
-        <p:style>
-          <a:lnRef idx="2">
-            <a:schemeClr val="accent1">
-              <a:shade val="50000"/>
-            </a:schemeClr>
-          </a:lnRef>
-          <a:fillRef idx="1">
-            <a:schemeClr val="accent1"/>
-          </a:fillRef>
-          <a:effectRef idx="0">
-            <a:schemeClr val="accent1"/>
-          </a:effectRef>
-          <a:fontRef idx="minor">
-            <a:schemeClr val="lt1"/>
-          </a:fontRef>
-        </p:style>
-        <p:txBody>
-          <a:bodyPr rtlCol="0" anchor="ctr"/>
-          <a:lstStyle/>
-          <a:p>
-            <a:pPr algn="ctr"/>
-            <a:endParaRPr lang="ko-KR" altLang="en-US"/>
-          </a:p>
-        </p:txBody>
-      </p:sp>
-      <p:sp>
-        <p:nvSpPr>
-          <p:cNvPr id="13" name="순서도: 대체 처리 12">
-            <a:extLst>
-              <a:ext uri="{FF2B5EF4-FFF2-40B4-BE49-F238E27FC236}">
-                <a16:creationId xmlns:a16="http://schemas.microsoft.com/office/drawing/2014/main" id="{6356602E-9BA4-4268-863F-8DE2F2AE1AF1}"/>
-              </a:ext>
-            </a:extLst>
-          </p:cNvPr>
-          <p:cNvSpPr/>
-          <p:nvPr/>
-        </p:nvSpPr>
-        <p:spPr>
-          <a:xfrm>
-            <a:off x="9110749" y="4245033"/>
-            <a:ext cx="1670858" cy="598516"/>
-          </a:xfrm>
-          <a:prstGeom prst="flowChartAlternateProcess">
-            <a:avLst/>
-          </a:prstGeom>
-        </p:spPr>
-        <p:style>
-          <a:lnRef idx="2">
-            <a:schemeClr val="accent1">
-              <a:shade val="50000"/>
-            </a:schemeClr>
-          </a:lnRef>
-          <a:fillRef idx="1">
-            <a:schemeClr val="accent1"/>
-          </a:fillRef>
-          <a:effectRef idx="0">
-            <a:schemeClr val="accent1"/>
-          </a:effectRef>
-          <a:fontRef idx="minor">
-            <a:schemeClr val="lt1"/>
-          </a:fontRef>
-        </p:style>
-        <p:txBody>
-          <a:bodyPr rtlCol="0" anchor="ctr"/>
-          <a:lstStyle/>
-          <a:p>
-            <a:pPr algn="ctr"/>
-            <a:endParaRPr lang="ko-KR" altLang="en-US"/>
-          </a:p>
-        </p:txBody>
-      </p:sp>
-      <p:sp>
-        <p:nvSpPr>
-          <p:cNvPr id="14" name="순서도: 대체 처리 13">
-            <a:extLst>
-              <a:ext uri="{FF2B5EF4-FFF2-40B4-BE49-F238E27FC236}">
-                <a16:creationId xmlns:a16="http://schemas.microsoft.com/office/drawing/2014/main" id="{AF667E91-213A-491D-90EA-F40B9CB07E94}"/>
-              </a:ext>
-            </a:extLst>
-          </p:cNvPr>
-          <p:cNvSpPr/>
-          <p:nvPr/>
-        </p:nvSpPr>
-        <p:spPr>
-          <a:xfrm>
-            <a:off x="9110749" y="3194858"/>
-            <a:ext cx="1670858" cy="598516"/>
-          </a:xfrm>
-          <a:prstGeom prst="flowChartAlternateProcess">
-            <a:avLst/>
-          </a:prstGeom>
-        </p:spPr>
-        <p:style>
-          <a:lnRef idx="2">
-            <a:schemeClr val="accent1">
-              <a:shade val="50000"/>
-            </a:schemeClr>
-          </a:lnRef>
-          <a:fillRef idx="1">
-            <a:schemeClr val="accent1"/>
-          </a:fillRef>
-          <a:effectRef idx="0">
-            <a:schemeClr val="accent1"/>
-          </a:effectRef>
-          <a:fontRef idx="minor">
-            <a:schemeClr val="lt1"/>
-          </a:fontRef>
-        </p:style>
-        <p:txBody>
-          <a:bodyPr rtlCol="0" anchor="ctr"/>
-          <a:lstStyle/>
-          <a:p>
-            <a:pPr algn="ctr"/>
-            <a:endParaRPr lang="ko-KR" altLang="en-US"/>
-          </a:p>
-        </p:txBody>
-      </p:sp>
-      <p:sp>
-        <p:nvSpPr>
-          <p:cNvPr id="15" name="순서도: 대체 처리 14">
-            <a:extLst>
-              <a:ext uri="{FF2B5EF4-FFF2-40B4-BE49-F238E27FC236}">
-                <a16:creationId xmlns:a16="http://schemas.microsoft.com/office/drawing/2014/main" id="{F13FCF8B-A7EB-4DFC-A35F-9DBCE179C855}"/>
-              </a:ext>
-            </a:extLst>
-          </p:cNvPr>
-          <p:cNvSpPr/>
-          <p:nvPr/>
-        </p:nvSpPr>
-        <p:spPr>
-          <a:xfrm>
-            <a:off x="6528262" y="3194858"/>
-            <a:ext cx="1670858" cy="598516"/>
-          </a:xfrm>
-          <a:prstGeom prst="flowChartAlternateProcess">
-            <a:avLst/>
-          </a:prstGeom>
-        </p:spPr>
-        <p:style>
-          <a:lnRef idx="2">
-            <a:schemeClr val="accent1">
-              <a:shade val="50000"/>
-            </a:schemeClr>
-          </a:lnRef>
-          <a:fillRef idx="1">
-            <a:schemeClr val="accent1"/>
-          </a:fillRef>
-          <a:effectRef idx="0">
-            <a:schemeClr val="accent1"/>
-          </a:effectRef>
-          <a:fontRef idx="minor">
-            <a:schemeClr val="lt1"/>
-          </a:fontRef>
-        </p:style>
-        <p:txBody>
-          <a:bodyPr rtlCol="0" anchor="ctr"/>
-          <a:lstStyle/>
-          <a:p>
-            <a:pPr algn="ctr"/>
-            <a:endParaRPr lang="ko-KR" altLang="en-US"/>
-          </a:p>
-        </p:txBody>
-      </p:sp>
-      <p:sp>
-        <p:nvSpPr>
-          <p:cNvPr id="16" name="순서도: 대체 처리 15">
-            <a:extLst>
-              <a:ext uri="{FF2B5EF4-FFF2-40B4-BE49-F238E27FC236}">
-                <a16:creationId xmlns:a16="http://schemas.microsoft.com/office/drawing/2014/main" id="{2F94D636-EAD1-4E12-91A7-EED409B6CADB}"/>
-              </a:ext>
-            </a:extLst>
-          </p:cNvPr>
-          <p:cNvSpPr/>
-          <p:nvPr/>
-        </p:nvSpPr>
-        <p:spPr>
-          <a:xfrm>
-            <a:off x="9110749" y="2178150"/>
-            <a:ext cx="1670858" cy="598516"/>
-          </a:xfrm>
-          <a:prstGeom prst="flowChartAlternateProcess">
-            <a:avLst/>
-          </a:prstGeom>
-        </p:spPr>
-        <p:style>
-          <a:lnRef idx="2">
-            <a:schemeClr val="accent1">
-              <a:shade val="50000"/>
-            </a:schemeClr>
-          </a:lnRef>
-          <a:fillRef idx="1">
-            <a:schemeClr val="accent1"/>
-          </a:fillRef>
-          <a:effectRef idx="0">
-            <a:schemeClr val="accent1"/>
-          </a:effectRef>
-          <a:fontRef idx="minor">
-            <a:schemeClr val="lt1"/>
-          </a:fontRef>
-        </p:style>
-        <p:txBody>
-          <a:bodyPr rtlCol="0" anchor="ctr"/>
-          <a:lstStyle/>
-          <a:p>
-            <a:pPr algn="ctr"/>
-            <a:endParaRPr lang="ko-KR" altLang="en-US"/>
-          </a:p>
-        </p:txBody>
-      </p:sp>
-      <p:sp>
-        <p:nvSpPr>
-          <p:cNvPr id="17" name="순서도: 대체 처리 16">
-            <a:extLst>
-              <a:ext uri="{FF2B5EF4-FFF2-40B4-BE49-F238E27FC236}">
-                <a16:creationId xmlns:a16="http://schemas.microsoft.com/office/drawing/2014/main" id="{312C8A0D-E2F4-44A1-9E31-A4121885E2FC}"/>
-              </a:ext>
-            </a:extLst>
-          </p:cNvPr>
-          <p:cNvSpPr/>
-          <p:nvPr/>
-        </p:nvSpPr>
-        <p:spPr>
-          <a:xfrm>
-            <a:off x="3945775" y="3215857"/>
-            <a:ext cx="1670858" cy="598516"/>
-          </a:xfrm>
-          <a:prstGeom prst="flowChartAlternateProcess">
-            <a:avLst/>
-          </a:prstGeom>
-        </p:spPr>
-        <p:style>
-          <a:lnRef idx="2">
-            <a:schemeClr val="accent1">
-              <a:shade val="50000"/>
-            </a:schemeClr>
-          </a:lnRef>
-          <a:fillRef idx="1">
-            <a:schemeClr val="accent1"/>
-          </a:fillRef>
-          <a:effectRef idx="0">
-            <a:schemeClr val="accent1"/>
-          </a:effectRef>
-          <a:fontRef idx="minor">
-            <a:schemeClr val="lt1"/>
-          </a:fontRef>
-        </p:style>
-        <p:txBody>
-          <a:bodyPr rtlCol="0" anchor="ctr"/>
-          <a:lstStyle/>
-          <a:p>
-            <a:pPr algn="ctr"/>
-            <a:endParaRPr lang="ko-KR" altLang="en-US"/>
-          </a:p>
-        </p:txBody>
-      </p:sp>
-      <p:sp>
-        <p:nvSpPr>
-          <p:cNvPr id="18" name="순서도: 대체 처리 17">
-            <a:extLst>
-              <a:ext uri="{FF2B5EF4-FFF2-40B4-BE49-F238E27FC236}">
-                <a16:creationId xmlns:a16="http://schemas.microsoft.com/office/drawing/2014/main" id="{3CCB83AB-A3C9-4DB7-9C1A-FA7728F18574}"/>
-              </a:ext>
-            </a:extLst>
-          </p:cNvPr>
-          <p:cNvSpPr/>
-          <p:nvPr/>
-        </p:nvSpPr>
-        <p:spPr>
-          <a:xfrm>
-            <a:off x="1363288" y="3222785"/>
-            <a:ext cx="1670858" cy="598516"/>
-          </a:xfrm>
-          <a:prstGeom prst="flowChartAlternateProcess">
-            <a:avLst/>
-          </a:prstGeom>
-        </p:spPr>
-        <p:style>
-          <a:lnRef idx="2">
-            <a:schemeClr val="accent1">
-              <a:shade val="50000"/>
-            </a:schemeClr>
-          </a:lnRef>
-          <a:fillRef idx="1">
-            <a:schemeClr val="accent1"/>
-          </a:fillRef>
-          <a:effectRef idx="0">
-            <a:schemeClr val="accent1"/>
-          </a:effectRef>
-          <a:fontRef idx="minor">
-            <a:schemeClr val="lt1"/>
-          </a:fontRef>
-        </p:style>
-        <p:txBody>
-          <a:bodyPr rtlCol="0" anchor="ctr"/>
-          <a:lstStyle/>
-          <a:p>
-            <a:pPr algn="ctr"/>
-            <a:endParaRPr lang="ko-KR" altLang="en-US"/>
-          </a:p>
-        </p:txBody>
-      </p:sp>
-      <p:sp>
-        <p:nvSpPr>
-          <p:cNvPr id="19" name="순서도: 대체 처리 18">
-            <a:extLst>
-              <a:ext uri="{FF2B5EF4-FFF2-40B4-BE49-F238E27FC236}">
-                <a16:creationId xmlns:a16="http://schemas.microsoft.com/office/drawing/2014/main" id="{D6B45478-8401-495F-BEBD-2D9238FF3E95}"/>
-              </a:ext>
-            </a:extLst>
-          </p:cNvPr>
-          <p:cNvSpPr/>
-          <p:nvPr/>
-        </p:nvSpPr>
-        <p:spPr>
-          <a:xfrm>
-            <a:off x="1363288" y="2172610"/>
-            <a:ext cx="1670858" cy="598516"/>
-          </a:xfrm>
-          <a:prstGeom prst="flowChartAlternateProcess">
-            <a:avLst/>
-          </a:prstGeom>
-        </p:spPr>
-        <p:style>
-          <a:lnRef idx="2">
-            <a:schemeClr val="accent1">
-              <a:shade val="50000"/>
-            </a:schemeClr>
-          </a:lnRef>
-          <a:fillRef idx="1">
-            <a:schemeClr val="accent1"/>
-          </a:fillRef>
-          <a:effectRef idx="0">
-            <a:schemeClr val="accent1"/>
-          </a:effectRef>
-          <a:fontRef idx="minor">
-            <a:schemeClr val="lt1"/>
-          </a:fontRef>
-        </p:style>
-        <p:txBody>
-          <a:bodyPr rtlCol="0" anchor="ctr"/>
-          <a:lstStyle/>
-          <a:p>
-            <a:pPr algn="ctr"/>
-            <a:endParaRPr lang="ko-KR" altLang="en-US"/>
-          </a:p>
-        </p:txBody>
-      </p:sp>
-      <p:sp>
-        <p:nvSpPr>
-          <p:cNvPr id="20" name="순서도: 대체 처리 19">
-            <a:extLst>
-              <a:ext uri="{FF2B5EF4-FFF2-40B4-BE49-F238E27FC236}">
-                <a16:creationId xmlns:a16="http://schemas.microsoft.com/office/drawing/2014/main" id="{7E8AA572-F189-4553-9BDB-73FBF3841D22}"/>
-              </a:ext>
-            </a:extLst>
-          </p:cNvPr>
-          <p:cNvSpPr/>
-          <p:nvPr/>
-        </p:nvSpPr>
-        <p:spPr>
-          <a:xfrm>
-            <a:off x="3945775" y="2154014"/>
-            <a:ext cx="1670858" cy="598516"/>
-          </a:xfrm>
-          <a:prstGeom prst="flowChartAlternateProcess">
-            <a:avLst/>
-          </a:prstGeom>
-        </p:spPr>
-        <p:style>
-          <a:lnRef idx="2">
-            <a:schemeClr val="accent1">
-              <a:shade val="50000"/>
-            </a:schemeClr>
-          </a:lnRef>
-          <a:fillRef idx="1">
-            <a:schemeClr val="accent1"/>
-          </a:fillRef>
-          <a:effectRef idx="0">
-            <a:schemeClr val="accent1"/>
-          </a:effectRef>
-          <a:fontRef idx="minor">
-            <a:schemeClr val="lt1"/>
-          </a:fontRef>
-        </p:style>
-        <p:txBody>
-          <a:bodyPr rtlCol="0" anchor="ctr"/>
-          <a:lstStyle/>
-          <a:p>
-            <a:pPr algn="ctr"/>
-            <a:endParaRPr lang="ko-KR" altLang="en-US"/>
-          </a:p>
-        </p:txBody>
-      </p:sp>
-      <p:sp>
-        <p:nvSpPr>
-          <p:cNvPr id="21" name="순서도: 대체 처리 20">
-            <a:extLst>
-              <a:ext uri="{FF2B5EF4-FFF2-40B4-BE49-F238E27FC236}">
-                <a16:creationId xmlns:a16="http://schemas.microsoft.com/office/drawing/2014/main" id="{75741028-E14A-477E-8620-CADE21536273}"/>
-              </a:ext>
-            </a:extLst>
-          </p:cNvPr>
-          <p:cNvSpPr/>
-          <p:nvPr/>
-        </p:nvSpPr>
-        <p:spPr>
-          <a:xfrm>
-            <a:off x="6528262" y="2172610"/>
-            <a:ext cx="1670858" cy="598516"/>
-          </a:xfrm>
-          <a:prstGeom prst="flowChartAlternateProcess">
-            <a:avLst/>
-          </a:prstGeom>
-        </p:spPr>
-        <p:style>
-          <a:lnRef idx="2">
-            <a:schemeClr val="accent1">
-              <a:shade val="50000"/>
-            </a:schemeClr>
-          </a:lnRef>
-          <a:fillRef idx="1">
-            <a:schemeClr val="accent1"/>
-          </a:fillRef>
-          <a:effectRef idx="0">
-            <a:schemeClr val="accent1"/>
-          </a:effectRef>
-          <a:fontRef idx="minor">
-            <a:schemeClr val="lt1"/>
-          </a:fontRef>
-        </p:style>
-        <p:txBody>
-          <a:bodyPr rtlCol="0" anchor="ctr"/>
-          <a:lstStyle/>
-          <a:p>
-            <a:pPr algn="ctr"/>
-            <a:endParaRPr lang="ko-KR" altLang="en-US"/>
+            <a:r>
+              <a:rPr lang="en-US" altLang="ko-KR" sz="2400" b="1" dirty="0"/>
+              <a:t>Get</a:t>
+            </a:r>
+            <a:r>
+              <a:rPr lang="ko-KR" altLang="en-US" sz="2400" b="1" dirty="0"/>
+              <a:t> </a:t>
+            </a:r>
+            <a:r>
+              <a:rPr lang="en-US" altLang="ko-KR" sz="2400" b="1" dirty="0"/>
+              <a:t>to</a:t>
+            </a:r>
+            <a:r>
+              <a:rPr lang="ko-KR" altLang="en-US" sz="2400" b="1" dirty="0"/>
+              <a:t> </a:t>
+            </a:r>
+            <a:r>
+              <a:rPr lang="en-US" altLang="ko-KR" sz="2400" b="1" dirty="0"/>
+              <a:t>know inside the school Right Now without any step</a:t>
+            </a:r>
+            <a:endParaRPr lang="ko-KR" altLang="en-US" sz="2400" b="1" dirty="0"/>
           </a:p>
         </p:txBody>
       </p:sp>
     </p:spTree>
     <p:extLst>
       <p:ext uri="{BB962C8B-B14F-4D97-AF65-F5344CB8AC3E}">
-        <p14:creationId xmlns:p14="http://schemas.microsoft.com/office/powerpoint/2010/main" val="1133999341"/>
+        <p14:creationId xmlns:p14="http://schemas.microsoft.com/office/powerpoint/2010/main" val="1478105499"/>
       </p:ext>
     </p:extLst>
   </p:cSld>
@@ -15560,88 +16006,203 @@
           <a:p>
             <a:r>
               <a:rPr lang="en-US" altLang="ko-KR" dirty="0"/>
-              <a:t>Goals &amp; Methods</a:t>
+              <a:t>Goals – details </a:t>
             </a:r>
             <a:endParaRPr lang="ko-KR" altLang="en-US" dirty="0"/>
           </a:p>
         </p:txBody>
       </p:sp>
-      <p:pic>
-        <p:nvPicPr>
-          <p:cNvPr id="4" name="그림 3">
+      <p:sp>
+        <p:nvSpPr>
+          <p:cNvPr id="2" name="TextBox 1">
             <a:extLst>
               <a:ext uri="{FF2B5EF4-FFF2-40B4-BE49-F238E27FC236}">
-                <a16:creationId xmlns:a16="http://schemas.microsoft.com/office/drawing/2014/main" id="{3E47821E-FF79-442D-9E36-4F6F99850535}"/>
+                <a16:creationId xmlns:a16="http://schemas.microsoft.com/office/drawing/2014/main" id="{0B3D1D03-DB2B-4FB5-8B81-8F2AE42B0897}"/>
               </a:ext>
             </a:extLst>
           </p:cNvPr>
-          <p:cNvPicPr>
-            <a:picLocks noChangeAspect="1"/>
-          </p:cNvPicPr>
+          <p:cNvSpPr txBox="1"/>
           <p:nvPr/>
-        </p:nvPicPr>
-        <p:blipFill>
-          <a:blip r:embed="rId2">
-            <a:extLst>
-              <a:ext uri="{28A0092B-C50C-407E-A947-70E740481C1C}">
-                <a14:useLocalDpi xmlns:a14="http://schemas.microsoft.com/office/drawing/2010/main" val="0"/>
-              </a:ext>
-            </a:extLst>
-          </a:blip>
-          <a:stretch>
-            <a:fillRect/>
-          </a:stretch>
-        </p:blipFill>
+        </p:nvSpPr>
         <p:spPr>
           <a:xfrm>
-            <a:off x="-323796" y="1533490"/>
-            <a:ext cx="4745182" cy="4745182"/>
+            <a:off x="370609" y="1690688"/>
+            <a:ext cx="11450782" cy="461665"/>
           </a:xfrm>
           <a:prstGeom prst="rect">
             <a:avLst/>
           </a:prstGeom>
+          <a:noFill/>
         </p:spPr>
-      </p:pic>
-      <p:pic>
-        <p:nvPicPr>
-          <p:cNvPr id="22" name="그림 21">
+        <p:txBody>
+          <a:bodyPr wrap="square" rtlCol="0">
+            <a:spAutoFit/>
+          </a:bodyPr>
+          <a:lstStyle/>
+          <a:p>
+            <a:pPr algn="ctr"/>
+            <a:r>
+              <a:rPr lang="ko-KR" altLang="en-US" sz="2400" b="1" dirty="0"/>
+              <a:t>세부 목표</a:t>
+            </a:r>
+          </a:p>
+        </p:txBody>
+      </p:sp>
+      <p:sp>
+        <p:nvSpPr>
+          <p:cNvPr id="4" name="TextBox 3">
             <a:extLst>
               <a:ext uri="{FF2B5EF4-FFF2-40B4-BE49-F238E27FC236}">
-                <a16:creationId xmlns:a16="http://schemas.microsoft.com/office/drawing/2014/main" id="{C5FE6A4C-D4E9-4797-9EAD-1CCD378508C4}"/>
+                <a16:creationId xmlns:a16="http://schemas.microsoft.com/office/drawing/2014/main" id="{E924B038-C650-4148-B316-B3876CA63E46}"/>
               </a:ext>
             </a:extLst>
           </p:cNvPr>
-          <p:cNvPicPr>
-            <a:picLocks noChangeAspect="1"/>
-          </p:cNvPicPr>
+          <p:cNvSpPr txBox="1"/>
           <p:nvPr/>
-        </p:nvPicPr>
-        <p:blipFill>
-          <a:blip r:embed="rId2">
-            <a:extLst>
-              <a:ext uri="{28A0092B-C50C-407E-A947-70E740481C1C}">
-                <a14:useLocalDpi xmlns:a14="http://schemas.microsoft.com/office/drawing/2010/main" val="0"/>
-              </a:ext>
-            </a:extLst>
-          </a:blip>
-          <a:stretch>
-            <a:fillRect/>
-          </a:stretch>
-        </p:blipFill>
+        </p:nvSpPr>
         <p:spPr>
           <a:xfrm>
-            <a:off x="7608383" y="1533490"/>
-            <a:ext cx="4745182" cy="4745182"/>
+            <a:off x="1163782" y="2452255"/>
+            <a:ext cx="11450782" cy="1754326"/>
           </a:xfrm>
           <a:prstGeom prst="rect">
             <a:avLst/>
           </a:prstGeom>
+          <a:noFill/>
         </p:spPr>
-      </p:pic>
+        <p:txBody>
+          <a:bodyPr wrap="square" rtlCol="0">
+            <a:spAutoFit/>
+          </a:bodyPr>
+          <a:lstStyle/>
+          <a:p>
+            <a:pPr marL="342900" indent="-342900">
+              <a:buAutoNum type="arabicPeriod"/>
+            </a:pPr>
+            <a:r>
+              <a:rPr lang="ko-KR" altLang="en-US" dirty="0"/>
+              <a:t>각 건물 내부의 지도 데이터 생성</a:t>
+            </a:r>
+            <a:endParaRPr lang="en-US" altLang="ko-KR" dirty="0"/>
+          </a:p>
+          <a:p>
+            <a:pPr marL="342900" indent="-342900">
+              <a:buAutoNum type="arabicPeriod"/>
+            </a:pPr>
+            <a:r>
+              <a:rPr lang="ko-KR" altLang="en-US" dirty="0"/>
+              <a:t>각 건물 내부의 강의실까지의 이동 수단에 맞는 데이터 수집 </a:t>
+            </a:r>
+            <a:r>
+              <a:rPr lang="en-US" altLang="ko-KR" dirty="0"/>
+              <a:t>(</a:t>
+            </a:r>
+            <a:r>
+              <a:rPr lang="ko-KR" altLang="en-US" dirty="0"/>
+              <a:t>걷기</a:t>
+            </a:r>
+            <a:r>
+              <a:rPr lang="en-US" altLang="ko-KR" dirty="0"/>
+              <a:t>, </a:t>
+            </a:r>
+            <a:r>
+              <a:rPr lang="ko-KR" altLang="en-US" dirty="0"/>
+              <a:t>자전거</a:t>
+            </a:r>
+            <a:r>
+              <a:rPr lang="en-US" altLang="ko-KR" dirty="0"/>
+              <a:t>, </a:t>
+            </a:r>
+            <a:r>
+              <a:rPr lang="ko-KR" altLang="en-US" dirty="0" err="1"/>
+              <a:t>킥보드</a:t>
+            </a:r>
+            <a:r>
+              <a:rPr lang="en-US" altLang="ko-KR" dirty="0"/>
+              <a:t>)</a:t>
+            </a:r>
+          </a:p>
+          <a:p>
+            <a:pPr marL="342900" indent="-342900">
+              <a:buAutoNum type="arabicPeriod"/>
+            </a:pPr>
+            <a:r>
+              <a:rPr lang="ko-KR" altLang="en-US" dirty="0"/>
+              <a:t>건물 내부에서도 </a:t>
+            </a:r>
+            <a:r>
+              <a:rPr lang="en-US" altLang="ko-KR" dirty="0"/>
+              <a:t>GPS</a:t>
+            </a:r>
+            <a:r>
+              <a:rPr lang="ko-KR" altLang="en-US" dirty="0"/>
+              <a:t>와 </a:t>
+            </a:r>
+            <a:r>
+              <a:rPr lang="en-US" altLang="ko-KR" dirty="0" err="1"/>
+              <a:t>Wifi</a:t>
+            </a:r>
+            <a:r>
+              <a:rPr lang="ko-KR" altLang="en-US" dirty="0" err="1"/>
+              <a:t>를</a:t>
+            </a:r>
+            <a:r>
+              <a:rPr lang="ko-KR" altLang="en-US" dirty="0"/>
+              <a:t> 이용하여 사용자의 정확한 위치정보 수집 기능 개발</a:t>
+            </a:r>
+            <a:endParaRPr lang="en-US" altLang="ko-KR" dirty="0"/>
+          </a:p>
+          <a:p>
+            <a:pPr marL="342900" indent="-342900">
+              <a:buAutoNum type="arabicPeriod"/>
+            </a:pPr>
+            <a:r>
+              <a:rPr lang="ko-KR" altLang="en-US" dirty="0"/>
+              <a:t>건물 입구까지의 최단거리가 아닌</a:t>
+            </a:r>
+            <a:r>
+              <a:rPr lang="en-US" altLang="ko-KR" dirty="0"/>
+              <a:t>, </a:t>
+            </a:r>
+            <a:r>
+              <a:rPr lang="ko-KR" altLang="en-US" dirty="0"/>
+              <a:t>강의실 앞까지의 최단 거리 생성</a:t>
+            </a:r>
+            <a:endParaRPr lang="en-US" altLang="ko-KR" dirty="0"/>
+          </a:p>
+          <a:p>
+            <a:pPr marL="342900" indent="-342900">
+              <a:buAutoNum type="arabicPeriod"/>
+            </a:pPr>
+            <a:r>
+              <a:rPr lang="ko-KR" altLang="en-US" dirty="0"/>
+              <a:t>계단</a:t>
+            </a:r>
+            <a:r>
+              <a:rPr lang="en-US" altLang="ko-KR" dirty="0"/>
+              <a:t>, </a:t>
+            </a:r>
+            <a:r>
+              <a:rPr lang="ko-KR" altLang="en-US" dirty="0"/>
+              <a:t>엘리베이터를 포함한 이동 경로 쉽게 표현</a:t>
+            </a:r>
+            <a:endParaRPr lang="en-US" altLang="ko-KR" dirty="0"/>
+          </a:p>
+          <a:p>
+            <a:pPr marL="342900" indent="-342900">
+              <a:buAutoNum type="arabicPeriod"/>
+            </a:pPr>
+            <a:r>
+              <a:rPr lang="ko-KR" altLang="en-US" dirty="0"/>
+              <a:t>건물 내부에서의 로드맵 기능 개발</a:t>
+            </a:r>
+          </a:p>
+        </p:txBody>
+      </p:sp>
     </p:spTree>
     <p:extLst>
       <p:ext uri="{BB962C8B-B14F-4D97-AF65-F5344CB8AC3E}">
-        <p14:creationId xmlns:p14="http://schemas.microsoft.com/office/powerpoint/2010/main" val="2068205309"/>
+        <p14:creationId xmlns:p14="http://schemas.microsoft.com/office/powerpoint/2010/main" val="3859425549"/>
       </p:ext>
     </p:extLst>
   </p:cSld>
@@ -15684,81 +16245,717 @@
             <p:ph type="title"/>
           </p:nvPr>
         </p:nvSpPr>
-        <p:spPr>
-          <a:xfrm>
-            <a:off x="838200" y="365125"/>
-            <a:ext cx="10515600" cy="1325563"/>
-          </a:xfrm>
-        </p:spPr>
+        <p:spPr/>
         <p:txBody>
           <a:bodyPr/>
           <a:lstStyle/>
           <a:p>
             <a:r>
               <a:rPr lang="en-US" altLang="ko-KR" dirty="0"/>
-              <a:t>Goals</a:t>
-            </a:r>
-            <a:endParaRPr lang="ko-KR" altLang="en-US" dirty="0"/>
+              <a:t>Methods </a:t>
+            </a:r>
+            <a:r>
+              <a:rPr lang="ko-KR" altLang="en-US" dirty="0" err="1"/>
+              <a:t>프론트엔드</a:t>
+            </a:r>
+            <a:r>
+              <a:rPr lang="ko-KR" altLang="en-US" dirty="0"/>
+              <a:t> </a:t>
+            </a:r>
+            <a:r>
+              <a:rPr lang="ko-KR" altLang="en-US" dirty="0" err="1"/>
+              <a:t>백엔드</a:t>
+            </a:r>
+            <a:r>
+              <a:rPr lang="ko-KR" altLang="en-US" dirty="0"/>
+              <a:t> 중요 포인트들</a:t>
+            </a:r>
           </a:p>
         </p:txBody>
       </p:sp>
       <p:sp>
         <p:nvSpPr>
-          <p:cNvPr id="2" name="TextBox 1">
+          <p:cNvPr id="6" name="순서도: 대체 처리 5">
             <a:extLst>
               <a:ext uri="{FF2B5EF4-FFF2-40B4-BE49-F238E27FC236}">
-                <a16:creationId xmlns:a16="http://schemas.microsoft.com/office/drawing/2014/main" id="{0B3D1D03-DB2B-4FB5-8B81-8F2AE42B0897}"/>
+                <a16:creationId xmlns:a16="http://schemas.microsoft.com/office/drawing/2014/main" id="{0856FC53-BA4B-4A3D-A523-D93D0915A94F}"/>
               </a:ext>
             </a:extLst>
           </p:cNvPr>
-          <p:cNvSpPr txBox="1"/>
+          <p:cNvSpPr/>
           <p:nvPr/>
         </p:nvSpPr>
         <p:spPr>
           <a:xfrm>
-            <a:off x="370609" y="3059668"/>
-            <a:ext cx="11450782" cy="461665"/>
+            <a:off x="3274261" y="5297545"/>
+            <a:ext cx="3769907" cy="598516"/>
           </a:xfrm>
-          <a:prstGeom prst="rect">
+          <a:prstGeom prst="flowChartAlternateProcess">
             <a:avLst/>
           </a:prstGeom>
-          <a:noFill/>
         </p:spPr>
+        <p:style>
+          <a:lnRef idx="2">
+            <a:schemeClr val="accent1">
+              <a:shade val="50000"/>
+            </a:schemeClr>
+          </a:lnRef>
+          <a:fillRef idx="1">
+            <a:schemeClr val="accent1"/>
+          </a:fillRef>
+          <a:effectRef idx="0">
+            <a:schemeClr val="accent1"/>
+          </a:effectRef>
+          <a:fontRef idx="minor">
+            <a:schemeClr val="lt1"/>
+          </a:fontRef>
+        </p:style>
         <p:txBody>
-          <a:bodyPr wrap="square" rtlCol="0">
-            <a:spAutoFit/>
-          </a:bodyPr>
+          <a:bodyPr rtlCol="0" anchor="ctr"/>
           <a:lstStyle/>
           <a:p>
             <a:pPr algn="ctr"/>
             <a:r>
-              <a:rPr lang="en-US" altLang="ko-KR" sz="2400" b="1" dirty="0"/>
-              <a:t>Get</a:t>
-            </a:r>
-            <a:r>
-              <a:rPr lang="ko-KR" altLang="en-US" sz="2400" b="1" dirty="0"/>
-              <a:t> </a:t>
-            </a:r>
-            <a:r>
-              <a:rPr lang="en-US" altLang="ko-KR" sz="2400" b="1" dirty="0"/>
-              <a:t>to</a:t>
-            </a:r>
-            <a:r>
-              <a:rPr lang="ko-KR" altLang="en-US" sz="2400" b="1" dirty="0"/>
-              <a:t> </a:t>
-            </a:r>
-            <a:r>
-              <a:rPr lang="en-US" altLang="ko-KR" sz="2400" b="1" dirty="0"/>
-              <a:t>know inside the school Right Now without any step</a:t>
-            </a:r>
-            <a:endParaRPr lang="ko-KR" altLang="en-US" sz="2400" b="1" dirty="0"/>
+              <a:rPr lang="en-US" altLang="ko-KR" dirty="0"/>
+              <a:t>Micro-service Architecture</a:t>
+            </a:r>
+            <a:endParaRPr lang="ko-KR" altLang="en-US" dirty="0"/>
+          </a:p>
+        </p:txBody>
+      </p:sp>
+      <p:sp>
+        <p:nvSpPr>
+          <p:cNvPr id="7" name="순서도: 대체 처리 6">
+            <a:extLst>
+              <a:ext uri="{FF2B5EF4-FFF2-40B4-BE49-F238E27FC236}">
+                <a16:creationId xmlns:a16="http://schemas.microsoft.com/office/drawing/2014/main" id="{75A04E3D-8470-40AB-90D6-FCE7B1F077DF}"/>
+              </a:ext>
+            </a:extLst>
+          </p:cNvPr>
+          <p:cNvSpPr/>
+          <p:nvPr/>
+        </p:nvSpPr>
+        <p:spPr>
+          <a:xfrm>
+            <a:off x="1363288" y="4245033"/>
+            <a:ext cx="1670858" cy="598516"/>
+          </a:xfrm>
+          <a:prstGeom prst="flowChartAlternateProcess">
+            <a:avLst/>
+          </a:prstGeom>
+        </p:spPr>
+        <p:style>
+          <a:lnRef idx="2">
+            <a:schemeClr val="accent1">
+              <a:shade val="50000"/>
+            </a:schemeClr>
+          </a:lnRef>
+          <a:fillRef idx="1">
+            <a:schemeClr val="accent1"/>
+          </a:fillRef>
+          <a:effectRef idx="0">
+            <a:schemeClr val="accent1"/>
+          </a:effectRef>
+          <a:fontRef idx="minor">
+            <a:schemeClr val="lt1"/>
+          </a:fontRef>
+        </p:style>
+        <p:txBody>
+          <a:bodyPr rtlCol="0" anchor="ctr"/>
+          <a:lstStyle/>
+          <a:p>
+            <a:pPr algn="ctr"/>
+            <a:r>
+              <a:rPr lang="en-US" altLang="ko-KR" dirty="0"/>
+              <a:t>Light App</a:t>
+            </a:r>
+            <a:endParaRPr lang="ko-KR" altLang="en-US" dirty="0"/>
+          </a:p>
+        </p:txBody>
+      </p:sp>
+      <p:sp>
+        <p:nvSpPr>
+          <p:cNvPr id="8" name="순서도: 대체 처리 7">
+            <a:extLst>
+              <a:ext uri="{FF2B5EF4-FFF2-40B4-BE49-F238E27FC236}">
+                <a16:creationId xmlns:a16="http://schemas.microsoft.com/office/drawing/2014/main" id="{EB26DA31-01D3-4912-9317-4A0F46F7EAA6}"/>
+              </a:ext>
+            </a:extLst>
+          </p:cNvPr>
+          <p:cNvSpPr/>
+          <p:nvPr/>
+        </p:nvSpPr>
+        <p:spPr>
+          <a:xfrm>
+            <a:off x="3274262" y="3270475"/>
+            <a:ext cx="1670858" cy="598516"/>
+          </a:xfrm>
+          <a:prstGeom prst="flowChartAlternateProcess">
+            <a:avLst/>
+          </a:prstGeom>
+        </p:spPr>
+        <p:style>
+          <a:lnRef idx="2">
+            <a:schemeClr val="accent1">
+              <a:shade val="50000"/>
+            </a:schemeClr>
+          </a:lnRef>
+          <a:fillRef idx="1">
+            <a:schemeClr val="accent1"/>
+          </a:fillRef>
+          <a:effectRef idx="0">
+            <a:schemeClr val="accent1"/>
+          </a:effectRef>
+          <a:fontRef idx="minor">
+            <a:schemeClr val="lt1"/>
+          </a:fontRef>
+        </p:style>
+        <p:txBody>
+          <a:bodyPr rtlCol="0" anchor="ctr"/>
+          <a:lstStyle/>
+          <a:p>
+            <a:pPr algn="ctr"/>
+            <a:r>
+              <a:rPr lang="en-US" altLang="ko-KR" dirty="0"/>
+              <a:t>CI/CD</a:t>
+            </a:r>
+            <a:endParaRPr lang="ko-KR" altLang="en-US" dirty="0"/>
+          </a:p>
+        </p:txBody>
+      </p:sp>
+      <p:sp>
+        <p:nvSpPr>
+          <p:cNvPr id="9" name="순서도: 대체 처리 8">
+            <a:extLst>
+              <a:ext uri="{FF2B5EF4-FFF2-40B4-BE49-F238E27FC236}">
+                <a16:creationId xmlns:a16="http://schemas.microsoft.com/office/drawing/2014/main" id="{F44CB01A-9FED-4E0D-850E-1B34ED888E86}"/>
+              </a:ext>
+            </a:extLst>
+          </p:cNvPr>
+          <p:cNvSpPr/>
+          <p:nvPr/>
+        </p:nvSpPr>
+        <p:spPr>
+          <a:xfrm>
+            <a:off x="7606143" y="5295208"/>
+            <a:ext cx="3009207" cy="598516"/>
+          </a:xfrm>
+          <a:prstGeom prst="flowChartAlternateProcess">
+            <a:avLst/>
+          </a:prstGeom>
+        </p:spPr>
+        <p:style>
+          <a:lnRef idx="2">
+            <a:schemeClr val="accent1">
+              <a:shade val="50000"/>
+            </a:schemeClr>
+          </a:lnRef>
+          <a:fillRef idx="1">
+            <a:schemeClr val="accent1"/>
+          </a:fillRef>
+          <a:effectRef idx="0">
+            <a:schemeClr val="accent1"/>
+          </a:effectRef>
+          <a:fontRef idx="minor">
+            <a:schemeClr val="lt1"/>
+          </a:fontRef>
+        </p:style>
+        <p:txBody>
+          <a:bodyPr rtlCol="0" anchor="ctr"/>
+          <a:lstStyle/>
+          <a:p>
+            <a:pPr algn="ctr"/>
+            <a:r>
+              <a:rPr lang="en-US" altLang="ko-KR" dirty="0"/>
+              <a:t>Blur out sensitive Information</a:t>
+            </a:r>
+            <a:endParaRPr lang="ko-KR" altLang="en-US" dirty="0"/>
+          </a:p>
+        </p:txBody>
+      </p:sp>
+      <p:sp>
+        <p:nvSpPr>
+          <p:cNvPr id="11" name="순서도: 대체 처리 10">
+            <a:extLst>
+              <a:ext uri="{FF2B5EF4-FFF2-40B4-BE49-F238E27FC236}">
+                <a16:creationId xmlns:a16="http://schemas.microsoft.com/office/drawing/2014/main" id="{987CFF1B-DD8E-4960-86A7-2F6158150DBB}"/>
+              </a:ext>
+            </a:extLst>
+          </p:cNvPr>
+          <p:cNvSpPr/>
+          <p:nvPr/>
+        </p:nvSpPr>
+        <p:spPr>
+          <a:xfrm>
+            <a:off x="3274262" y="4245033"/>
+            <a:ext cx="1670858" cy="598516"/>
+          </a:xfrm>
+          <a:prstGeom prst="flowChartAlternateProcess">
+            <a:avLst/>
+          </a:prstGeom>
+        </p:spPr>
+        <p:style>
+          <a:lnRef idx="2">
+            <a:schemeClr val="accent1">
+              <a:shade val="50000"/>
+            </a:schemeClr>
+          </a:lnRef>
+          <a:fillRef idx="1">
+            <a:schemeClr val="accent1"/>
+          </a:fillRef>
+          <a:effectRef idx="0">
+            <a:schemeClr val="accent1"/>
+          </a:effectRef>
+          <a:fontRef idx="minor">
+            <a:schemeClr val="lt1"/>
+          </a:fontRef>
+        </p:style>
+        <p:txBody>
+          <a:bodyPr rtlCol="0" anchor="ctr"/>
+          <a:lstStyle/>
+          <a:p>
+            <a:pPr algn="ctr"/>
+            <a:r>
+              <a:rPr lang="en-US" altLang="ko-KR" dirty="0"/>
+              <a:t>Sending High Quality Map</a:t>
+            </a:r>
+            <a:endParaRPr lang="ko-KR" altLang="en-US" dirty="0"/>
+          </a:p>
+        </p:txBody>
+      </p:sp>
+      <p:sp>
+        <p:nvSpPr>
+          <p:cNvPr id="12" name="순서도: 대체 처리 11">
+            <a:extLst>
+              <a:ext uri="{FF2B5EF4-FFF2-40B4-BE49-F238E27FC236}">
+                <a16:creationId xmlns:a16="http://schemas.microsoft.com/office/drawing/2014/main" id="{544CADA9-A2E4-4CE9-973C-5614E8DFA288}"/>
+              </a:ext>
+            </a:extLst>
+          </p:cNvPr>
+          <p:cNvSpPr/>
+          <p:nvPr/>
+        </p:nvSpPr>
+        <p:spPr>
+          <a:xfrm>
+            <a:off x="1363288" y="5295208"/>
+            <a:ext cx="1670858" cy="598516"/>
+          </a:xfrm>
+          <a:prstGeom prst="flowChartAlternateProcess">
+            <a:avLst/>
+          </a:prstGeom>
+        </p:spPr>
+        <p:style>
+          <a:lnRef idx="2">
+            <a:schemeClr val="accent1">
+              <a:shade val="50000"/>
+            </a:schemeClr>
+          </a:lnRef>
+          <a:fillRef idx="1">
+            <a:schemeClr val="accent1"/>
+          </a:fillRef>
+          <a:effectRef idx="0">
+            <a:schemeClr val="accent1"/>
+          </a:effectRef>
+          <a:fontRef idx="minor">
+            <a:schemeClr val="lt1"/>
+          </a:fontRef>
+        </p:style>
+        <p:txBody>
+          <a:bodyPr rtlCol="0" anchor="ctr"/>
+          <a:lstStyle/>
+          <a:p>
+            <a:pPr algn="ctr"/>
+            <a:r>
+              <a:rPr lang="en-US" altLang="ko-KR" dirty="0"/>
+              <a:t>Get Accurate</a:t>
+            </a:r>
+            <a:br>
+              <a:rPr lang="en-US" altLang="ko-KR" dirty="0"/>
+            </a:br>
+            <a:r>
+              <a:rPr lang="en-US" altLang="ko-KR" dirty="0"/>
+              <a:t>GPS info</a:t>
+            </a:r>
+            <a:endParaRPr lang="ko-KR" altLang="en-US" dirty="0"/>
+          </a:p>
+        </p:txBody>
+      </p:sp>
+      <p:sp>
+        <p:nvSpPr>
+          <p:cNvPr id="13" name="순서도: 대체 처리 12">
+            <a:extLst>
+              <a:ext uri="{FF2B5EF4-FFF2-40B4-BE49-F238E27FC236}">
+                <a16:creationId xmlns:a16="http://schemas.microsoft.com/office/drawing/2014/main" id="{6356602E-9BA4-4268-863F-8DE2F2AE1AF1}"/>
+              </a:ext>
+            </a:extLst>
+          </p:cNvPr>
+          <p:cNvSpPr/>
+          <p:nvPr/>
+        </p:nvSpPr>
+        <p:spPr>
+          <a:xfrm>
+            <a:off x="7606145" y="4245033"/>
+            <a:ext cx="3009207" cy="598516"/>
+          </a:xfrm>
+          <a:prstGeom prst="flowChartAlternateProcess">
+            <a:avLst/>
+          </a:prstGeom>
+        </p:spPr>
+        <p:style>
+          <a:lnRef idx="2">
+            <a:schemeClr val="accent1">
+              <a:shade val="50000"/>
+            </a:schemeClr>
+          </a:lnRef>
+          <a:fillRef idx="1">
+            <a:schemeClr val="accent1"/>
+          </a:fillRef>
+          <a:effectRef idx="0">
+            <a:schemeClr val="accent1"/>
+          </a:effectRef>
+          <a:fontRef idx="minor">
+            <a:schemeClr val="lt1"/>
+          </a:fontRef>
+        </p:style>
+        <p:txBody>
+          <a:bodyPr rtlCol="0" anchor="ctr"/>
+          <a:lstStyle/>
+          <a:p>
+            <a:pPr algn="ctr"/>
+            <a:r>
+              <a:rPr lang="en-US" altLang="ko-KR" dirty="0"/>
+              <a:t>Mapping Pics With GPS info</a:t>
+            </a:r>
+            <a:endParaRPr lang="ko-KR" altLang="en-US" dirty="0"/>
+          </a:p>
+        </p:txBody>
+      </p:sp>
+      <p:sp>
+        <p:nvSpPr>
+          <p:cNvPr id="14" name="순서도: 대체 처리 13">
+            <a:extLst>
+              <a:ext uri="{FF2B5EF4-FFF2-40B4-BE49-F238E27FC236}">
+                <a16:creationId xmlns:a16="http://schemas.microsoft.com/office/drawing/2014/main" id="{AF667E91-213A-491D-90EA-F40B9CB07E94}"/>
+              </a:ext>
+            </a:extLst>
+          </p:cNvPr>
+          <p:cNvSpPr/>
+          <p:nvPr/>
+        </p:nvSpPr>
+        <p:spPr>
+          <a:xfrm>
+            <a:off x="7606144" y="3267574"/>
+            <a:ext cx="3009207" cy="598516"/>
+          </a:xfrm>
+          <a:prstGeom prst="flowChartAlternateProcess">
+            <a:avLst/>
+          </a:prstGeom>
+        </p:spPr>
+        <p:style>
+          <a:lnRef idx="2">
+            <a:schemeClr val="accent1">
+              <a:shade val="50000"/>
+            </a:schemeClr>
+          </a:lnRef>
+          <a:fillRef idx="1">
+            <a:schemeClr val="accent1"/>
+          </a:fillRef>
+          <a:effectRef idx="0">
+            <a:schemeClr val="accent1"/>
+          </a:effectRef>
+          <a:fontRef idx="minor">
+            <a:schemeClr val="lt1"/>
+          </a:fontRef>
+        </p:style>
+        <p:txBody>
+          <a:bodyPr rtlCol="0" anchor="ctr"/>
+          <a:lstStyle/>
+          <a:p>
+            <a:pPr algn="ctr"/>
+            <a:r>
+              <a:rPr lang="en-US" altLang="ko-KR" dirty="0"/>
+              <a:t>3D Panorama Pictures</a:t>
+            </a:r>
+            <a:endParaRPr lang="ko-KR" altLang="en-US" dirty="0"/>
+          </a:p>
+        </p:txBody>
+      </p:sp>
+      <p:sp>
+        <p:nvSpPr>
+          <p:cNvPr id="16" name="순서도: 대체 처리 15">
+            <a:extLst>
+              <a:ext uri="{FF2B5EF4-FFF2-40B4-BE49-F238E27FC236}">
+                <a16:creationId xmlns:a16="http://schemas.microsoft.com/office/drawing/2014/main" id="{2F94D636-EAD1-4E12-91A7-EED409B6CADB}"/>
+              </a:ext>
+            </a:extLst>
+          </p:cNvPr>
+          <p:cNvSpPr/>
+          <p:nvPr/>
+        </p:nvSpPr>
+        <p:spPr>
+          <a:xfrm>
+            <a:off x="7439891" y="2398440"/>
+            <a:ext cx="3341716" cy="598516"/>
+          </a:xfrm>
+          <a:prstGeom prst="flowChartAlternateProcess">
+            <a:avLst/>
+          </a:prstGeom>
+          <a:solidFill>
+            <a:schemeClr val="accent2">
+              <a:lumMod val="75000"/>
+            </a:schemeClr>
+          </a:solidFill>
+        </p:spPr>
+        <p:style>
+          <a:lnRef idx="2">
+            <a:schemeClr val="accent1">
+              <a:shade val="50000"/>
+            </a:schemeClr>
+          </a:lnRef>
+          <a:fillRef idx="1">
+            <a:schemeClr val="accent1"/>
+          </a:fillRef>
+          <a:effectRef idx="0">
+            <a:schemeClr val="accent1"/>
+          </a:effectRef>
+          <a:fontRef idx="minor">
+            <a:schemeClr val="lt1"/>
+          </a:fontRef>
+        </p:style>
+        <p:txBody>
+          <a:bodyPr rtlCol="0" anchor="ctr"/>
+          <a:lstStyle/>
+          <a:p>
+            <a:pPr algn="ctr"/>
+            <a:r>
+              <a:rPr lang="en-US" altLang="ko-KR" dirty="0"/>
+              <a:t>Extra Works</a:t>
+            </a:r>
+            <a:endParaRPr lang="ko-KR" altLang="en-US" dirty="0"/>
+          </a:p>
+        </p:txBody>
+      </p:sp>
+      <p:sp>
+        <p:nvSpPr>
+          <p:cNvPr id="17" name="순서도: 대체 처리 16">
+            <a:extLst>
+              <a:ext uri="{FF2B5EF4-FFF2-40B4-BE49-F238E27FC236}">
+                <a16:creationId xmlns:a16="http://schemas.microsoft.com/office/drawing/2014/main" id="{312C8A0D-E2F4-44A1-9E31-A4121885E2FC}"/>
+              </a:ext>
+            </a:extLst>
+          </p:cNvPr>
+          <p:cNvSpPr/>
+          <p:nvPr/>
+        </p:nvSpPr>
+        <p:spPr>
+          <a:xfrm>
+            <a:off x="3274262" y="2398440"/>
+            <a:ext cx="3769908" cy="598516"/>
+          </a:xfrm>
+          <a:prstGeom prst="flowChartAlternateProcess">
+            <a:avLst/>
+          </a:prstGeom>
+          <a:solidFill>
+            <a:schemeClr val="accent2">
+              <a:lumMod val="75000"/>
+            </a:schemeClr>
+          </a:solidFill>
+        </p:spPr>
+        <p:style>
+          <a:lnRef idx="2">
+            <a:schemeClr val="accent1">
+              <a:shade val="50000"/>
+            </a:schemeClr>
+          </a:lnRef>
+          <a:fillRef idx="1">
+            <a:schemeClr val="accent1"/>
+          </a:fillRef>
+          <a:effectRef idx="0">
+            <a:schemeClr val="accent1"/>
+          </a:effectRef>
+          <a:fontRef idx="minor">
+            <a:schemeClr val="lt1"/>
+          </a:fontRef>
+        </p:style>
+        <p:txBody>
+          <a:bodyPr rtlCol="0" anchor="ctr"/>
+          <a:lstStyle/>
+          <a:p>
+            <a:pPr algn="ctr"/>
+            <a:r>
+              <a:rPr lang="en-US" altLang="ko-KR" dirty="0"/>
+              <a:t>Backend</a:t>
+            </a:r>
+            <a:endParaRPr lang="ko-KR" altLang="en-US" dirty="0"/>
+          </a:p>
+        </p:txBody>
+      </p:sp>
+      <p:sp>
+        <p:nvSpPr>
+          <p:cNvPr id="18" name="순서도: 대체 처리 17">
+            <a:extLst>
+              <a:ext uri="{FF2B5EF4-FFF2-40B4-BE49-F238E27FC236}">
+                <a16:creationId xmlns:a16="http://schemas.microsoft.com/office/drawing/2014/main" id="{3CCB83AB-A3C9-4DB7-9C1A-FA7728F18574}"/>
+              </a:ext>
+            </a:extLst>
+          </p:cNvPr>
+          <p:cNvSpPr/>
+          <p:nvPr/>
+        </p:nvSpPr>
+        <p:spPr>
+          <a:xfrm>
+            <a:off x="1363288" y="3222785"/>
+            <a:ext cx="1670858" cy="598516"/>
+          </a:xfrm>
+          <a:prstGeom prst="flowChartAlternateProcess">
+            <a:avLst/>
+          </a:prstGeom>
+        </p:spPr>
+        <p:style>
+          <a:lnRef idx="2">
+            <a:schemeClr val="accent1">
+              <a:shade val="50000"/>
+            </a:schemeClr>
+          </a:lnRef>
+          <a:fillRef idx="1">
+            <a:schemeClr val="accent1"/>
+          </a:fillRef>
+          <a:effectRef idx="0">
+            <a:schemeClr val="accent1"/>
+          </a:effectRef>
+          <a:fontRef idx="minor">
+            <a:schemeClr val="lt1"/>
+          </a:fontRef>
+        </p:style>
+        <p:txBody>
+          <a:bodyPr rtlCol="0" anchor="ctr"/>
+          <a:lstStyle/>
+          <a:p>
+            <a:pPr algn="ctr"/>
+            <a:r>
+              <a:rPr lang="en-US" altLang="ko-KR" dirty="0"/>
+              <a:t>UI/UX Design</a:t>
+            </a:r>
+            <a:endParaRPr lang="ko-KR" altLang="en-US" dirty="0"/>
+          </a:p>
+        </p:txBody>
+      </p:sp>
+      <p:sp>
+        <p:nvSpPr>
+          <p:cNvPr id="19" name="순서도: 대체 처리 18">
+            <a:extLst>
+              <a:ext uri="{FF2B5EF4-FFF2-40B4-BE49-F238E27FC236}">
+                <a16:creationId xmlns:a16="http://schemas.microsoft.com/office/drawing/2014/main" id="{D6B45478-8401-495F-BEBD-2D9238FF3E95}"/>
+              </a:ext>
+            </a:extLst>
+          </p:cNvPr>
+          <p:cNvSpPr/>
+          <p:nvPr/>
+        </p:nvSpPr>
+        <p:spPr>
+          <a:xfrm>
+            <a:off x="1363289" y="2398440"/>
+            <a:ext cx="1670858" cy="598516"/>
+          </a:xfrm>
+          <a:prstGeom prst="flowChartAlternateProcess">
+            <a:avLst/>
+          </a:prstGeom>
+          <a:solidFill>
+            <a:schemeClr val="accent2">
+              <a:lumMod val="75000"/>
+            </a:schemeClr>
+          </a:solidFill>
+        </p:spPr>
+        <p:style>
+          <a:lnRef idx="2">
+            <a:schemeClr val="accent1">
+              <a:shade val="50000"/>
+            </a:schemeClr>
+          </a:lnRef>
+          <a:fillRef idx="1">
+            <a:schemeClr val="accent1"/>
+          </a:fillRef>
+          <a:effectRef idx="0">
+            <a:schemeClr val="accent1"/>
+          </a:effectRef>
+          <a:fontRef idx="minor">
+            <a:schemeClr val="lt1"/>
+          </a:fontRef>
+        </p:style>
+        <p:txBody>
+          <a:bodyPr rtlCol="0" anchor="ctr"/>
+          <a:lstStyle/>
+          <a:p>
+            <a:pPr algn="ctr"/>
+            <a:r>
+              <a:rPr lang="en-US" altLang="ko-KR" dirty="0"/>
+              <a:t>Frontend</a:t>
+            </a:r>
+            <a:endParaRPr lang="ko-KR" altLang="en-US" dirty="0"/>
+          </a:p>
+        </p:txBody>
+      </p:sp>
+      <p:sp>
+        <p:nvSpPr>
+          <p:cNvPr id="21" name="순서도: 대체 처리 20">
+            <a:extLst>
+              <a:ext uri="{FF2B5EF4-FFF2-40B4-BE49-F238E27FC236}">
+                <a16:creationId xmlns:a16="http://schemas.microsoft.com/office/drawing/2014/main" id="{75741028-E14A-477E-8620-CADE21536273}"/>
+              </a:ext>
+            </a:extLst>
+          </p:cNvPr>
+          <p:cNvSpPr/>
+          <p:nvPr/>
+        </p:nvSpPr>
+        <p:spPr>
+          <a:xfrm>
+            <a:off x="5373311" y="3262529"/>
+            <a:ext cx="1670858" cy="1581020"/>
+          </a:xfrm>
+          <a:prstGeom prst="flowChartAlternateProcess">
+            <a:avLst/>
+          </a:prstGeom>
+        </p:spPr>
+        <p:style>
+          <a:lnRef idx="2">
+            <a:schemeClr val="accent1">
+              <a:shade val="50000"/>
+            </a:schemeClr>
+          </a:lnRef>
+          <a:fillRef idx="1">
+            <a:schemeClr val="accent1"/>
+          </a:fillRef>
+          <a:effectRef idx="0">
+            <a:schemeClr val="accent1"/>
+          </a:effectRef>
+          <a:fontRef idx="minor">
+            <a:schemeClr val="lt1"/>
+          </a:fontRef>
+        </p:style>
+        <p:txBody>
+          <a:bodyPr rtlCol="0" anchor="ctr"/>
+          <a:lstStyle/>
+          <a:p>
+            <a:pPr algn="ctr"/>
+            <a:r>
+              <a:rPr lang="en-US" altLang="ko-KR" dirty="0"/>
+              <a:t>Shortest Path</a:t>
+            </a:r>
+            <a:br>
+              <a:rPr lang="en-US" altLang="ko-KR" dirty="0"/>
+            </a:br>
+            <a:r>
+              <a:rPr lang="en-US" altLang="ko-KR" dirty="0"/>
+              <a:t>Algorithm</a:t>
+            </a:r>
+            <a:endParaRPr lang="ko-KR" altLang="en-US" dirty="0"/>
           </a:p>
         </p:txBody>
       </p:sp>
     </p:spTree>
     <p:extLst>
       <p:ext uri="{BB962C8B-B14F-4D97-AF65-F5344CB8AC3E}">
-        <p14:creationId xmlns:p14="http://schemas.microsoft.com/office/powerpoint/2010/main" val="1478105499"/>
+        <p14:creationId xmlns:p14="http://schemas.microsoft.com/office/powerpoint/2010/main" val="1133999341"/>
       </p:ext>
     </p:extLst>
   </p:cSld>
@@ -15813,7 +17010,7 @@
           <a:p>
             <a:r>
               <a:rPr lang="en-US" altLang="ko-KR" dirty="0"/>
-              <a:t>Goals</a:t>
+              <a:t>Methods – details </a:t>
             </a:r>
             <a:endParaRPr lang="ko-KR" altLang="en-US" dirty="0"/>
           </a:p>
@@ -15821,10 +17018,60 @@
       </p:sp>
       <p:sp>
         <p:nvSpPr>
-          <p:cNvPr id="2" name="TextBox 1">
+          <p:cNvPr id="5" name="순서도: 대체 처리 4">
             <a:extLst>
               <a:ext uri="{FF2B5EF4-FFF2-40B4-BE49-F238E27FC236}">
-                <a16:creationId xmlns:a16="http://schemas.microsoft.com/office/drawing/2014/main" id="{0B3D1D03-DB2B-4FB5-8B81-8F2AE42B0897}"/>
+                <a16:creationId xmlns:a16="http://schemas.microsoft.com/office/drawing/2014/main" id="{C4B3C9E8-8434-416F-A498-5E809D3F2B0E}"/>
+              </a:ext>
+            </a:extLst>
+          </p:cNvPr>
+          <p:cNvSpPr/>
+          <p:nvPr/>
+        </p:nvSpPr>
+        <p:spPr>
+          <a:xfrm>
+            <a:off x="217713" y="2314803"/>
+            <a:ext cx="2120141" cy="598516"/>
+          </a:xfrm>
+          <a:prstGeom prst="flowChartAlternateProcess">
+            <a:avLst/>
+          </a:prstGeom>
+        </p:spPr>
+        <p:style>
+          <a:lnRef idx="2">
+            <a:schemeClr val="accent1">
+              <a:shade val="50000"/>
+            </a:schemeClr>
+          </a:lnRef>
+          <a:fillRef idx="1">
+            <a:schemeClr val="accent1"/>
+          </a:fillRef>
+          <a:effectRef idx="0">
+            <a:schemeClr val="accent1"/>
+          </a:effectRef>
+          <a:fontRef idx="minor">
+            <a:schemeClr val="lt1"/>
+          </a:fontRef>
+        </p:style>
+        <p:txBody>
+          <a:bodyPr rtlCol="0" anchor="ctr"/>
+          <a:lstStyle/>
+          <a:p>
+            <a:pPr algn="ctr"/>
+            <a:r>
+              <a:rPr lang="en-US" altLang="ko-KR" dirty="0"/>
+              <a:t>Direction guide inside buildings</a:t>
+            </a:r>
+            <a:endParaRPr lang="ko-KR" altLang="en-US" dirty="0"/>
+          </a:p>
+        </p:txBody>
+      </p:sp>
+      <p:sp>
+        <p:nvSpPr>
+          <p:cNvPr id="6" name="TextBox 5">
+            <a:extLst>
+              <a:ext uri="{FF2B5EF4-FFF2-40B4-BE49-F238E27FC236}">
+                <a16:creationId xmlns:a16="http://schemas.microsoft.com/office/drawing/2014/main" id="{0C346821-C007-4D6C-8180-D199453AE745}"/>
               </a:ext>
             </a:extLst>
           </p:cNvPr>
@@ -15833,8 +17080,8 @@
         </p:nvSpPr>
         <p:spPr>
           <a:xfrm>
-            <a:off x="370609" y="1690688"/>
-            <a:ext cx="11450782" cy="461665"/>
+            <a:off x="217714" y="1690688"/>
+            <a:ext cx="3483429" cy="369332"/>
           </a:xfrm>
           <a:prstGeom prst="rect">
             <a:avLst/>
@@ -15847,20 +17094,227 @@
           </a:bodyPr>
           <a:lstStyle/>
           <a:p>
-            <a:pPr algn="ctr"/>
-            <a:r>
-              <a:rPr lang="ko-KR" altLang="en-US" sz="2400" b="1" dirty="0"/>
-              <a:t>세부 목표</a:t>
-            </a:r>
+            <a:r>
+              <a:rPr lang="en-US" altLang="ko-KR" dirty="0"/>
+              <a:t>Our Apps Provides ~</a:t>
+            </a:r>
+            <a:endParaRPr lang="ko-KR" altLang="en-US" dirty="0"/>
           </a:p>
         </p:txBody>
       </p:sp>
       <p:sp>
         <p:nvSpPr>
-          <p:cNvPr id="4" name="TextBox 3">
+          <p:cNvPr id="7" name="순서도: 대체 처리 6">
             <a:extLst>
               <a:ext uri="{FF2B5EF4-FFF2-40B4-BE49-F238E27FC236}">
-                <a16:creationId xmlns:a16="http://schemas.microsoft.com/office/drawing/2014/main" id="{E924B038-C650-4148-B316-B3876CA63E46}"/>
+                <a16:creationId xmlns:a16="http://schemas.microsoft.com/office/drawing/2014/main" id="{820E007A-AB74-497A-A52B-740B856FAC3E}"/>
+              </a:ext>
+            </a:extLst>
+          </p:cNvPr>
+          <p:cNvSpPr/>
+          <p:nvPr/>
+        </p:nvSpPr>
+        <p:spPr>
+          <a:xfrm>
+            <a:off x="2465613" y="2314803"/>
+            <a:ext cx="4540399" cy="598516"/>
+          </a:xfrm>
+          <a:prstGeom prst="flowChartAlternateProcess">
+            <a:avLst/>
+          </a:prstGeom>
+        </p:spPr>
+        <p:style>
+          <a:lnRef idx="2">
+            <a:schemeClr val="accent1">
+              <a:shade val="50000"/>
+            </a:schemeClr>
+          </a:lnRef>
+          <a:fillRef idx="1">
+            <a:schemeClr val="accent1"/>
+          </a:fillRef>
+          <a:effectRef idx="0">
+            <a:schemeClr val="accent1"/>
+          </a:effectRef>
+          <a:fontRef idx="minor">
+            <a:schemeClr val="lt1"/>
+          </a:fontRef>
+        </p:style>
+        <p:txBody>
+          <a:bodyPr rtlCol="0" anchor="ctr"/>
+          <a:lstStyle/>
+          <a:p>
+            <a:pPr algn="ctr"/>
+            <a:r>
+              <a:rPr lang="en-US" altLang="ko-KR" dirty="0"/>
+              <a:t>Notice duration of time by Transportation </a:t>
+            </a:r>
+            <a:br>
+              <a:rPr lang="en-US" altLang="ko-KR" dirty="0"/>
+            </a:br>
+            <a:r>
+              <a:rPr lang="en-US" altLang="ko-KR" dirty="0"/>
+              <a:t>(by walks, bicycle, board)</a:t>
+            </a:r>
+            <a:endParaRPr lang="ko-KR" altLang="en-US" dirty="0"/>
+          </a:p>
+        </p:txBody>
+      </p:sp>
+      <p:sp>
+        <p:nvSpPr>
+          <p:cNvPr id="8" name="순서도: 대체 처리 7">
+            <a:extLst>
+              <a:ext uri="{FF2B5EF4-FFF2-40B4-BE49-F238E27FC236}">
+                <a16:creationId xmlns:a16="http://schemas.microsoft.com/office/drawing/2014/main" id="{C12BA62D-3D38-4227-BD78-69E74343642E}"/>
+              </a:ext>
+            </a:extLst>
+          </p:cNvPr>
+          <p:cNvSpPr/>
+          <p:nvPr/>
+        </p:nvSpPr>
+        <p:spPr>
+          <a:xfrm>
+            <a:off x="2761044" y="4463216"/>
+            <a:ext cx="2120141" cy="598516"/>
+          </a:xfrm>
+          <a:prstGeom prst="flowChartAlternateProcess">
+            <a:avLst/>
+          </a:prstGeom>
+        </p:spPr>
+        <p:style>
+          <a:lnRef idx="2">
+            <a:schemeClr val="accent1">
+              <a:shade val="50000"/>
+            </a:schemeClr>
+          </a:lnRef>
+          <a:fillRef idx="1">
+            <a:schemeClr val="accent1"/>
+          </a:fillRef>
+          <a:effectRef idx="0">
+            <a:schemeClr val="accent1"/>
+          </a:effectRef>
+          <a:fontRef idx="minor">
+            <a:schemeClr val="lt1"/>
+          </a:fontRef>
+        </p:style>
+        <p:txBody>
+          <a:bodyPr rtlCol="0" anchor="ctr"/>
+          <a:lstStyle/>
+          <a:p>
+            <a:pPr algn="ctr"/>
+            <a:r>
+              <a:rPr lang="en-US" altLang="ko-KR" dirty="0"/>
+              <a:t>User GPS info</a:t>
+            </a:r>
+            <a:endParaRPr lang="ko-KR" altLang="en-US" dirty="0"/>
+          </a:p>
+        </p:txBody>
+      </p:sp>
+      <p:sp>
+        <p:nvSpPr>
+          <p:cNvPr id="9" name="순서도: 대체 처리 8">
+            <a:extLst>
+              <a:ext uri="{FF2B5EF4-FFF2-40B4-BE49-F238E27FC236}">
+                <a16:creationId xmlns:a16="http://schemas.microsoft.com/office/drawing/2014/main" id="{99DB6379-6703-471C-921B-31F790A8A635}"/>
+              </a:ext>
+            </a:extLst>
+          </p:cNvPr>
+          <p:cNvSpPr/>
+          <p:nvPr/>
+        </p:nvSpPr>
+        <p:spPr>
+          <a:xfrm>
+            <a:off x="7156070" y="2307320"/>
+            <a:ext cx="2120141" cy="598516"/>
+          </a:xfrm>
+          <a:prstGeom prst="flowChartAlternateProcess">
+            <a:avLst/>
+          </a:prstGeom>
+        </p:spPr>
+        <p:style>
+          <a:lnRef idx="2">
+            <a:schemeClr val="accent1">
+              <a:shade val="50000"/>
+            </a:schemeClr>
+          </a:lnRef>
+          <a:fillRef idx="1">
+            <a:schemeClr val="accent1"/>
+          </a:fillRef>
+          <a:effectRef idx="0">
+            <a:schemeClr val="accent1"/>
+          </a:effectRef>
+          <a:fontRef idx="minor">
+            <a:schemeClr val="lt1"/>
+          </a:fontRef>
+        </p:style>
+        <p:txBody>
+          <a:bodyPr rtlCol="0" anchor="ctr"/>
+          <a:lstStyle/>
+          <a:p>
+            <a:pPr algn="ctr"/>
+            <a:r>
+              <a:rPr lang="en-US" altLang="ko-KR" dirty="0"/>
+              <a:t>Road view inside building</a:t>
+            </a:r>
+            <a:endParaRPr lang="ko-KR" altLang="en-US" dirty="0"/>
+          </a:p>
+        </p:txBody>
+      </p:sp>
+      <p:sp>
+        <p:nvSpPr>
+          <p:cNvPr id="10" name="순서도: 대체 처리 9">
+            <a:extLst>
+              <a:ext uri="{FF2B5EF4-FFF2-40B4-BE49-F238E27FC236}">
+                <a16:creationId xmlns:a16="http://schemas.microsoft.com/office/drawing/2014/main" id="{3F664C3D-4FDC-4F52-A486-A116580C5706}"/>
+              </a:ext>
+            </a:extLst>
+          </p:cNvPr>
+          <p:cNvSpPr/>
+          <p:nvPr/>
+        </p:nvSpPr>
+        <p:spPr>
+          <a:xfrm>
+            <a:off x="9426269" y="2314803"/>
+            <a:ext cx="2765731" cy="598516"/>
+          </a:xfrm>
+          <a:prstGeom prst="flowChartAlternateProcess">
+            <a:avLst/>
+          </a:prstGeom>
+        </p:spPr>
+        <p:style>
+          <a:lnRef idx="2">
+            <a:schemeClr val="accent1">
+              <a:shade val="50000"/>
+            </a:schemeClr>
+          </a:lnRef>
+          <a:fillRef idx="1">
+            <a:schemeClr val="accent1"/>
+          </a:fillRef>
+          <a:effectRef idx="0">
+            <a:schemeClr val="accent1"/>
+          </a:effectRef>
+          <a:fontRef idx="minor">
+            <a:schemeClr val="lt1"/>
+          </a:fontRef>
+        </p:style>
+        <p:txBody>
+          <a:bodyPr rtlCol="0" anchor="ctr"/>
+          <a:lstStyle/>
+          <a:p>
+            <a:pPr algn="ctr"/>
+            <a:r>
+              <a:rPr lang="en-US" altLang="ko-KR" dirty="0"/>
+              <a:t>Map inside building which shows # of room</a:t>
+            </a:r>
+            <a:endParaRPr lang="ko-KR" altLang="en-US" dirty="0"/>
+          </a:p>
+        </p:txBody>
+      </p:sp>
+      <p:sp>
+        <p:nvSpPr>
+          <p:cNvPr id="11" name="TextBox 10">
+            <a:extLst>
+              <a:ext uri="{FF2B5EF4-FFF2-40B4-BE49-F238E27FC236}">
+                <a16:creationId xmlns:a16="http://schemas.microsoft.com/office/drawing/2014/main" id="{7F39AF77-BAAB-42E8-B00E-FE54941F7196}"/>
               </a:ext>
             </a:extLst>
           </p:cNvPr>
@@ -15869,8 +17323,8 @@
         </p:nvSpPr>
         <p:spPr>
           <a:xfrm>
-            <a:off x="1163782" y="2452255"/>
-            <a:ext cx="11450782" cy="1754326"/>
+            <a:off x="217713" y="3121831"/>
+            <a:ext cx="3280230" cy="369332"/>
           </a:xfrm>
           <a:prstGeom prst="rect">
             <a:avLst/>
@@ -15883,133 +17337,1238 @@
           </a:bodyPr>
           <a:lstStyle/>
           <a:p>
-            <a:pPr marL="342900" indent="-342900">
-              <a:buAutoNum type="arabicPeriod"/>
-            </a:pPr>
-            <a:r>
-              <a:rPr lang="ko-KR" altLang="en-US" dirty="0"/>
-              <a:t>각 건물 내부의 지도 데이터 생성</a:t>
-            </a:r>
-            <a:endParaRPr lang="en-US" altLang="ko-KR" dirty="0"/>
-          </a:p>
-          <a:p>
-            <a:pPr marL="342900" indent="-342900">
-              <a:buAutoNum type="arabicPeriod"/>
-            </a:pPr>
-            <a:r>
-              <a:rPr lang="ko-KR" altLang="en-US" dirty="0"/>
-              <a:t>각 건물 내부의 강의실까지의 이동 수단에 맞는 데이터 수집 </a:t>
-            </a:r>
             <a:r>
               <a:rPr lang="en-US" altLang="ko-KR" dirty="0"/>
-              <a:t>(</a:t>
-            </a:r>
-            <a:r>
-              <a:rPr lang="ko-KR" altLang="en-US" dirty="0"/>
-              <a:t>걷기</a:t>
-            </a:r>
+              <a:t>In order to provide those, ~</a:t>
+            </a:r>
+            <a:endParaRPr lang="ko-KR" altLang="en-US" dirty="0"/>
+          </a:p>
+        </p:txBody>
+      </p:sp>
+      <p:sp>
+        <p:nvSpPr>
+          <p:cNvPr id="12" name="순서도: 대체 처리 11">
+            <a:extLst>
+              <a:ext uri="{FF2B5EF4-FFF2-40B4-BE49-F238E27FC236}">
+                <a16:creationId xmlns:a16="http://schemas.microsoft.com/office/drawing/2014/main" id="{82FA8524-D70A-4ACE-954F-B16797A457CE}"/>
+              </a:ext>
+            </a:extLst>
+          </p:cNvPr>
+          <p:cNvSpPr/>
+          <p:nvPr/>
+        </p:nvSpPr>
+        <p:spPr>
+          <a:xfrm>
+            <a:off x="2761045" y="3711820"/>
+            <a:ext cx="2120141" cy="598516"/>
+          </a:xfrm>
+          <a:prstGeom prst="flowChartAlternateProcess">
+            <a:avLst/>
+          </a:prstGeom>
+        </p:spPr>
+        <p:style>
+          <a:lnRef idx="2">
+            <a:schemeClr val="accent1">
+              <a:shade val="50000"/>
+            </a:schemeClr>
+          </a:lnRef>
+          <a:fillRef idx="1">
+            <a:schemeClr val="accent1"/>
+          </a:fillRef>
+          <a:effectRef idx="0">
+            <a:schemeClr val="accent1"/>
+          </a:effectRef>
+          <a:fontRef idx="minor">
+            <a:schemeClr val="lt1"/>
+          </a:fontRef>
+        </p:style>
+        <p:txBody>
+          <a:bodyPr rtlCol="0" anchor="ctr"/>
+          <a:lstStyle/>
+          <a:p>
+            <a:pPr algn="ctr"/>
             <a:r>
               <a:rPr lang="en-US" altLang="ko-KR" dirty="0"/>
-              <a:t>, </a:t>
-            </a:r>
-            <a:r>
-              <a:rPr lang="ko-KR" altLang="en-US" dirty="0"/>
-              <a:t>자전거</a:t>
-            </a:r>
+              <a:t>Define algorithm</a:t>
+            </a:r>
+            <a:endParaRPr lang="ko-KR" altLang="en-US" dirty="0"/>
+          </a:p>
+        </p:txBody>
+      </p:sp>
+      <p:sp>
+        <p:nvSpPr>
+          <p:cNvPr id="13" name="순서도: 대체 처리 12">
+            <a:extLst>
+              <a:ext uri="{FF2B5EF4-FFF2-40B4-BE49-F238E27FC236}">
+                <a16:creationId xmlns:a16="http://schemas.microsoft.com/office/drawing/2014/main" id="{46E03AF1-7548-48B0-B994-DF6DCB40493C}"/>
+              </a:ext>
+            </a:extLst>
+          </p:cNvPr>
+          <p:cNvSpPr/>
+          <p:nvPr/>
+        </p:nvSpPr>
+        <p:spPr>
+          <a:xfrm>
+            <a:off x="345469" y="6172981"/>
+            <a:ext cx="2120141" cy="598516"/>
+          </a:xfrm>
+          <a:prstGeom prst="flowChartAlternateProcess">
+            <a:avLst/>
+          </a:prstGeom>
+        </p:spPr>
+        <p:style>
+          <a:lnRef idx="2">
+            <a:schemeClr val="accent1">
+              <a:shade val="50000"/>
+            </a:schemeClr>
+          </a:lnRef>
+          <a:fillRef idx="1">
+            <a:schemeClr val="accent1"/>
+          </a:fillRef>
+          <a:effectRef idx="0">
+            <a:schemeClr val="accent1"/>
+          </a:effectRef>
+          <a:fontRef idx="minor">
+            <a:schemeClr val="lt1"/>
+          </a:fontRef>
+        </p:style>
+        <p:txBody>
+          <a:bodyPr rtlCol="0" anchor="ctr"/>
+          <a:lstStyle/>
+          <a:p>
+            <a:pPr algn="ctr"/>
             <a:r>
               <a:rPr lang="en-US" altLang="ko-KR" dirty="0"/>
-              <a:t>, </a:t>
-            </a:r>
-            <a:r>
-              <a:rPr lang="ko-KR" altLang="en-US" dirty="0" err="1"/>
-              <a:t>킥보드</a:t>
-            </a:r>
+              <a:t>Fast map </a:t>
+            </a:r>
+            <a:r>
+              <a:rPr lang="en-US" altLang="ko-KR" dirty="0" err="1"/>
+              <a:t>loaing</a:t>
+            </a:r>
+            <a:endParaRPr lang="ko-KR" altLang="en-US" dirty="0"/>
+          </a:p>
+        </p:txBody>
+      </p:sp>
+      <p:sp>
+        <p:nvSpPr>
+          <p:cNvPr id="14" name="순서도: 대체 처리 13">
+            <a:extLst>
+              <a:ext uri="{FF2B5EF4-FFF2-40B4-BE49-F238E27FC236}">
+                <a16:creationId xmlns:a16="http://schemas.microsoft.com/office/drawing/2014/main" id="{E448F4D1-EFB9-4652-A595-BF305F0F5B50}"/>
+              </a:ext>
+            </a:extLst>
+          </p:cNvPr>
+          <p:cNvSpPr/>
+          <p:nvPr/>
+        </p:nvSpPr>
+        <p:spPr>
+          <a:xfrm>
+            <a:off x="345469" y="5353808"/>
+            <a:ext cx="2120141" cy="598516"/>
+          </a:xfrm>
+          <a:prstGeom prst="flowChartAlternateProcess">
+            <a:avLst/>
+          </a:prstGeom>
+        </p:spPr>
+        <p:style>
+          <a:lnRef idx="2">
+            <a:schemeClr val="accent1">
+              <a:shade val="50000"/>
+            </a:schemeClr>
+          </a:lnRef>
+          <a:fillRef idx="1">
+            <a:schemeClr val="accent1"/>
+          </a:fillRef>
+          <a:effectRef idx="0">
+            <a:schemeClr val="accent1"/>
+          </a:effectRef>
+          <a:fontRef idx="minor">
+            <a:schemeClr val="lt1"/>
+          </a:fontRef>
+        </p:style>
+        <p:txBody>
+          <a:bodyPr rtlCol="0" anchor="ctr"/>
+          <a:lstStyle/>
+          <a:p>
+            <a:pPr algn="ctr"/>
             <a:r>
               <a:rPr lang="en-US" altLang="ko-KR" dirty="0"/>
-              <a:t>)</a:t>
-            </a:r>
-          </a:p>
-          <a:p>
-            <a:pPr marL="342900" indent="-342900">
-              <a:buAutoNum type="arabicPeriod"/>
-            </a:pPr>
-            <a:r>
-              <a:rPr lang="ko-KR" altLang="en-US" dirty="0"/>
-              <a:t>건물 내부에서도 </a:t>
-            </a:r>
+              <a:t>Road View data</a:t>
+            </a:r>
+            <a:endParaRPr lang="ko-KR" altLang="en-US" dirty="0"/>
+          </a:p>
+        </p:txBody>
+      </p:sp>
+      <p:sp>
+        <p:nvSpPr>
+          <p:cNvPr id="15" name="순서도: 대체 처리 14">
+            <a:extLst>
+              <a:ext uri="{FF2B5EF4-FFF2-40B4-BE49-F238E27FC236}">
+                <a16:creationId xmlns:a16="http://schemas.microsoft.com/office/drawing/2014/main" id="{4A2B8B9D-7DDF-41CA-B69E-2B4A613A0C04}"/>
+              </a:ext>
+            </a:extLst>
+          </p:cNvPr>
+          <p:cNvSpPr/>
+          <p:nvPr/>
+        </p:nvSpPr>
+        <p:spPr>
+          <a:xfrm>
+            <a:off x="345470" y="4463216"/>
+            <a:ext cx="2120141" cy="598516"/>
+          </a:xfrm>
+          <a:prstGeom prst="flowChartAlternateProcess">
+            <a:avLst/>
+          </a:prstGeom>
+        </p:spPr>
+        <p:style>
+          <a:lnRef idx="2">
+            <a:schemeClr val="accent1">
+              <a:shade val="50000"/>
+            </a:schemeClr>
+          </a:lnRef>
+          <a:fillRef idx="1">
+            <a:schemeClr val="accent1"/>
+          </a:fillRef>
+          <a:effectRef idx="0">
+            <a:schemeClr val="accent1"/>
+          </a:effectRef>
+          <a:fontRef idx="minor">
+            <a:schemeClr val="lt1"/>
+          </a:fontRef>
+        </p:style>
+        <p:txBody>
+          <a:bodyPr rtlCol="0" anchor="ctr"/>
+          <a:lstStyle/>
+          <a:p>
+            <a:pPr algn="ctr"/>
             <a:r>
               <a:rPr lang="en-US" altLang="ko-KR" dirty="0"/>
-              <a:t>GPS</a:t>
-            </a:r>
-            <a:r>
-              <a:rPr lang="ko-KR" altLang="en-US" dirty="0"/>
-              <a:t>와 </a:t>
-            </a:r>
+              <a:t>Get accurate GPS information</a:t>
+            </a:r>
+            <a:endParaRPr lang="ko-KR" altLang="en-US" dirty="0"/>
+          </a:p>
+        </p:txBody>
+      </p:sp>
+      <p:sp>
+        <p:nvSpPr>
+          <p:cNvPr id="16" name="순서도: 대체 처리 15">
+            <a:extLst>
+              <a:ext uri="{FF2B5EF4-FFF2-40B4-BE49-F238E27FC236}">
+                <a16:creationId xmlns:a16="http://schemas.microsoft.com/office/drawing/2014/main" id="{9C9484AA-B3B6-45BE-9CA7-B0BF9A573D2C}"/>
+              </a:ext>
+            </a:extLst>
+          </p:cNvPr>
+          <p:cNvSpPr/>
+          <p:nvPr/>
+        </p:nvSpPr>
+        <p:spPr>
+          <a:xfrm>
+            <a:off x="345471" y="3711820"/>
+            <a:ext cx="2120141" cy="598516"/>
+          </a:xfrm>
+          <a:prstGeom prst="flowChartAlternateProcess">
+            <a:avLst/>
+          </a:prstGeom>
+        </p:spPr>
+        <p:style>
+          <a:lnRef idx="2">
+            <a:schemeClr val="accent1">
+              <a:shade val="50000"/>
+            </a:schemeClr>
+          </a:lnRef>
+          <a:fillRef idx="1">
+            <a:schemeClr val="accent1"/>
+          </a:fillRef>
+          <a:effectRef idx="0">
+            <a:schemeClr val="accent1"/>
+          </a:effectRef>
+          <a:fontRef idx="minor">
+            <a:schemeClr val="lt1"/>
+          </a:fontRef>
+        </p:style>
+        <p:txBody>
+          <a:bodyPr rtlCol="0" anchor="ctr"/>
+          <a:lstStyle/>
+          <a:p>
+            <a:pPr algn="ctr"/>
+            <a:r>
+              <a:rPr lang="en-US" altLang="ko-KR" dirty="0"/>
+              <a:t>Shortest Path algorithm</a:t>
+            </a:r>
+            <a:endParaRPr lang="ko-KR" altLang="en-US" dirty="0"/>
+          </a:p>
+        </p:txBody>
+      </p:sp>
+      <p:sp>
+        <p:nvSpPr>
+          <p:cNvPr id="17" name="순서도: 대체 처리 16">
+            <a:extLst>
+              <a:ext uri="{FF2B5EF4-FFF2-40B4-BE49-F238E27FC236}">
+                <a16:creationId xmlns:a16="http://schemas.microsoft.com/office/drawing/2014/main" id="{1003984F-B633-434E-88E2-BC8DACA71C5A}"/>
+              </a:ext>
+            </a:extLst>
+          </p:cNvPr>
+          <p:cNvSpPr/>
+          <p:nvPr/>
+        </p:nvSpPr>
+        <p:spPr>
+          <a:xfrm>
+            <a:off x="2852285" y="6162876"/>
+            <a:ext cx="2324334" cy="598516"/>
+          </a:xfrm>
+          <a:prstGeom prst="flowChartAlternateProcess">
+            <a:avLst/>
+          </a:prstGeom>
+        </p:spPr>
+        <p:style>
+          <a:lnRef idx="2">
+            <a:schemeClr val="accent1">
+              <a:shade val="50000"/>
+            </a:schemeClr>
+          </a:lnRef>
+          <a:fillRef idx="1">
+            <a:schemeClr val="accent1"/>
+          </a:fillRef>
+          <a:effectRef idx="0">
+            <a:schemeClr val="accent1"/>
+          </a:effectRef>
+          <a:fontRef idx="minor">
+            <a:schemeClr val="lt1"/>
+          </a:fontRef>
+        </p:style>
+        <p:txBody>
+          <a:bodyPr rtlCol="0" anchor="ctr"/>
+          <a:lstStyle/>
+          <a:p>
+            <a:pPr algn="ctr"/>
+            <a:r>
+              <a:rPr lang="en-US" altLang="ko-KR" dirty="0"/>
+              <a:t>Compress high quality picture data</a:t>
+            </a:r>
+            <a:endParaRPr lang="ko-KR" altLang="en-US" dirty="0"/>
+          </a:p>
+        </p:txBody>
+      </p:sp>
+      <p:sp>
+        <p:nvSpPr>
+          <p:cNvPr id="18" name="순서도: 대체 처리 17">
+            <a:extLst>
+              <a:ext uri="{FF2B5EF4-FFF2-40B4-BE49-F238E27FC236}">
+                <a16:creationId xmlns:a16="http://schemas.microsoft.com/office/drawing/2014/main" id="{67026400-504C-4EF7-A7B6-E9FFEF1FDFF7}"/>
+              </a:ext>
+            </a:extLst>
+          </p:cNvPr>
+          <p:cNvSpPr/>
+          <p:nvPr/>
+        </p:nvSpPr>
+        <p:spPr>
+          <a:xfrm>
+            <a:off x="2761044" y="5371146"/>
+            <a:ext cx="2782357" cy="598516"/>
+          </a:xfrm>
+          <a:prstGeom prst="flowChartAlternateProcess">
+            <a:avLst/>
+          </a:prstGeom>
+        </p:spPr>
+        <p:style>
+          <a:lnRef idx="2">
+            <a:schemeClr val="accent1">
+              <a:shade val="50000"/>
+            </a:schemeClr>
+          </a:lnRef>
+          <a:fillRef idx="1">
+            <a:schemeClr val="accent1"/>
+          </a:fillRef>
+          <a:effectRef idx="0">
+            <a:schemeClr val="accent1"/>
+          </a:effectRef>
+          <a:fontRef idx="minor">
+            <a:schemeClr val="lt1"/>
+          </a:fontRef>
+        </p:style>
+        <p:txBody>
+          <a:bodyPr rtlCol="0" anchor="ctr"/>
+          <a:lstStyle/>
+          <a:p>
+            <a:pPr algn="ctr"/>
+            <a:r>
+              <a:rPr lang="en-US" altLang="ko-KR" dirty="0"/>
+              <a:t>Get 3D panorama pic inside buildings</a:t>
+            </a:r>
+            <a:endParaRPr lang="ko-KR" altLang="en-US" dirty="0"/>
+          </a:p>
+        </p:txBody>
+      </p:sp>
+      <p:sp>
+        <p:nvSpPr>
+          <p:cNvPr id="19" name="순서도: 대체 처리 18">
+            <a:extLst>
+              <a:ext uri="{FF2B5EF4-FFF2-40B4-BE49-F238E27FC236}">
+                <a16:creationId xmlns:a16="http://schemas.microsoft.com/office/drawing/2014/main" id="{F52C71BD-B49F-4E59-87DA-54411C7CBCCB}"/>
+              </a:ext>
+            </a:extLst>
+          </p:cNvPr>
+          <p:cNvSpPr/>
+          <p:nvPr/>
+        </p:nvSpPr>
+        <p:spPr>
+          <a:xfrm>
+            <a:off x="5320011" y="4469309"/>
+            <a:ext cx="2120141" cy="598516"/>
+          </a:xfrm>
+          <a:prstGeom prst="flowChartAlternateProcess">
+            <a:avLst/>
+          </a:prstGeom>
+        </p:spPr>
+        <p:style>
+          <a:lnRef idx="2">
+            <a:schemeClr val="accent1">
+              <a:shade val="50000"/>
+            </a:schemeClr>
+          </a:lnRef>
+          <a:fillRef idx="1">
+            <a:schemeClr val="accent1"/>
+          </a:fillRef>
+          <a:effectRef idx="0">
+            <a:schemeClr val="accent1"/>
+          </a:effectRef>
+          <a:fontRef idx="minor">
+            <a:schemeClr val="lt1"/>
+          </a:fontRef>
+        </p:style>
+        <p:txBody>
+          <a:bodyPr rtlCol="0" anchor="ctr"/>
+          <a:lstStyle/>
+          <a:p>
+            <a:pPr algn="ctr"/>
             <a:r>
               <a:rPr lang="en-US" altLang="ko-KR" dirty="0" err="1"/>
               <a:t>Wifi</a:t>
             </a:r>
             <a:r>
-              <a:rPr lang="ko-KR" altLang="en-US" dirty="0" err="1"/>
-              <a:t>를</a:t>
-            </a:r>
-            <a:r>
-              <a:rPr lang="ko-KR" altLang="en-US" dirty="0"/>
-              <a:t> 이용하여 사용자의 정확한 위치정보 수집 기능 개발</a:t>
-            </a:r>
-            <a:endParaRPr lang="en-US" altLang="ko-KR" dirty="0"/>
-          </a:p>
-          <a:p>
-            <a:pPr marL="342900" indent="-342900">
-              <a:buAutoNum type="arabicPeriod"/>
-            </a:pPr>
-            <a:r>
-              <a:rPr lang="ko-KR" altLang="en-US" dirty="0"/>
-              <a:t>건물 입구까지의 최단거리가 아닌</a:t>
-            </a:r>
-            <a:r>
               <a:rPr lang="en-US" altLang="ko-KR" dirty="0"/>
-              <a:t>, </a:t>
-            </a:r>
-            <a:r>
-              <a:rPr lang="ko-KR" altLang="en-US" dirty="0"/>
-              <a:t>강의실 앞까지의 최단 거리 생성</a:t>
-            </a:r>
-            <a:endParaRPr lang="en-US" altLang="ko-KR" dirty="0"/>
-          </a:p>
-          <a:p>
-            <a:pPr marL="342900" indent="-342900">
-              <a:buAutoNum type="arabicPeriod"/>
-            </a:pPr>
-            <a:r>
-              <a:rPr lang="ko-KR" altLang="en-US" dirty="0"/>
-              <a:t>계단</a:t>
-            </a:r>
-            <a:r>
+              <a:t> info </a:t>
+            </a:r>
+            <a:br>
               <a:rPr lang="en-US" altLang="ko-KR" dirty="0"/>
-              <a:t>, </a:t>
-            </a:r>
-            <a:r>
-              <a:rPr lang="ko-KR" altLang="en-US" dirty="0"/>
-              <a:t>엘리베이터를 포함한 이동 경로 쉽게 표현</a:t>
-            </a:r>
-            <a:endParaRPr lang="en-US" altLang="ko-KR" dirty="0"/>
-          </a:p>
-          <a:p>
-            <a:pPr marL="342900" indent="-342900">
-              <a:buAutoNum type="arabicPeriod"/>
-            </a:pPr>
-            <a:r>
-              <a:rPr lang="ko-KR" altLang="en-US" dirty="0"/>
-              <a:t>건물 내부에서의 로드맵 기능 개발</a:t>
-            </a:r>
+            </a:br>
+            <a:r>
+              <a:rPr lang="en-US" altLang="ko-KR" dirty="0"/>
+              <a:t>near by user</a:t>
+            </a:r>
+            <a:endParaRPr lang="ko-KR" altLang="en-US" dirty="0"/>
+          </a:p>
+        </p:txBody>
+      </p:sp>
+      <p:sp>
+        <p:nvSpPr>
+          <p:cNvPr id="20" name="순서도: 대체 처리 19">
+            <a:extLst>
+              <a:ext uri="{FF2B5EF4-FFF2-40B4-BE49-F238E27FC236}">
+                <a16:creationId xmlns:a16="http://schemas.microsoft.com/office/drawing/2014/main" id="{EF6F90ED-5DBB-49D8-9D0F-408A07DDF25D}"/>
+              </a:ext>
+            </a:extLst>
+          </p:cNvPr>
+          <p:cNvSpPr/>
+          <p:nvPr/>
+        </p:nvSpPr>
+        <p:spPr>
+          <a:xfrm>
+            <a:off x="5176619" y="3719217"/>
+            <a:ext cx="3964510" cy="598516"/>
+          </a:xfrm>
+          <a:prstGeom prst="flowChartAlternateProcess">
+            <a:avLst/>
+          </a:prstGeom>
+        </p:spPr>
+        <p:style>
+          <a:lnRef idx="2">
+            <a:schemeClr val="accent1">
+              <a:shade val="50000"/>
+            </a:schemeClr>
+          </a:lnRef>
+          <a:fillRef idx="1">
+            <a:schemeClr val="accent1"/>
+          </a:fillRef>
+          <a:effectRef idx="0">
+            <a:schemeClr val="accent1"/>
+          </a:effectRef>
+          <a:fontRef idx="minor">
+            <a:schemeClr val="lt1"/>
+          </a:fontRef>
+        </p:style>
+        <p:txBody>
+          <a:bodyPr rtlCol="0" anchor="ctr"/>
+          <a:lstStyle/>
+          <a:p>
+            <a:pPr algn="ctr"/>
+            <a:r>
+              <a:rPr lang="en-US" altLang="ko-KR" dirty="0"/>
+              <a:t>Consider differences between entrances &amp; stairs/elevator</a:t>
+            </a:r>
+            <a:endParaRPr lang="ko-KR" altLang="en-US" dirty="0"/>
+          </a:p>
+        </p:txBody>
+      </p:sp>
+      <p:sp>
+        <p:nvSpPr>
+          <p:cNvPr id="21" name="순서도: 대체 처리 20">
+            <a:extLst>
+              <a:ext uri="{FF2B5EF4-FFF2-40B4-BE49-F238E27FC236}">
+                <a16:creationId xmlns:a16="http://schemas.microsoft.com/office/drawing/2014/main" id="{EC9B4069-2AE6-490B-973E-58BE24BC427F}"/>
+              </a:ext>
+            </a:extLst>
+          </p:cNvPr>
+          <p:cNvSpPr/>
+          <p:nvPr/>
+        </p:nvSpPr>
+        <p:spPr>
+          <a:xfrm>
+            <a:off x="5708005" y="6152771"/>
+            <a:ext cx="2120141" cy="598516"/>
+          </a:xfrm>
+          <a:prstGeom prst="flowChartAlternateProcess">
+            <a:avLst/>
+          </a:prstGeom>
+        </p:spPr>
+        <p:style>
+          <a:lnRef idx="2">
+            <a:schemeClr val="accent1">
+              <a:shade val="50000"/>
+            </a:schemeClr>
+          </a:lnRef>
+          <a:fillRef idx="1">
+            <a:schemeClr val="accent1"/>
+          </a:fillRef>
+          <a:effectRef idx="0">
+            <a:schemeClr val="accent1"/>
+          </a:effectRef>
+          <a:fontRef idx="minor">
+            <a:schemeClr val="lt1"/>
+          </a:fontRef>
+        </p:style>
+        <p:txBody>
+          <a:bodyPr rtlCol="0" anchor="ctr"/>
+          <a:lstStyle/>
+          <a:p>
+            <a:pPr algn="ctr"/>
+            <a:r>
+              <a:rPr lang="en-US" altLang="ko-KR" dirty="0"/>
+              <a:t>Send &amp; Receive</a:t>
+            </a:r>
+            <a:endParaRPr lang="ko-KR" altLang="en-US" dirty="0"/>
+          </a:p>
+        </p:txBody>
+      </p:sp>
+      <p:sp>
+        <p:nvSpPr>
+          <p:cNvPr id="22" name="순서도: 대체 처리 21">
+            <a:extLst>
+              <a:ext uri="{FF2B5EF4-FFF2-40B4-BE49-F238E27FC236}">
+                <a16:creationId xmlns:a16="http://schemas.microsoft.com/office/drawing/2014/main" id="{9EFB601C-B83B-403C-B146-7AC45E800CCD}"/>
+              </a:ext>
+            </a:extLst>
+          </p:cNvPr>
+          <p:cNvSpPr/>
+          <p:nvPr/>
+        </p:nvSpPr>
+        <p:spPr>
+          <a:xfrm>
+            <a:off x="5897946" y="5371146"/>
+            <a:ext cx="2120141" cy="598516"/>
+          </a:xfrm>
+          <a:prstGeom prst="flowChartAlternateProcess">
+            <a:avLst/>
+          </a:prstGeom>
+        </p:spPr>
+        <p:style>
+          <a:lnRef idx="2">
+            <a:schemeClr val="accent1">
+              <a:shade val="50000"/>
+            </a:schemeClr>
+          </a:lnRef>
+          <a:fillRef idx="1">
+            <a:schemeClr val="accent1"/>
+          </a:fillRef>
+          <a:effectRef idx="0">
+            <a:schemeClr val="accent1"/>
+          </a:effectRef>
+          <a:fontRef idx="minor">
+            <a:schemeClr val="lt1"/>
+          </a:fontRef>
+        </p:style>
+        <p:txBody>
+          <a:bodyPr rtlCol="0" anchor="ctr"/>
+          <a:lstStyle/>
+          <a:p>
+            <a:pPr algn="ctr"/>
+            <a:r>
+              <a:rPr lang="en-US" altLang="ko-KR" dirty="0"/>
+              <a:t>Mapping pics with GPS info</a:t>
+            </a:r>
+            <a:endParaRPr lang="ko-KR" altLang="en-US" dirty="0"/>
+          </a:p>
+        </p:txBody>
+      </p:sp>
+      <p:sp>
+        <p:nvSpPr>
+          <p:cNvPr id="23" name="순서도: 대체 처리 22">
+            <a:extLst>
+              <a:ext uri="{FF2B5EF4-FFF2-40B4-BE49-F238E27FC236}">
+                <a16:creationId xmlns:a16="http://schemas.microsoft.com/office/drawing/2014/main" id="{82A476D2-65F1-4C27-89FC-937CAE5FEDD4}"/>
+              </a:ext>
+            </a:extLst>
+          </p:cNvPr>
+          <p:cNvSpPr/>
+          <p:nvPr/>
+        </p:nvSpPr>
+        <p:spPr>
+          <a:xfrm>
+            <a:off x="9436563" y="3719217"/>
+            <a:ext cx="2755438" cy="598516"/>
+          </a:xfrm>
+          <a:prstGeom prst="flowChartAlternateProcess">
+            <a:avLst/>
+          </a:prstGeom>
+        </p:spPr>
+        <p:style>
+          <a:lnRef idx="2">
+            <a:schemeClr val="accent1">
+              <a:shade val="50000"/>
+            </a:schemeClr>
+          </a:lnRef>
+          <a:fillRef idx="1">
+            <a:schemeClr val="accent1"/>
+          </a:fillRef>
+          <a:effectRef idx="0">
+            <a:schemeClr val="accent1"/>
+          </a:effectRef>
+          <a:fontRef idx="minor">
+            <a:schemeClr val="lt1"/>
+          </a:fontRef>
+        </p:style>
+        <p:txBody>
+          <a:bodyPr rtlCol="0" anchor="ctr"/>
+          <a:lstStyle/>
+          <a:p>
+            <a:pPr algn="ctr"/>
+            <a:r>
+              <a:rPr lang="en-US" altLang="ko-KR" dirty="0"/>
+              <a:t>Compare with user good at  real world shortcut </a:t>
+            </a:r>
+            <a:endParaRPr lang="ko-KR" altLang="en-US" dirty="0"/>
+          </a:p>
+        </p:txBody>
+      </p:sp>
+      <p:cxnSp>
+        <p:nvCxnSpPr>
+          <p:cNvPr id="25" name="직선 화살표 연결선 24">
+            <a:extLst>
+              <a:ext uri="{FF2B5EF4-FFF2-40B4-BE49-F238E27FC236}">
+                <a16:creationId xmlns:a16="http://schemas.microsoft.com/office/drawing/2014/main" id="{A8EAA73A-E511-4579-B215-83B1B8BFB0D7}"/>
+              </a:ext>
+            </a:extLst>
+          </p:cNvPr>
+          <p:cNvCxnSpPr>
+            <a:stCxn id="16" idx="3"/>
+            <a:endCxn id="12" idx="1"/>
+          </p:cNvCxnSpPr>
+          <p:nvPr/>
+        </p:nvCxnSpPr>
+        <p:spPr>
+          <a:xfrm>
+            <a:off x="2465612" y="4011078"/>
+            <a:ext cx="295433" cy="0"/>
+          </a:xfrm>
+          <a:prstGeom prst="straightConnector1">
+            <a:avLst/>
+          </a:prstGeom>
+          <a:ln>
+            <a:tailEnd type="triangle"/>
+          </a:ln>
+        </p:spPr>
+        <p:style>
+          <a:lnRef idx="1">
+            <a:schemeClr val="accent1"/>
+          </a:lnRef>
+          <a:fillRef idx="0">
+            <a:schemeClr val="accent1"/>
+          </a:fillRef>
+          <a:effectRef idx="0">
+            <a:schemeClr val="accent1"/>
+          </a:effectRef>
+          <a:fontRef idx="minor">
+            <a:schemeClr val="tx1"/>
+          </a:fontRef>
+        </p:style>
+      </p:cxnSp>
+      <p:cxnSp>
+        <p:nvCxnSpPr>
+          <p:cNvPr id="27" name="직선 화살표 연결선 26">
+            <a:extLst>
+              <a:ext uri="{FF2B5EF4-FFF2-40B4-BE49-F238E27FC236}">
+                <a16:creationId xmlns:a16="http://schemas.microsoft.com/office/drawing/2014/main" id="{664C9845-7DD7-4619-8150-79A37F84D1E6}"/>
+              </a:ext>
+            </a:extLst>
+          </p:cNvPr>
+          <p:cNvCxnSpPr>
+            <a:endCxn id="20" idx="1"/>
+          </p:cNvCxnSpPr>
+          <p:nvPr/>
+        </p:nvCxnSpPr>
+        <p:spPr>
+          <a:xfrm>
+            <a:off x="4881186" y="4011078"/>
+            <a:ext cx="295433" cy="7397"/>
+          </a:xfrm>
+          <a:prstGeom prst="straightConnector1">
+            <a:avLst/>
+          </a:prstGeom>
+          <a:ln>
+            <a:tailEnd type="triangle"/>
+          </a:ln>
+        </p:spPr>
+        <p:style>
+          <a:lnRef idx="1">
+            <a:schemeClr val="accent1"/>
+          </a:lnRef>
+          <a:fillRef idx="0">
+            <a:schemeClr val="accent1"/>
+          </a:fillRef>
+          <a:effectRef idx="0">
+            <a:schemeClr val="accent1"/>
+          </a:effectRef>
+          <a:fontRef idx="minor">
+            <a:schemeClr val="tx1"/>
+          </a:fontRef>
+        </p:style>
+      </p:cxnSp>
+      <p:sp>
+        <p:nvSpPr>
+          <p:cNvPr id="28" name="TextBox 27">
+            <a:extLst>
+              <a:ext uri="{FF2B5EF4-FFF2-40B4-BE49-F238E27FC236}">
+                <a16:creationId xmlns:a16="http://schemas.microsoft.com/office/drawing/2014/main" id="{CA5EBF08-8C47-46A1-8597-2B71A3C709BD}"/>
+              </a:ext>
+            </a:extLst>
+          </p:cNvPr>
+          <p:cNvSpPr txBox="1"/>
+          <p:nvPr/>
+        </p:nvSpPr>
+        <p:spPr>
+          <a:xfrm>
+            <a:off x="3313643" y="3235293"/>
+            <a:ext cx="5380416" cy="369332"/>
+          </a:xfrm>
+          <a:prstGeom prst="rect">
+            <a:avLst/>
+          </a:prstGeom>
+          <a:noFill/>
+        </p:spPr>
+        <p:txBody>
+          <a:bodyPr wrap="square" rtlCol="0">
+            <a:spAutoFit/>
+          </a:bodyPr>
+          <a:lstStyle/>
+          <a:p>
+            <a:r>
+              <a:rPr lang="ko-KR" altLang="en-US" dirty="0">
+                <a:solidFill>
+                  <a:srgbClr val="FF0000"/>
+                </a:solidFill>
+              </a:rPr>
+              <a:t>이 밑에 다 화살표로 이을 생각이었습니다</a:t>
+            </a:r>
+            <a:r>
+              <a:rPr lang="en-US" altLang="ko-KR" dirty="0">
+                <a:solidFill>
+                  <a:srgbClr val="FF0000"/>
+                </a:solidFill>
+              </a:rPr>
+              <a:t>!</a:t>
+            </a:r>
+            <a:endParaRPr lang="ko-KR" altLang="en-US" dirty="0">
+              <a:solidFill>
+                <a:srgbClr val="FF0000"/>
+              </a:solidFill>
+            </a:endParaRPr>
+          </a:p>
+        </p:txBody>
+      </p:sp>
+      <p:cxnSp>
+        <p:nvCxnSpPr>
+          <p:cNvPr id="30" name="직선 화살표 연결선 29">
+            <a:extLst>
+              <a:ext uri="{FF2B5EF4-FFF2-40B4-BE49-F238E27FC236}">
+                <a16:creationId xmlns:a16="http://schemas.microsoft.com/office/drawing/2014/main" id="{DD14D425-C36E-42D1-A0D9-1DE0F6262C6E}"/>
+              </a:ext>
+            </a:extLst>
+          </p:cNvPr>
+          <p:cNvCxnSpPr>
+            <a:stCxn id="20" idx="3"/>
+            <a:endCxn id="23" idx="1"/>
+          </p:cNvCxnSpPr>
+          <p:nvPr/>
+        </p:nvCxnSpPr>
+        <p:spPr>
+          <a:xfrm>
+            <a:off x="9141129" y="4018475"/>
+            <a:ext cx="295434" cy="0"/>
+          </a:xfrm>
+          <a:prstGeom prst="straightConnector1">
+            <a:avLst/>
+          </a:prstGeom>
+          <a:ln>
+            <a:tailEnd type="triangle"/>
+          </a:ln>
+        </p:spPr>
+        <p:style>
+          <a:lnRef idx="1">
+            <a:schemeClr val="accent1"/>
+          </a:lnRef>
+          <a:fillRef idx="0">
+            <a:schemeClr val="accent1"/>
+          </a:fillRef>
+          <a:effectRef idx="0">
+            <a:schemeClr val="accent1"/>
+          </a:effectRef>
+          <a:fontRef idx="minor">
+            <a:schemeClr val="tx1"/>
+          </a:fontRef>
+        </p:style>
+      </p:cxnSp>
+      <p:sp>
+        <p:nvSpPr>
+          <p:cNvPr id="31" name="더하기 기호 30">
+            <a:extLst>
+              <a:ext uri="{FF2B5EF4-FFF2-40B4-BE49-F238E27FC236}">
+                <a16:creationId xmlns:a16="http://schemas.microsoft.com/office/drawing/2014/main" id="{111A4BA3-4D57-48F7-BA43-114C6B8A7269}"/>
+              </a:ext>
+            </a:extLst>
+          </p:cNvPr>
+          <p:cNvSpPr/>
+          <p:nvPr/>
+        </p:nvSpPr>
+        <p:spPr>
+          <a:xfrm>
+            <a:off x="4881186" y="4584383"/>
+            <a:ext cx="438825" cy="379132"/>
+          </a:xfrm>
+          <a:prstGeom prst="mathPlus">
+            <a:avLst/>
+          </a:prstGeom>
+        </p:spPr>
+        <p:style>
+          <a:lnRef idx="2">
+            <a:schemeClr val="accent1">
+              <a:shade val="50000"/>
+            </a:schemeClr>
+          </a:lnRef>
+          <a:fillRef idx="1">
+            <a:schemeClr val="accent1"/>
+          </a:fillRef>
+          <a:effectRef idx="0">
+            <a:schemeClr val="accent1"/>
+          </a:effectRef>
+          <a:fontRef idx="minor">
+            <a:schemeClr val="lt1"/>
+          </a:fontRef>
+        </p:style>
+        <p:txBody>
+          <a:bodyPr rtlCol="0" anchor="ctr"/>
+          <a:lstStyle/>
+          <a:p>
+            <a:pPr algn="ctr"/>
+            <a:endParaRPr lang="ko-KR" altLang="en-US"/>
+          </a:p>
+        </p:txBody>
+      </p:sp>
+      <p:cxnSp>
+        <p:nvCxnSpPr>
+          <p:cNvPr id="34" name="직선 화살표 연결선 33">
+            <a:extLst>
+              <a:ext uri="{FF2B5EF4-FFF2-40B4-BE49-F238E27FC236}">
+                <a16:creationId xmlns:a16="http://schemas.microsoft.com/office/drawing/2014/main" id="{EB53CE4B-5E4D-4AE0-9F0E-8C00C0F5D8CB}"/>
+              </a:ext>
+            </a:extLst>
+          </p:cNvPr>
+          <p:cNvCxnSpPr>
+            <a:cxnSpLocks/>
+            <a:stCxn id="15" idx="3"/>
+          </p:cNvCxnSpPr>
+          <p:nvPr/>
+        </p:nvCxnSpPr>
+        <p:spPr>
+          <a:xfrm>
+            <a:off x="2465611" y="4762474"/>
+            <a:ext cx="295434" cy="11475"/>
+          </a:xfrm>
+          <a:prstGeom prst="straightConnector1">
+            <a:avLst/>
+          </a:prstGeom>
+          <a:ln>
+            <a:tailEnd type="triangle"/>
+          </a:ln>
+        </p:spPr>
+        <p:style>
+          <a:lnRef idx="1">
+            <a:schemeClr val="accent1"/>
+          </a:lnRef>
+          <a:fillRef idx="0">
+            <a:schemeClr val="accent1"/>
+          </a:fillRef>
+          <a:effectRef idx="0">
+            <a:schemeClr val="accent1"/>
+          </a:effectRef>
+          <a:fontRef idx="minor">
+            <a:schemeClr val="tx1"/>
+          </a:fontRef>
+        </p:style>
+      </p:cxnSp>
+      <p:cxnSp>
+        <p:nvCxnSpPr>
+          <p:cNvPr id="37" name="직선 화살표 연결선 36">
+            <a:extLst>
+              <a:ext uri="{FF2B5EF4-FFF2-40B4-BE49-F238E27FC236}">
+                <a16:creationId xmlns:a16="http://schemas.microsoft.com/office/drawing/2014/main" id="{85D38128-CA58-4659-BD5F-3FCBDB80AD4D}"/>
+              </a:ext>
+            </a:extLst>
+          </p:cNvPr>
+          <p:cNvCxnSpPr>
+            <a:stCxn id="19" idx="3"/>
+          </p:cNvCxnSpPr>
+          <p:nvPr/>
+        </p:nvCxnSpPr>
+        <p:spPr>
+          <a:xfrm>
+            <a:off x="7440152" y="4768567"/>
+            <a:ext cx="775988" cy="5382"/>
+          </a:xfrm>
+          <a:prstGeom prst="straightConnector1">
+            <a:avLst/>
+          </a:prstGeom>
+          <a:ln>
+            <a:tailEnd type="triangle"/>
+          </a:ln>
+        </p:spPr>
+        <p:style>
+          <a:lnRef idx="1">
+            <a:schemeClr val="accent1"/>
+          </a:lnRef>
+          <a:fillRef idx="0">
+            <a:schemeClr val="accent1"/>
+          </a:fillRef>
+          <a:effectRef idx="0">
+            <a:schemeClr val="accent1"/>
+          </a:effectRef>
+          <a:fontRef idx="minor">
+            <a:schemeClr val="tx1"/>
+          </a:fontRef>
+        </p:style>
+      </p:cxnSp>
+      <p:sp>
+        <p:nvSpPr>
+          <p:cNvPr id="38" name="순서도: 대체 처리 37">
+            <a:extLst>
+              <a:ext uri="{FF2B5EF4-FFF2-40B4-BE49-F238E27FC236}">
+                <a16:creationId xmlns:a16="http://schemas.microsoft.com/office/drawing/2014/main" id="{4DAEA3E2-315C-4B26-AE86-1F4847D568F2}"/>
+              </a:ext>
+            </a:extLst>
+          </p:cNvPr>
+          <p:cNvSpPr/>
+          <p:nvPr/>
+        </p:nvSpPr>
+        <p:spPr>
+          <a:xfrm>
+            <a:off x="8366198" y="4472000"/>
+            <a:ext cx="2120141" cy="598516"/>
+          </a:xfrm>
+          <a:prstGeom prst="flowChartAlternateProcess">
+            <a:avLst/>
+          </a:prstGeom>
+        </p:spPr>
+        <p:style>
+          <a:lnRef idx="2">
+            <a:schemeClr val="accent1">
+              <a:shade val="50000"/>
+            </a:schemeClr>
+          </a:lnRef>
+          <a:fillRef idx="1">
+            <a:schemeClr val="accent1"/>
+          </a:fillRef>
+          <a:effectRef idx="0">
+            <a:schemeClr val="accent1"/>
+          </a:effectRef>
+          <a:fontRef idx="minor">
+            <a:schemeClr val="lt1"/>
+          </a:fontRef>
+        </p:style>
+        <p:txBody>
+          <a:bodyPr rtlCol="0" anchor="ctr"/>
+          <a:lstStyle/>
+          <a:p>
+            <a:pPr algn="ctr"/>
+            <a:r>
+              <a:rPr lang="en-US" altLang="ko-KR" dirty="0"/>
+              <a:t>Accurate info </a:t>
+            </a:r>
+            <a:br>
+              <a:rPr lang="en-US" altLang="ko-KR" dirty="0"/>
+            </a:br>
+            <a:r>
+              <a:rPr lang="en-US" altLang="ko-KR" dirty="0"/>
+              <a:t>even in building</a:t>
+            </a:r>
+            <a:endParaRPr lang="ko-KR" altLang="en-US" dirty="0"/>
+          </a:p>
+        </p:txBody>
+      </p:sp>
+      <p:cxnSp>
+        <p:nvCxnSpPr>
+          <p:cNvPr id="40" name="직선 화살표 연결선 39">
+            <a:extLst>
+              <a:ext uri="{FF2B5EF4-FFF2-40B4-BE49-F238E27FC236}">
+                <a16:creationId xmlns:a16="http://schemas.microsoft.com/office/drawing/2014/main" id="{E56C7ADF-75FE-4FAB-A3FD-79B27268AB26}"/>
+              </a:ext>
+            </a:extLst>
+          </p:cNvPr>
+          <p:cNvCxnSpPr>
+            <a:cxnSpLocks/>
+            <a:stCxn id="14" idx="3"/>
+            <a:endCxn id="18" idx="1"/>
+          </p:cNvCxnSpPr>
+          <p:nvPr/>
+        </p:nvCxnSpPr>
+        <p:spPr>
+          <a:xfrm>
+            <a:off x="2465610" y="5653066"/>
+            <a:ext cx="295434" cy="17338"/>
+          </a:xfrm>
+          <a:prstGeom prst="straightConnector1">
+            <a:avLst/>
+          </a:prstGeom>
+          <a:ln>
+            <a:tailEnd type="triangle"/>
+          </a:ln>
+        </p:spPr>
+        <p:style>
+          <a:lnRef idx="1">
+            <a:schemeClr val="accent1"/>
+          </a:lnRef>
+          <a:fillRef idx="0">
+            <a:schemeClr val="accent1"/>
+          </a:fillRef>
+          <a:effectRef idx="0">
+            <a:schemeClr val="accent1"/>
+          </a:effectRef>
+          <a:fontRef idx="minor">
+            <a:schemeClr val="tx1"/>
+          </a:fontRef>
+        </p:style>
+      </p:cxnSp>
+      <p:cxnSp>
+        <p:nvCxnSpPr>
+          <p:cNvPr id="45" name="직선 화살표 연결선 44">
+            <a:extLst>
+              <a:ext uri="{FF2B5EF4-FFF2-40B4-BE49-F238E27FC236}">
+                <a16:creationId xmlns:a16="http://schemas.microsoft.com/office/drawing/2014/main" id="{A30C55D0-A5F4-41F3-BC2F-5D7BC0C38671}"/>
+              </a:ext>
+            </a:extLst>
+          </p:cNvPr>
+          <p:cNvCxnSpPr>
+            <a:stCxn id="18" idx="3"/>
+            <a:endCxn id="22" idx="1"/>
+          </p:cNvCxnSpPr>
+          <p:nvPr/>
+        </p:nvCxnSpPr>
+        <p:spPr>
+          <a:xfrm>
+            <a:off x="5543401" y="5670404"/>
+            <a:ext cx="354545" cy="0"/>
+          </a:xfrm>
+          <a:prstGeom prst="straightConnector1">
+            <a:avLst/>
+          </a:prstGeom>
+          <a:ln>
+            <a:tailEnd type="triangle"/>
+          </a:ln>
+        </p:spPr>
+        <p:style>
+          <a:lnRef idx="1">
+            <a:schemeClr val="accent1"/>
+          </a:lnRef>
+          <a:fillRef idx="0">
+            <a:schemeClr val="accent1"/>
+          </a:fillRef>
+          <a:effectRef idx="0">
+            <a:schemeClr val="accent1"/>
+          </a:effectRef>
+          <a:fontRef idx="minor">
+            <a:schemeClr val="tx1"/>
+          </a:fontRef>
+        </p:style>
+      </p:cxnSp>
+      <p:sp>
+        <p:nvSpPr>
+          <p:cNvPr id="49" name="순서도: 대체 처리 48">
+            <a:extLst>
+              <a:ext uri="{FF2B5EF4-FFF2-40B4-BE49-F238E27FC236}">
+                <a16:creationId xmlns:a16="http://schemas.microsoft.com/office/drawing/2014/main" id="{16B62824-AFFD-4540-8348-9DD4D7D8B8F6}"/>
+              </a:ext>
+            </a:extLst>
+          </p:cNvPr>
+          <p:cNvSpPr/>
+          <p:nvPr/>
+        </p:nvSpPr>
+        <p:spPr>
+          <a:xfrm>
+            <a:off x="10071859" y="5353808"/>
+            <a:ext cx="2120141" cy="598516"/>
+          </a:xfrm>
+          <a:prstGeom prst="flowChartAlternateProcess">
+            <a:avLst/>
+          </a:prstGeom>
+        </p:spPr>
+        <p:style>
+          <a:lnRef idx="2">
+            <a:schemeClr val="accent1">
+              <a:shade val="50000"/>
+            </a:schemeClr>
+          </a:lnRef>
+          <a:fillRef idx="1">
+            <a:schemeClr val="accent1"/>
+          </a:fillRef>
+          <a:effectRef idx="0">
+            <a:schemeClr val="accent1"/>
+          </a:effectRef>
+          <a:fontRef idx="minor">
+            <a:schemeClr val="lt1"/>
+          </a:fontRef>
+        </p:style>
+        <p:txBody>
+          <a:bodyPr rtlCol="0" anchor="ctr"/>
+          <a:lstStyle/>
+          <a:p>
+            <a:pPr algn="ctr"/>
+            <a:r>
+              <a:rPr lang="en-US" altLang="ko-KR" dirty="0"/>
+              <a:t>Converting to flash viewer</a:t>
+            </a:r>
+            <a:endParaRPr lang="ko-KR" altLang="en-US" dirty="0"/>
+          </a:p>
+        </p:txBody>
+      </p:sp>
+      <p:sp>
+        <p:nvSpPr>
+          <p:cNvPr id="50" name="순서도: 대체 처리 49">
+            <a:extLst>
+              <a:ext uri="{FF2B5EF4-FFF2-40B4-BE49-F238E27FC236}">
+                <a16:creationId xmlns:a16="http://schemas.microsoft.com/office/drawing/2014/main" id="{DC61513F-A09E-4CAC-96C8-D79FAF61F3D3}"/>
+              </a:ext>
+            </a:extLst>
+          </p:cNvPr>
+          <p:cNvSpPr/>
+          <p:nvPr/>
+        </p:nvSpPr>
+        <p:spPr>
+          <a:xfrm>
+            <a:off x="8228775" y="5371146"/>
+            <a:ext cx="1640939" cy="598516"/>
+          </a:xfrm>
+          <a:prstGeom prst="flowChartAlternateProcess">
+            <a:avLst/>
+          </a:prstGeom>
+        </p:spPr>
+        <p:style>
+          <a:lnRef idx="2">
+            <a:schemeClr val="accent1">
+              <a:shade val="50000"/>
+            </a:schemeClr>
+          </a:lnRef>
+          <a:fillRef idx="1">
+            <a:schemeClr val="accent1"/>
+          </a:fillRef>
+          <a:effectRef idx="0">
+            <a:schemeClr val="accent1"/>
+          </a:effectRef>
+          <a:fontRef idx="minor">
+            <a:schemeClr val="lt1"/>
+          </a:fontRef>
+        </p:style>
+        <p:txBody>
+          <a:bodyPr rtlCol="0" anchor="ctr"/>
+          <a:lstStyle/>
+          <a:p>
+            <a:pPr algn="ctr"/>
+            <a:r>
+              <a:rPr lang="en-US" altLang="ko-KR" dirty="0"/>
+              <a:t>Blur out </a:t>
+            </a:r>
+            <a:br>
+              <a:rPr lang="en-US" altLang="ko-KR" dirty="0"/>
+            </a:br>
+            <a:r>
+              <a:rPr lang="en-US" altLang="ko-KR" dirty="0"/>
+              <a:t>sensitive info</a:t>
+            </a:r>
+            <a:endParaRPr lang="ko-KR" altLang="en-US" dirty="0"/>
+          </a:p>
+        </p:txBody>
+      </p:sp>
+      <p:sp>
+        <p:nvSpPr>
+          <p:cNvPr id="54" name="순서도: 대체 처리 53">
+            <a:extLst>
+              <a:ext uri="{FF2B5EF4-FFF2-40B4-BE49-F238E27FC236}">
+                <a16:creationId xmlns:a16="http://schemas.microsoft.com/office/drawing/2014/main" id="{C96D062A-1EA0-4FB8-9A36-D3B336311F4E}"/>
+              </a:ext>
+            </a:extLst>
+          </p:cNvPr>
+          <p:cNvSpPr/>
+          <p:nvPr/>
+        </p:nvSpPr>
+        <p:spPr>
+          <a:xfrm>
+            <a:off x="8376492" y="6152771"/>
+            <a:ext cx="2120141" cy="598516"/>
+          </a:xfrm>
+          <a:prstGeom prst="flowChartAlternateProcess">
+            <a:avLst/>
+          </a:prstGeom>
+        </p:spPr>
+        <p:style>
+          <a:lnRef idx="2">
+            <a:schemeClr val="accent1">
+              <a:shade val="50000"/>
+            </a:schemeClr>
+          </a:lnRef>
+          <a:fillRef idx="1">
+            <a:schemeClr val="accent1"/>
+          </a:fillRef>
+          <a:effectRef idx="0">
+            <a:schemeClr val="accent1"/>
+          </a:effectRef>
+          <a:fontRef idx="minor">
+            <a:schemeClr val="lt1"/>
+          </a:fontRef>
+        </p:style>
+        <p:txBody>
+          <a:bodyPr rtlCol="0" anchor="ctr"/>
+          <a:lstStyle/>
+          <a:p>
+            <a:pPr algn="ctr"/>
+            <a:r>
+              <a:rPr lang="en-US" altLang="ko-KR" dirty="0"/>
+              <a:t>Rendering in App</a:t>
+            </a:r>
+            <a:endParaRPr lang="ko-KR" altLang="en-US" dirty="0"/>
           </a:p>
         </p:txBody>
       </p:sp>
     </p:spTree>
     <p:extLst>
       <p:ext uri="{BB962C8B-B14F-4D97-AF65-F5344CB8AC3E}">
-        <p14:creationId xmlns:p14="http://schemas.microsoft.com/office/powerpoint/2010/main" val="3859425549"/>
+        <p14:creationId xmlns:p14="http://schemas.microsoft.com/office/powerpoint/2010/main" val="4161322698"/>
       </p:ext>
     </p:extLst>
   </p:cSld>
@@ -16067,30 +18626,70 @@
               <a:t>Methods </a:t>
             </a:r>
             <a:r>
+              <a:rPr lang="ko-KR" altLang="en-US" dirty="0"/>
+              <a:t>쓰일 기술 스택들 </a:t>
+            </a:r>
+            <a:r>
               <a:rPr lang="ko-KR" altLang="en-US" dirty="0" err="1"/>
               <a:t>프론트엔드</a:t>
             </a:r>
-            <a:r>
-              <a:rPr lang="ko-KR" altLang="en-US" dirty="0"/>
-              <a:t> </a:t>
-            </a:r>
-            <a:r>
-              <a:rPr lang="ko-KR" altLang="en-US" dirty="0" err="1"/>
-              <a:t>백엔드</a:t>
-            </a:r>
-            <a:r>
-              <a:rPr lang="ko-KR" altLang="en-US" dirty="0"/>
-              <a:t> 구조</a:t>
-            </a:r>
+            <a:endParaRPr lang="ko-KR" altLang="en-US" dirty="0"/>
           </a:p>
         </p:txBody>
       </p:sp>
+      <p:pic>
+        <p:nvPicPr>
+          <p:cNvPr id="4" name="Picture 12" descr="WHAT IS FLUTTER? / SETTING UP FLUTTER : 네이버 블로그">
+            <a:extLst>
+              <a:ext uri="{FF2B5EF4-FFF2-40B4-BE49-F238E27FC236}">
+                <a16:creationId xmlns:a16="http://schemas.microsoft.com/office/drawing/2014/main" id="{9FCBA0E2-5FF3-4B8F-B297-82A5790C428C}"/>
+              </a:ext>
+            </a:extLst>
+          </p:cNvPr>
+          <p:cNvPicPr>
+            <a:picLocks noChangeAspect="1" noChangeArrowheads="1"/>
+          </p:cNvPicPr>
+          <p:nvPr/>
+        </p:nvPicPr>
+        <p:blipFill>
+          <a:blip r:embed="rId3">
+            <a:extLst>
+              <a:ext uri="{28A0092B-C50C-407E-A947-70E740481C1C}">
+                <a14:useLocalDpi xmlns:a14="http://schemas.microsoft.com/office/drawing/2010/main" val="0"/>
+              </a:ext>
+            </a:extLst>
+          </a:blip>
+          <a:srcRect/>
+          <a:stretch>
+            <a:fillRect/>
+          </a:stretch>
+        </p:blipFill>
+        <p:spPr bwMode="auto">
+          <a:xfrm>
+            <a:off x="8572500" y="3327537"/>
+            <a:ext cx="3233507" cy="1534653"/>
+          </a:xfrm>
+          <a:prstGeom prst="rect">
+            <a:avLst/>
+          </a:prstGeom>
+          <a:noFill/>
+          <a:extLst>
+            <a:ext uri="{909E8E84-426E-40DD-AFC4-6F175D3DCCD1}">
+              <a14:hiddenFill xmlns:a14="http://schemas.microsoft.com/office/drawing/2010/main">
+                <a:solidFill>
+                  <a:srgbClr val="FFFFFF"/>
+                </a:solidFill>
+              </a14:hiddenFill>
+            </a:ext>
+          </a:extLst>
+        </p:spPr>
+      </p:pic>
       <p:sp>
         <p:nvSpPr>
-          <p:cNvPr id="2" name="TextBox 1">
+          <p:cNvPr id="5" name="TextBox 4">
             <a:extLst>
               <a:ext uri="{FF2B5EF4-FFF2-40B4-BE49-F238E27FC236}">
-                <a16:creationId xmlns:a16="http://schemas.microsoft.com/office/drawing/2014/main" id="{0B3D1D03-DB2B-4FB5-8B81-8F2AE42B0897}"/>
+                <a16:creationId xmlns:a16="http://schemas.microsoft.com/office/drawing/2014/main" id="{6EF38A2E-9CA4-4165-A479-0726C2599BA5}"/>
               </a:ext>
             </a:extLst>
           </p:cNvPr>
@@ -16099,8 +18698,8 @@
         </p:nvSpPr>
         <p:spPr>
           <a:xfrm>
-            <a:off x="370609" y="3059668"/>
-            <a:ext cx="11450782" cy="461665"/>
+            <a:off x="8943975" y="5093095"/>
+            <a:ext cx="2657475" cy="646331"/>
           </a:xfrm>
           <a:prstGeom prst="rect">
             <a:avLst/>
@@ -16113,35 +18712,18 @@
           </a:bodyPr>
           <a:lstStyle/>
           <a:p>
-            <a:pPr algn="ctr"/>
-            <a:r>
-              <a:rPr lang="en-US" altLang="ko-KR" sz="2400" b="1" dirty="0"/>
-              <a:t>Get</a:t>
-            </a:r>
-            <a:r>
-              <a:rPr lang="ko-KR" altLang="en-US" sz="2400" b="1" dirty="0"/>
-              <a:t> </a:t>
-            </a:r>
-            <a:r>
-              <a:rPr lang="en-US" altLang="ko-KR" sz="2400" b="1" dirty="0"/>
-              <a:t>to</a:t>
-            </a:r>
-            <a:r>
-              <a:rPr lang="ko-KR" altLang="en-US" sz="2400" b="1" dirty="0"/>
-              <a:t> </a:t>
-            </a:r>
-            <a:r>
-              <a:rPr lang="en-US" altLang="ko-KR" sz="2400" b="1" dirty="0"/>
-              <a:t>know inside the school Right Now without any step</a:t>
-            </a:r>
-            <a:endParaRPr lang="ko-KR" altLang="en-US" sz="2400" b="1" dirty="0"/>
+            <a:r>
+              <a:rPr lang="en-US" altLang="ko-KR" dirty="0"/>
+              <a:t>To Deal with Cross-platform environment</a:t>
+            </a:r>
+            <a:endParaRPr lang="ko-KR" altLang="en-US" dirty="0"/>
           </a:p>
         </p:txBody>
       </p:sp>
     </p:spTree>
     <p:extLst>
       <p:ext uri="{BB962C8B-B14F-4D97-AF65-F5344CB8AC3E}">
-        <p14:creationId xmlns:p14="http://schemas.microsoft.com/office/powerpoint/2010/main" val="1223850312"/>
+        <p14:creationId xmlns:p14="http://schemas.microsoft.com/office/powerpoint/2010/main" val="4083894149"/>
       </p:ext>
     </p:extLst>
   </p:cSld>
@@ -16191,7 +18773,9 @@
           </a:xfrm>
         </p:spPr>
         <p:txBody>
-          <a:bodyPr/>
+          <a:bodyPr>
+            <a:normAutofit fontScale="90000"/>
+          </a:bodyPr>
           <a:lstStyle/>
           <a:p>
             <a:r>
@@ -16204,7 +18788,272 @@
             </a:r>
             <a:r>
               <a:rPr lang="ko-KR" altLang="en-US" dirty="0" err="1"/>
-              <a:t>프론트엔드</a:t>
+              <a:t>백엔드</a:t>
+            </a:r>
+            <a:r>
+              <a:rPr lang="ko-KR" altLang="en-US" dirty="0"/>
+              <a:t> 기술들</a:t>
+            </a:r>
+            <a:r>
+              <a:rPr lang="en-US" altLang="ko-KR" dirty="0"/>
+              <a:t>(</a:t>
+            </a:r>
+            <a:r>
+              <a:rPr lang="ko-KR" altLang="en-US" dirty="0"/>
+              <a:t>초기</a:t>
+            </a:r>
+            <a:r>
+              <a:rPr lang="en-US" altLang="ko-KR" dirty="0"/>
+              <a:t>)</a:t>
+            </a:r>
+            <a:endParaRPr lang="ko-KR" altLang="en-US" dirty="0"/>
+          </a:p>
+        </p:txBody>
+      </p:sp>
+      <p:pic>
+        <p:nvPicPr>
+          <p:cNvPr id="1026" name="Picture 2" descr="Firebase - Realtime Database | H-web Blog">
+            <a:extLst>
+              <a:ext uri="{FF2B5EF4-FFF2-40B4-BE49-F238E27FC236}">
+                <a16:creationId xmlns:a16="http://schemas.microsoft.com/office/drawing/2014/main" id="{997449CB-A257-47B5-B229-B57F4A795237}"/>
+              </a:ext>
+            </a:extLst>
+          </p:cNvPr>
+          <p:cNvPicPr>
+            <a:picLocks noChangeAspect="1" noChangeArrowheads="1"/>
+          </p:cNvPicPr>
+          <p:nvPr/>
+        </p:nvPicPr>
+        <p:blipFill>
+          <a:blip r:embed="rId3">
+            <a:extLst>
+              <a:ext uri="{28A0092B-C50C-407E-A947-70E740481C1C}">
+                <a14:useLocalDpi xmlns:a14="http://schemas.microsoft.com/office/drawing/2010/main" val="0"/>
+              </a:ext>
+            </a:extLst>
+          </a:blip>
+          <a:srcRect/>
+          <a:stretch>
+            <a:fillRect/>
+          </a:stretch>
+        </p:blipFill>
+        <p:spPr bwMode="auto">
+          <a:xfrm>
+            <a:off x="3633787" y="3005036"/>
+            <a:ext cx="3533775" cy="1811060"/>
+          </a:xfrm>
+          <a:prstGeom prst="rect">
+            <a:avLst/>
+          </a:prstGeom>
+          <a:noFill/>
+          <a:extLst>
+            <a:ext uri="{909E8E84-426E-40DD-AFC4-6F175D3DCCD1}">
+              <a14:hiddenFill xmlns:a14="http://schemas.microsoft.com/office/drawing/2010/main">
+                <a:solidFill>
+                  <a:srgbClr val="FFFFFF"/>
+                </a:solidFill>
+              </a14:hiddenFill>
+            </a:ext>
+          </a:extLst>
+        </p:spPr>
+      </p:pic>
+      <p:pic>
+        <p:nvPicPr>
+          <p:cNvPr id="8" name="Picture 2" descr="Molecular Neuroimaging Github account – Molecular Neuroimaging">
+            <a:extLst>
+              <a:ext uri="{FF2B5EF4-FFF2-40B4-BE49-F238E27FC236}">
+                <a16:creationId xmlns:a16="http://schemas.microsoft.com/office/drawing/2014/main" id="{86359575-11F7-43F2-84DE-3AB0CA560551}"/>
+              </a:ext>
+            </a:extLst>
+          </p:cNvPr>
+          <p:cNvPicPr>
+            <a:picLocks noChangeAspect="1" noChangeArrowheads="1"/>
+          </p:cNvPicPr>
+          <p:nvPr/>
+        </p:nvPicPr>
+        <p:blipFill>
+          <a:blip r:embed="rId4">
+            <a:extLst>
+              <a:ext uri="{28A0092B-C50C-407E-A947-70E740481C1C}">
+                <a14:useLocalDpi xmlns:a14="http://schemas.microsoft.com/office/drawing/2010/main" val="0"/>
+              </a:ext>
+            </a:extLst>
+          </a:blip>
+          <a:srcRect/>
+          <a:stretch>
+            <a:fillRect/>
+          </a:stretch>
+        </p:blipFill>
+        <p:spPr bwMode="auto">
+          <a:xfrm>
+            <a:off x="1400175" y="3234833"/>
+            <a:ext cx="1467632" cy="1325563"/>
+          </a:xfrm>
+          <a:prstGeom prst="rect">
+            <a:avLst/>
+          </a:prstGeom>
+          <a:noFill/>
+          <a:extLst>
+            <a:ext uri="{909E8E84-426E-40DD-AFC4-6F175D3DCCD1}">
+              <a14:hiddenFill xmlns:a14="http://schemas.microsoft.com/office/drawing/2010/main">
+                <a:solidFill>
+                  <a:srgbClr val="FFFFFF"/>
+                </a:solidFill>
+              </a14:hiddenFill>
+            </a:ext>
+          </a:extLst>
+        </p:spPr>
+      </p:pic>
+      <p:pic>
+        <p:nvPicPr>
+          <p:cNvPr id="9" name="Picture 4" descr="Jenkins] Jenkins &amp; Tomcat &amp; Github 자동배포 (2)">
+            <a:extLst>
+              <a:ext uri="{FF2B5EF4-FFF2-40B4-BE49-F238E27FC236}">
+                <a16:creationId xmlns:a16="http://schemas.microsoft.com/office/drawing/2014/main" id="{334FC3EB-0137-4419-9A79-93643F4BE493}"/>
+              </a:ext>
+            </a:extLst>
+          </p:cNvPr>
+          <p:cNvPicPr>
+            <a:picLocks noChangeAspect="1" noChangeArrowheads="1"/>
+          </p:cNvPicPr>
+          <p:nvPr/>
+        </p:nvPicPr>
+        <p:blipFill>
+          <a:blip r:embed="rId5">
+            <a:extLst>
+              <a:ext uri="{28A0092B-C50C-407E-A947-70E740481C1C}">
+                <a14:useLocalDpi xmlns:a14="http://schemas.microsoft.com/office/drawing/2010/main" val="0"/>
+              </a:ext>
+            </a:extLst>
+          </a:blip>
+          <a:srcRect/>
+          <a:stretch>
+            <a:fillRect/>
+          </a:stretch>
+        </p:blipFill>
+        <p:spPr bwMode="auto">
+          <a:xfrm>
+            <a:off x="8371728" y="2794838"/>
+            <a:ext cx="2205555" cy="2205555"/>
+          </a:xfrm>
+          <a:prstGeom prst="rect">
+            <a:avLst/>
+          </a:prstGeom>
+          <a:noFill/>
+          <a:extLst>
+            <a:ext uri="{909E8E84-426E-40DD-AFC4-6F175D3DCCD1}">
+              <a14:hiddenFill xmlns:a14="http://schemas.microsoft.com/office/drawing/2010/main">
+                <a:solidFill>
+                  <a:srgbClr val="FFFFFF"/>
+                </a:solidFill>
+              </a14:hiddenFill>
+            </a:ext>
+          </a:extLst>
+        </p:spPr>
+      </p:pic>
+      <p:sp>
+        <p:nvSpPr>
+          <p:cNvPr id="2" name="TextBox 1">
+            <a:extLst>
+              <a:ext uri="{FF2B5EF4-FFF2-40B4-BE49-F238E27FC236}">
+                <a16:creationId xmlns:a16="http://schemas.microsoft.com/office/drawing/2014/main" id="{EE187FFA-06F2-4349-A850-76FA1843A6F3}"/>
+              </a:ext>
+            </a:extLst>
+          </p:cNvPr>
+          <p:cNvSpPr txBox="1"/>
+          <p:nvPr/>
+        </p:nvSpPr>
+        <p:spPr>
+          <a:xfrm>
+            <a:off x="940985" y="5000393"/>
+            <a:ext cx="2386012" cy="1200329"/>
+          </a:xfrm>
+          <a:prstGeom prst="rect">
+            <a:avLst/>
+          </a:prstGeom>
+          <a:noFill/>
+        </p:spPr>
+        <p:txBody>
+          <a:bodyPr wrap="square" rtlCol="0">
+            <a:spAutoFit/>
+          </a:bodyPr>
+          <a:lstStyle/>
+          <a:p>
+            <a:r>
+              <a:rPr lang="en-US" altLang="ko-KR" dirty="0"/>
+              <a:t>As Seamless Collaboration and Version Control System</a:t>
+            </a:r>
+            <a:endParaRPr lang="ko-KR" altLang="en-US" dirty="0"/>
+          </a:p>
+        </p:txBody>
+      </p:sp>
+      <p:sp>
+        <p:nvSpPr>
+          <p:cNvPr id="4" name="TextBox 3">
+            <a:extLst>
+              <a:ext uri="{FF2B5EF4-FFF2-40B4-BE49-F238E27FC236}">
+                <a16:creationId xmlns:a16="http://schemas.microsoft.com/office/drawing/2014/main" id="{D2772927-4CB8-4FF5-9624-A48A529B5A44}"/>
+              </a:ext>
+            </a:extLst>
+          </p:cNvPr>
+          <p:cNvSpPr txBox="1"/>
+          <p:nvPr/>
+        </p:nvSpPr>
+        <p:spPr>
+          <a:xfrm>
+            <a:off x="4023508" y="4957298"/>
+            <a:ext cx="2771775" cy="923330"/>
+          </a:xfrm>
+          <a:prstGeom prst="rect">
+            <a:avLst/>
+          </a:prstGeom>
+          <a:noFill/>
+        </p:spPr>
+        <p:txBody>
+          <a:bodyPr wrap="square" rtlCol="0">
+            <a:spAutoFit/>
+          </a:bodyPr>
+          <a:lstStyle/>
+          <a:p>
+            <a:r>
+              <a:rPr lang="en-US" altLang="ko-KR" dirty="0"/>
+              <a:t>As Backend (Server, DB) for speedy set-up at early stage</a:t>
+            </a:r>
+            <a:endParaRPr lang="ko-KR" altLang="en-US" dirty="0"/>
+          </a:p>
+        </p:txBody>
+      </p:sp>
+      <p:sp>
+        <p:nvSpPr>
+          <p:cNvPr id="5" name="TextBox 4">
+            <a:extLst>
+              <a:ext uri="{FF2B5EF4-FFF2-40B4-BE49-F238E27FC236}">
+                <a16:creationId xmlns:a16="http://schemas.microsoft.com/office/drawing/2014/main" id="{EDE4D4E2-C0E5-4112-B172-A918F3834378}"/>
+              </a:ext>
+            </a:extLst>
+          </p:cNvPr>
+          <p:cNvSpPr txBox="1"/>
+          <p:nvPr/>
+        </p:nvSpPr>
+        <p:spPr>
+          <a:xfrm>
+            <a:off x="8553565" y="5093095"/>
+            <a:ext cx="2019070" cy="369332"/>
+          </a:xfrm>
+          <a:prstGeom prst="rect">
+            <a:avLst/>
+          </a:prstGeom>
+          <a:noFill/>
+        </p:spPr>
+        <p:txBody>
+          <a:bodyPr wrap="square" rtlCol="0">
+            <a:spAutoFit/>
+          </a:bodyPr>
+          <a:lstStyle/>
+          <a:p>
+            <a:r>
+              <a:rPr lang="en-US" altLang="ko-KR" dirty="0"/>
+              <a:t>As CI/CD Tool</a:t>
             </a:r>
             <a:endParaRPr lang="ko-KR" altLang="en-US" dirty="0"/>
           </a:p>
@@ -16213,7 +19062,7 @@
     </p:spTree>
     <p:extLst>
       <p:ext uri="{BB962C8B-B14F-4D97-AF65-F5344CB8AC3E}">
-        <p14:creationId xmlns:p14="http://schemas.microsoft.com/office/powerpoint/2010/main" val="4083894149"/>
+        <p14:creationId xmlns:p14="http://schemas.microsoft.com/office/powerpoint/2010/main" val="510731926"/>
       </p:ext>
     </p:extLst>
   </p:cSld>
@@ -16263,7 +19112,9 @@
           </a:xfrm>
         </p:spPr>
         <p:txBody>
-          <a:bodyPr/>
+          <a:bodyPr>
+            <a:normAutofit fontScale="90000"/>
+          </a:bodyPr>
           <a:lstStyle/>
           <a:p>
             <a:r>
@@ -16282,13 +19133,369 @@
               <a:rPr lang="ko-KR" altLang="en-US" dirty="0"/>
               <a:t> 기술들</a:t>
             </a:r>
+            <a:r>
+              <a:rPr lang="en-US" altLang="ko-KR" dirty="0"/>
+              <a:t>(</a:t>
+            </a:r>
+            <a:r>
+              <a:rPr lang="ko-KR" altLang="en-US" dirty="0"/>
+              <a:t>후기</a:t>
+            </a:r>
+            <a:r>
+              <a:rPr lang="en-US" altLang="ko-KR" dirty="0"/>
+              <a:t>)</a:t>
+            </a:r>
+            <a:endParaRPr lang="ko-KR" altLang="en-US" dirty="0"/>
+          </a:p>
+        </p:txBody>
+      </p:sp>
+      <p:pic>
+        <p:nvPicPr>
+          <p:cNvPr id="8" name="Picture 2" descr="Molecular Neuroimaging Github account – Molecular Neuroimaging">
+            <a:extLst>
+              <a:ext uri="{FF2B5EF4-FFF2-40B4-BE49-F238E27FC236}">
+                <a16:creationId xmlns:a16="http://schemas.microsoft.com/office/drawing/2014/main" id="{86359575-11F7-43F2-84DE-3AB0CA560551}"/>
+              </a:ext>
+            </a:extLst>
+          </p:cNvPr>
+          <p:cNvPicPr>
+            <a:picLocks noChangeAspect="1" noChangeArrowheads="1"/>
+          </p:cNvPicPr>
+          <p:nvPr/>
+        </p:nvPicPr>
+        <p:blipFill>
+          <a:blip r:embed="rId3">
+            <a:extLst>
+              <a:ext uri="{28A0092B-C50C-407E-A947-70E740481C1C}">
+                <a14:useLocalDpi xmlns:a14="http://schemas.microsoft.com/office/drawing/2010/main" val="0"/>
+              </a:ext>
+            </a:extLst>
+          </a:blip>
+          <a:srcRect/>
+          <a:stretch>
+            <a:fillRect/>
+          </a:stretch>
+        </p:blipFill>
+        <p:spPr bwMode="auto">
+          <a:xfrm>
+            <a:off x="2799609" y="1844142"/>
+            <a:ext cx="1467632" cy="1325563"/>
+          </a:xfrm>
+          <a:prstGeom prst="rect">
+            <a:avLst/>
+          </a:prstGeom>
+          <a:noFill/>
+          <a:extLst>
+            <a:ext uri="{909E8E84-426E-40DD-AFC4-6F175D3DCCD1}">
+              <a14:hiddenFill xmlns:a14="http://schemas.microsoft.com/office/drawing/2010/main">
+                <a:solidFill>
+                  <a:srgbClr val="FFFFFF"/>
+                </a:solidFill>
+              </a14:hiddenFill>
+            </a:ext>
+          </a:extLst>
+        </p:spPr>
+      </p:pic>
+      <p:pic>
+        <p:nvPicPr>
+          <p:cNvPr id="10" name="Picture 6" descr="초보를 위한 도커 안내서 - 도커란 무엇인가?">
+            <a:extLst>
+              <a:ext uri="{FF2B5EF4-FFF2-40B4-BE49-F238E27FC236}">
+                <a16:creationId xmlns:a16="http://schemas.microsoft.com/office/drawing/2014/main" id="{81AD416C-4C02-47E6-B793-0569B4F8AB15}"/>
+              </a:ext>
+            </a:extLst>
+          </p:cNvPr>
+          <p:cNvPicPr>
+            <a:picLocks noChangeAspect="1" noChangeArrowheads="1"/>
+          </p:cNvPicPr>
+          <p:nvPr/>
+        </p:nvPicPr>
+        <p:blipFill>
+          <a:blip r:embed="rId4">
+            <a:extLst>
+              <a:ext uri="{28A0092B-C50C-407E-A947-70E740481C1C}">
+                <a14:useLocalDpi xmlns:a14="http://schemas.microsoft.com/office/drawing/2010/main" val="0"/>
+              </a:ext>
+            </a:extLst>
+          </a:blip>
+          <a:srcRect/>
+          <a:stretch>
+            <a:fillRect/>
+          </a:stretch>
+        </p:blipFill>
+        <p:spPr bwMode="auto">
+          <a:xfrm>
+            <a:off x="6565523" y="1245619"/>
+            <a:ext cx="2978587" cy="2657475"/>
+          </a:xfrm>
+          <a:prstGeom prst="rect">
+            <a:avLst/>
+          </a:prstGeom>
+          <a:noFill/>
+          <a:extLst>
+            <a:ext uri="{909E8E84-426E-40DD-AFC4-6F175D3DCCD1}">
+              <a14:hiddenFill xmlns:a14="http://schemas.microsoft.com/office/drawing/2010/main">
+                <a:solidFill>
+                  <a:srgbClr val="FFFFFF"/>
+                </a:solidFill>
+              </a14:hiddenFill>
+            </a:ext>
+          </a:extLst>
+        </p:spPr>
+      </p:pic>
+      <p:pic>
+        <p:nvPicPr>
+          <p:cNvPr id="11" name="Picture 8" descr="ECS] 도커를 통해 ECS EC2에 배포하기">
+            <a:extLst>
+              <a:ext uri="{FF2B5EF4-FFF2-40B4-BE49-F238E27FC236}">
+                <a16:creationId xmlns:a16="http://schemas.microsoft.com/office/drawing/2014/main" id="{34C433E0-3D64-4437-AC66-1E32F74B4F3B}"/>
+              </a:ext>
+            </a:extLst>
+          </p:cNvPr>
+          <p:cNvPicPr>
+            <a:picLocks noChangeAspect="1" noChangeArrowheads="1"/>
+          </p:cNvPicPr>
+          <p:nvPr/>
+        </p:nvPicPr>
+        <p:blipFill>
+          <a:blip r:embed="rId5">
+            <a:extLst>
+              <a:ext uri="{28A0092B-C50C-407E-A947-70E740481C1C}">
+                <a14:useLocalDpi xmlns:a14="http://schemas.microsoft.com/office/drawing/2010/main" val="0"/>
+              </a:ext>
+            </a:extLst>
+          </a:blip>
+          <a:srcRect/>
+          <a:stretch>
+            <a:fillRect/>
+          </a:stretch>
+        </p:blipFill>
+        <p:spPr bwMode="auto">
+          <a:xfrm>
+            <a:off x="3533425" y="4331894"/>
+            <a:ext cx="2240973" cy="2240973"/>
+          </a:xfrm>
+          <a:prstGeom prst="rect">
+            <a:avLst/>
+          </a:prstGeom>
+          <a:noFill/>
+          <a:extLst>
+            <a:ext uri="{909E8E84-426E-40DD-AFC4-6F175D3DCCD1}">
+              <a14:hiddenFill xmlns:a14="http://schemas.microsoft.com/office/drawing/2010/main">
+                <a:solidFill>
+                  <a:srgbClr val="FFFFFF"/>
+                </a:solidFill>
+              </a14:hiddenFill>
+            </a:ext>
+          </a:extLst>
+        </p:spPr>
+      </p:pic>
+      <p:pic>
+        <p:nvPicPr>
+          <p:cNvPr id="12" name="Picture 10" descr="Amazon EC2에 웹 사이트 호스팅하기 - instance 생성 및 설정">
+            <a:extLst>
+              <a:ext uri="{FF2B5EF4-FFF2-40B4-BE49-F238E27FC236}">
+                <a16:creationId xmlns:a16="http://schemas.microsoft.com/office/drawing/2014/main" id="{AA5A1F60-EB2A-4574-8A94-F75C96E9CACA}"/>
+              </a:ext>
+            </a:extLst>
+          </p:cNvPr>
+          <p:cNvPicPr>
+            <a:picLocks noChangeAspect="1" noChangeArrowheads="1"/>
+          </p:cNvPicPr>
+          <p:nvPr/>
+        </p:nvPicPr>
+        <p:blipFill>
+          <a:blip r:embed="rId6">
+            <a:extLst>
+              <a:ext uri="{28A0092B-C50C-407E-A947-70E740481C1C}">
+                <a14:useLocalDpi xmlns:a14="http://schemas.microsoft.com/office/drawing/2010/main" val="0"/>
+              </a:ext>
+            </a:extLst>
+          </a:blip>
+          <a:srcRect/>
+          <a:stretch>
+            <a:fillRect/>
+          </a:stretch>
+        </p:blipFill>
+        <p:spPr bwMode="auto">
+          <a:xfrm>
+            <a:off x="649680" y="4427815"/>
+            <a:ext cx="3429000" cy="2190750"/>
+          </a:xfrm>
+          <a:prstGeom prst="rect">
+            <a:avLst/>
+          </a:prstGeom>
+          <a:noFill/>
+          <a:extLst>
+            <a:ext uri="{909E8E84-426E-40DD-AFC4-6F175D3DCCD1}">
+              <a14:hiddenFill xmlns:a14="http://schemas.microsoft.com/office/drawing/2010/main">
+                <a:solidFill>
+                  <a:srgbClr val="FFFFFF"/>
+                </a:solidFill>
+              </a14:hiddenFill>
+            </a:ext>
+          </a:extLst>
+        </p:spPr>
+      </p:pic>
+      <p:pic>
+        <p:nvPicPr>
+          <p:cNvPr id="13" name="Picture 12" descr="Setup Jenkins with Amazon Elastic Container Registry | by FoxuTech | Medium">
+            <a:extLst>
+              <a:ext uri="{FF2B5EF4-FFF2-40B4-BE49-F238E27FC236}">
+                <a16:creationId xmlns:a16="http://schemas.microsoft.com/office/drawing/2014/main" id="{2DBDEB61-28A8-4AB3-BA5C-09B4CC0F61FE}"/>
+              </a:ext>
+            </a:extLst>
+          </p:cNvPr>
+          <p:cNvPicPr>
+            <a:picLocks noChangeAspect="1" noChangeArrowheads="1"/>
+          </p:cNvPicPr>
+          <p:nvPr/>
+        </p:nvPicPr>
+        <p:blipFill>
+          <a:blip r:embed="rId7">
+            <a:extLst>
+              <a:ext uri="{28A0092B-C50C-407E-A947-70E740481C1C}">
+                <a14:useLocalDpi xmlns:a14="http://schemas.microsoft.com/office/drawing/2010/main" val="0"/>
+              </a:ext>
+            </a:extLst>
+          </a:blip>
+          <a:srcRect/>
+          <a:stretch>
+            <a:fillRect/>
+          </a:stretch>
+        </p:blipFill>
+        <p:spPr bwMode="auto">
+          <a:xfrm>
+            <a:off x="6223775" y="4402700"/>
+            <a:ext cx="3825015" cy="2099362"/>
+          </a:xfrm>
+          <a:prstGeom prst="rect">
+            <a:avLst/>
+          </a:prstGeom>
+          <a:noFill/>
+          <a:extLst>
+            <a:ext uri="{909E8E84-426E-40DD-AFC4-6F175D3DCCD1}">
+              <a14:hiddenFill xmlns:a14="http://schemas.microsoft.com/office/drawing/2010/main">
+                <a:solidFill>
+                  <a:srgbClr val="FFFFFF"/>
+                </a:solidFill>
+              </a14:hiddenFill>
+            </a:ext>
+          </a:extLst>
+        </p:spPr>
+      </p:pic>
+      <p:sp>
+        <p:nvSpPr>
+          <p:cNvPr id="14" name="TextBox 13">
+            <a:extLst>
+              <a:ext uri="{FF2B5EF4-FFF2-40B4-BE49-F238E27FC236}">
+                <a16:creationId xmlns:a16="http://schemas.microsoft.com/office/drawing/2014/main" id="{188AA79C-78E0-4B99-8B88-06CB76B4D457}"/>
+              </a:ext>
+            </a:extLst>
+          </p:cNvPr>
+          <p:cNvSpPr txBox="1"/>
+          <p:nvPr/>
+        </p:nvSpPr>
+        <p:spPr>
+          <a:xfrm>
+            <a:off x="2647890" y="3265626"/>
+            <a:ext cx="2386012" cy="1200329"/>
+          </a:xfrm>
+          <a:prstGeom prst="rect">
+            <a:avLst/>
+          </a:prstGeom>
+          <a:noFill/>
+        </p:spPr>
+        <p:txBody>
+          <a:bodyPr wrap="square" rtlCol="0">
+            <a:spAutoFit/>
+          </a:bodyPr>
+          <a:lstStyle/>
+          <a:p>
+            <a:r>
+              <a:rPr lang="en-US" altLang="ko-KR" dirty="0"/>
+              <a:t>As Seamless Collaboration and Version Control System</a:t>
+            </a:r>
+            <a:endParaRPr lang="ko-KR" altLang="en-US" dirty="0"/>
+          </a:p>
+        </p:txBody>
+      </p:sp>
+      <p:sp>
+        <p:nvSpPr>
+          <p:cNvPr id="2" name="TextBox 1">
+            <a:extLst>
+              <a:ext uri="{FF2B5EF4-FFF2-40B4-BE49-F238E27FC236}">
+                <a16:creationId xmlns:a16="http://schemas.microsoft.com/office/drawing/2014/main" id="{93FEBAFB-AA1F-43AF-9770-4F0CF92F977A}"/>
+              </a:ext>
+            </a:extLst>
+          </p:cNvPr>
+          <p:cNvSpPr txBox="1"/>
+          <p:nvPr/>
+        </p:nvSpPr>
+        <p:spPr>
+          <a:xfrm>
+            <a:off x="2900363" y="6229350"/>
+            <a:ext cx="5943600" cy="369332"/>
+          </a:xfrm>
+          <a:prstGeom prst="rect">
+            <a:avLst/>
+          </a:prstGeom>
+          <a:noFill/>
+        </p:spPr>
+        <p:txBody>
+          <a:bodyPr wrap="square" rtlCol="0">
+            <a:spAutoFit/>
+          </a:bodyPr>
+          <a:lstStyle/>
+          <a:p>
+            <a:r>
+              <a:rPr lang="en-US" altLang="ko-KR" dirty="0"/>
+              <a:t>For Cloud environment  and Version Control &amp; CI/CD</a:t>
+            </a:r>
+            <a:endParaRPr lang="ko-KR" altLang="en-US" dirty="0"/>
+          </a:p>
+        </p:txBody>
+      </p:sp>
+      <p:sp>
+        <p:nvSpPr>
+          <p:cNvPr id="5" name="TextBox 4">
+            <a:extLst>
+              <a:ext uri="{FF2B5EF4-FFF2-40B4-BE49-F238E27FC236}">
+                <a16:creationId xmlns:a16="http://schemas.microsoft.com/office/drawing/2014/main" id="{75267102-8869-4813-8CF8-FA75D0FF436A}"/>
+              </a:ext>
+            </a:extLst>
+          </p:cNvPr>
+          <p:cNvSpPr txBox="1"/>
+          <p:nvPr/>
+        </p:nvSpPr>
+        <p:spPr>
+          <a:xfrm>
+            <a:off x="6886575" y="3588144"/>
+            <a:ext cx="3443288" cy="646331"/>
+          </a:xfrm>
+          <a:prstGeom prst="rect">
+            <a:avLst/>
+          </a:prstGeom>
+          <a:noFill/>
+        </p:spPr>
+        <p:txBody>
+          <a:bodyPr wrap="square" rtlCol="0">
+            <a:spAutoFit/>
+          </a:bodyPr>
+          <a:lstStyle/>
+          <a:p>
+            <a:r>
+              <a:rPr lang="en-US" altLang="ko-KR" dirty="0"/>
+              <a:t>For Micro-service architecture And easy to maintain</a:t>
+            </a:r>
+            <a:endParaRPr lang="ko-KR" altLang="en-US" dirty="0"/>
           </a:p>
         </p:txBody>
       </p:sp>
     </p:spTree>
     <p:extLst>
       <p:ext uri="{BB962C8B-B14F-4D97-AF65-F5344CB8AC3E}">
-        <p14:creationId xmlns:p14="http://schemas.microsoft.com/office/powerpoint/2010/main" val="510731926"/>
+        <p14:creationId xmlns:p14="http://schemas.microsoft.com/office/powerpoint/2010/main" val="1556943394"/>
       </p:ext>
     </p:extLst>
   </p:cSld>
